--- a/Orderly.pptx
+++ b/Orderly.pptx
@@ -9,6 +9,10 @@
     <p:sldId id="257" r:id="rId3"/>
     <p:sldId id="258" r:id="rId4"/>
     <p:sldId id="259" r:id="rId5"/>
+    <p:sldId id="262" r:id="rId6"/>
+    <p:sldId id="263" r:id="rId7"/>
+    <p:sldId id="261" r:id="rId8"/>
+    <p:sldId id="260" r:id="rId9"/>
   </p:sldIdLst>
   <p:sldSz cx="12192000" cy="6858000"/>
   <p:notesSz cx="6858000" cy="9144000"/>
@@ -107,6 +111,11 @@
       </a:defRPr>
     </a:lvl9pPr>
   </p:defaultTextStyle>
+  <p:extLst>
+    <p:ext uri="{EFAFB233-063F-42B5-8137-9DF3F51BA10A}">
+      <p15:sldGuideLst xmlns:p15="http://schemas.microsoft.com/office/powerpoint/2012/main"/>
+    </p:ext>
+  </p:extLst>
 </p:presentation>
 </file>
 
@@ -257,7 +266,7 @@
           <a:p>
             <a:fld id="{94E37DA2-E0BF-AF42-98F9-D3577FEF4F42}" type="datetimeFigureOut">
               <a:rPr lang="en-US" smtClean="0"/>
-              <a:t>12/1/20</a:t>
+              <a:t>12/2/20</a:t>
             </a:fld>
             <a:endParaRPr lang="en-US"/>
           </a:p>
@@ -455,7 +464,7 @@
           <a:p>
             <a:fld id="{94E37DA2-E0BF-AF42-98F9-D3577FEF4F42}" type="datetimeFigureOut">
               <a:rPr lang="en-US" smtClean="0"/>
-              <a:t>12/1/20</a:t>
+              <a:t>12/2/20</a:t>
             </a:fld>
             <a:endParaRPr lang="en-US"/>
           </a:p>
@@ -663,7 +672,7 @@
           <a:p>
             <a:fld id="{94E37DA2-E0BF-AF42-98F9-D3577FEF4F42}" type="datetimeFigureOut">
               <a:rPr lang="en-US" smtClean="0"/>
-              <a:t>12/1/20</a:t>
+              <a:t>12/2/20</a:t>
             </a:fld>
             <a:endParaRPr lang="en-US"/>
           </a:p>
@@ -861,7 +870,7 @@
           <a:p>
             <a:fld id="{94E37DA2-E0BF-AF42-98F9-D3577FEF4F42}" type="datetimeFigureOut">
               <a:rPr lang="en-US" smtClean="0"/>
-              <a:t>12/1/20</a:t>
+              <a:t>12/2/20</a:t>
             </a:fld>
             <a:endParaRPr lang="en-US"/>
           </a:p>
@@ -1136,7 +1145,7 @@
           <a:p>
             <a:fld id="{94E37DA2-E0BF-AF42-98F9-D3577FEF4F42}" type="datetimeFigureOut">
               <a:rPr lang="en-US" smtClean="0"/>
-              <a:t>12/1/20</a:t>
+              <a:t>12/2/20</a:t>
             </a:fld>
             <a:endParaRPr lang="en-US"/>
           </a:p>
@@ -1401,7 +1410,7 @@
           <a:p>
             <a:fld id="{94E37DA2-E0BF-AF42-98F9-D3577FEF4F42}" type="datetimeFigureOut">
               <a:rPr lang="en-US" smtClean="0"/>
-              <a:t>12/1/20</a:t>
+              <a:t>12/2/20</a:t>
             </a:fld>
             <a:endParaRPr lang="en-US"/>
           </a:p>
@@ -1813,7 +1822,7 @@
           <a:p>
             <a:fld id="{94E37DA2-E0BF-AF42-98F9-D3577FEF4F42}" type="datetimeFigureOut">
               <a:rPr lang="en-US" smtClean="0"/>
-              <a:t>12/1/20</a:t>
+              <a:t>12/2/20</a:t>
             </a:fld>
             <a:endParaRPr lang="en-US"/>
           </a:p>
@@ -1954,7 +1963,7 @@
           <a:p>
             <a:fld id="{94E37DA2-E0BF-AF42-98F9-D3577FEF4F42}" type="datetimeFigureOut">
               <a:rPr lang="en-US" smtClean="0"/>
-              <a:t>12/1/20</a:t>
+              <a:t>12/2/20</a:t>
             </a:fld>
             <a:endParaRPr lang="en-US"/>
           </a:p>
@@ -2067,7 +2076,7 @@
           <a:p>
             <a:fld id="{94E37DA2-E0BF-AF42-98F9-D3577FEF4F42}" type="datetimeFigureOut">
               <a:rPr lang="en-US" smtClean="0"/>
-              <a:t>12/1/20</a:t>
+              <a:t>12/2/20</a:t>
             </a:fld>
             <a:endParaRPr lang="en-US"/>
           </a:p>
@@ -2378,7 +2387,7 @@
           <a:p>
             <a:fld id="{94E37DA2-E0BF-AF42-98F9-D3577FEF4F42}" type="datetimeFigureOut">
               <a:rPr lang="en-US" smtClean="0"/>
-              <a:t>12/1/20</a:t>
+              <a:t>12/2/20</a:t>
             </a:fld>
             <a:endParaRPr lang="en-US"/>
           </a:p>
@@ -2666,7 +2675,7 @@
           <a:p>
             <a:fld id="{94E37DA2-E0BF-AF42-98F9-D3577FEF4F42}" type="datetimeFigureOut">
               <a:rPr lang="en-US" smtClean="0"/>
-              <a:t>12/1/20</a:t>
+              <a:t>12/2/20</a:t>
             </a:fld>
             <a:endParaRPr lang="en-US"/>
           </a:p>
@@ -2907,7 +2916,7 @@
           <a:p>
             <a:fld id="{94E37DA2-E0BF-AF42-98F9-D3577FEF4F42}" type="datetimeFigureOut">
               <a:rPr lang="en-US" smtClean="0"/>
-              <a:t>12/1/20</a:t>
+              <a:t>12/2/20</a:t>
             </a:fld>
             <a:endParaRPr lang="en-US"/>
           </a:p>
@@ -4223,16 +4232,9 @@
           <a:prstGeom prst="rect">
             <a:avLst/>
           </a:prstGeom>
-          <a:noFill/>
-          <a:extLst>
-            <a:ext uri="{909E8E84-426E-40DD-AFC4-6F175D3DCCD1}">
-              <a14:hiddenFill xmlns:a14="http://schemas.microsoft.com/office/drawing/2010/main">
-                <a:solidFill>
-                  <a:srgbClr val="FFFFFF"/>
-                </a:solidFill>
-              </a14:hiddenFill>
-            </a:ext>
-          </a:extLst>
+          <a:solidFill>
+            <a:schemeClr val="bg1"/>
+          </a:solidFill>
         </p:spPr>
       </p:pic>
       <p:sp>
@@ -4662,7 +4664,9 @@
           <a:prstGeom prst="roundRect">
             <a:avLst/>
           </a:prstGeom>
-          <a:noFill/>
+          <a:solidFill>
+            <a:schemeClr val="bg1"/>
+          </a:solidFill>
           <a:ln>
             <a:solidFill>
               <a:schemeClr val="accent5">
@@ -4717,7 +4721,9 @@
           <a:prstGeom prst="roundRect">
             <a:avLst/>
           </a:prstGeom>
-          <a:noFill/>
+          <a:solidFill>
+            <a:schemeClr val="bg1"/>
+          </a:solidFill>
           <a:ln>
             <a:solidFill>
               <a:schemeClr val="accent5">
@@ -5339,7 +5345,9 @@
           <a:prstGeom prst="roundRect">
             <a:avLst/>
           </a:prstGeom>
-          <a:noFill/>
+          <a:solidFill>
+            <a:schemeClr val="bg1"/>
+          </a:solidFill>
           <a:ln>
             <a:solidFill>
               <a:schemeClr val="accent5">
@@ -5394,7 +5402,9 @@
           <a:prstGeom prst="roundRect">
             <a:avLst/>
           </a:prstGeom>
-          <a:noFill/>
+          <a:solidFill>
+            <a:schemeClr val="bg1"/>
+          </a:solidFill>
           <a:ln>
             <a:solidFill>
               <a:schemeClr val="accent5">
@@ -5494,7 +5504,9 @@
           <a:prstGeom prst="roundRect">
             <a:avLst/>
           </a:prstGeom>
-          <a:noFill/>
+          <a:solidFill>
+            <a:schemeClr val="bg1"/>
+          </a:solidFill>
           <a:ln>
             <a:solidFill>
               <a:schemeClr val="accent5">
@@ -5549,7 +5561,9 @@
           <a:prstGeom prst="roundRect">
             <a:avLst/>
           </a:prstGeom>
-          <a:noFill/>
+          <a:solidFill>
+            <a:schemeClr val="bg1"/>
+          </a:solidFill>
           <a:ln>
             <a:solidFill>
               <a:schemeClr val="accent5">
@@ -5604,7 +5618,9 @@
           <a:prstGeom prst="roundRect">
             <a:avLst/>
           </a:prstGeom>
-          <a:noFill/>
+          <a:solidFill>
+            <a:schemeClr val="bg1"/>
+          </a:solidFill>
           <a:ln>
             <a:solidFill>
               <a:schemeClr val="accent5">
@@ -5717,10 +5733,10 @@
       </p:pic>
       <p:sp>
         <p:nvSpPr>
-          <p:cNvPr id="4107" name="Rectangle 4106">
-            <a:extLst>
-              <a:ext uri="{FF2B5EF4-FFF2-40B4-BE49-F238E27FC236}">
-                <a16:creationId xmlns:a16="http://schemas.microsoft.com/office/drawing/2014/main" id="{E6B2C3D2-8801-4545-AEA7-1FFDE810F3FC}"/>
+          <p:cNvPr id="62" name="Rectangle 61">
+            <a:extLst>
+              <a:ext uri="{FF2B5EF4-FFF2-40B4-BE49-F238E27FC236}">
+                <a16:creationId xmlns:a16="http://schemas.microsoft.com/office/drawing/2014/main" id="{3A23B64B-8CAC-CA49-BEB2-F31CEB26A037}"/>
               </a:ext>
             </a:extLst>
           </p:cNvPr>
@@ -5729,8 +5745,60 @@
         </p:nvSpPr>
         <p:spPr>
           <a:xfrm>
-            <a:off x="1921888" y="1027718"/>
-            <a:ext cx="6785574" cy="5731428"/>
+            <a:off x="3026910" y="5638125"/>
+            <a:ext cx="5680551" cy="1205217"/>
+          </a:xfrm>
+          <a:prstGeom prst="rect">
+            <a:avLst/>
+          </a:prstGeom>
+          <a:solidFill>
+            <a:schemeClr val="bg1"/>
+          </a:solidFill>
+          <a:ln>
+            <a:noFill/>
+          </a:ln>
+        </p:spPr>
+        <p:style>
+          <a:lnRef idx="2">
+            <a:schemeClr val="accent1">
+              <a:shade val="50000"/>
+            </a:schemeClr>
+          </a:lnRef>
+          <a:fillRef idx="1">
+            <a:schemeClr val="accent1"/>
+          </a:fillRef>
+          <a:effectRef idx="0">
+            <a:schemeClr val="accent1"/>
+          </a:effectRef>
+          <a:fontRef idx="minor">
+            <a:schemeClr val="lt1"/>
+          </a:fontRef>
+        </p:style>
+        <p:txBody>
+          <a:bodyPr rtlCol="0" anchor="ctr"/>
+          <a:lstStyle/>
+          <a:p>
+            <a:pPr algn="ctr"/>
+            <a:endParaRPr lang="en-US"/>
+          </a:p>
+        </p:txBody>
+      </p:sp>
+      <p:sp>
+        <p:nvSpPr>
+          <p:cNvPr id="4107" name="Rectangle 4106">
+            <a:extLst>
+              <a:ext uri="{FF2B5EF4-FFF2-40B4-BE49-F238E27FC236}">
+                <a16:creationId xmlns:a16="http://schemas.microsoft.com/office/drawing/2014/main" id="{E6B2C3D2-8801-4545-AEA7-1FFDE810F3FC}"/>
+              </a:ext>
+            </a:extLst>
+          </p:cNvPr>
+          <p:cNvSpPr/>
+          <p:nvPr/>
+        </p:nvSpPr>
+        <p:spPr>
+          <a:xfrm>
+            <a:off x="3026912" y="1027718"/>
+            <a:ext cx="5680550" cy="4513842"/>
           </a:xfrm>
           <a:prstGeom prst="rect">
             <a:avLst/>
@@ -7358,10 +7426,10 @@
         </p:nvGrpSpPr>
         <p:grpSpPr>
           <a:xfrm>
-            <a:off x="2037712" y="1106232"/>
-            <a:ext cx="7678470" cy="5322662"/>
+            <a:off x="3088047" y="1106232"/>
+            <a:ext cx="6689999" cy="5722049"/>
             <a:chOff x="1926499" y="1106232"/>
-            <a:chExt cx="7678470" cy="5322662"/>
+            <a:chExt cx="6689999" cy="5722049"/>
           </a:xfrm>
         </p:grpSpPr>
         <p:pic>
@@ -7391,7 +7459,7 @@
           </p:blipFill>
           <p:spPr bwMode="auto">
             <a:xfrm>
-              <a:off x="1926499" y="5315280"/>
+              <a:off x="1926499" y="5714667"/>
               <a:ext cx="660532" cy="633552"/>
             </a:xfrm>
             <a:prstGeom prst="ellipse">
@@ -7424,9 +7492,9 @@
           <p:grpSpPr>
             <a:xfrm>
               <a:off x="1940430" y="1106232"/>
-              <a:ext cx="7664539" cy="3893293"/>
+              <a:ext cx="6676068" cy="3893293"/>
               <a:chOff x="2434704" y="1452228"/>
-              <a:chExt cx="7664539" cy="3893293"/>
+              <a:chExt cx="6676068" cy="3893293"/>
             </a:xfrm>
           </p:grpSpPr>
           <p:grpSp>
@@ -7444,9 +7512,9 @@
             <p:grpSpPr>
               <a:xfrm>
                 <a:off x="3184775" y="4639145"/>
-                <a:ext cx="5489669" cy="706376"/>
+                <a:ext cx="5925997" cy="706376"/>
                 <a:chOff x="3184775" y="4372955"/>
-                <a:chExt cx="5489669" cy="706376"/>
+                <a:chExt cx="5925997" cy="706376"/>
               </a:xfrm>
             </p:grpSpPr>
             <p:pic>
@@ -7508,8 +7576,8 @@
               </p:nvSpPr>
               <p:spPr>
                 <a:xfrm>
-                  <a:off x="3618379" y="4469521"/>
-                  <a:ext cx="3163330" cy="276999"/>
+                  <a:off x="3618378" y="4469521"/>
+                  <a:ext cx="5492394" cy="276999"/>
                 </a:xfrm>
                 <a:prstGeom prst="rect">
                   <a:avLst/>
@@ -7526,7 +7594,25 @@
                     <a:rPr lang="en-US" sz="1200" b="1" dirty="0">
                       <a:latin typeface="Century Gothic" panose="020B0502020202020204" pitchFamily="34" charset="0"/>
                     </a:rPr>
-                    <a:t>twinning</a:t>
+                    <a:t>twinning                                                                          </a:t>
+                  </a:r>
+                  <a:r>
+                    <a:rPr lang="en-US" sz="1000" dirty="0">
+                      <a:solidFill>
+                        <a:schemeClr val="tx1">
+                          <a:lumMod val="50000"/>
+                          <a:lumOff val="50000"/>
+                        </a:schemeClr>
+                      </a:solidFill>
+                      <a:latin typeface="Century Gothic" panose="020B0502020202020204" pitchFamily="34" charset="0"/>
+                    </a:rPr>
+                    <a:t>5:12pm</a:t>
+                  </a:r>
+                  <a:r>
+                    <a:rPr lang="en-US" sz="1000" b="1" dirty="0">
+                      <a:latin typeface="Century Gothic" panose="020B0502020202020204" pitchFamily="34" charset="0"/>
+                    </a:rPr>
+                    <a:t> </a:t>
                   </a:r>
                 </a:p>
               </p:txBody>
@@ -7546,7 +7632,7 @@
               <p:spPr>
                 <a:xfrm>
                   <a:off x="3618380" y="4679221"/>
-                  <a:ext cx="5056064" cy="400110"/>
+                  <a:ext cx="4547995" cy="400110"/>
                 </a:xfrm>
                 <a:prstGeom prst="rect">
                   <a:avLst/>
@@ -7628,8 +7714,8 @@
             </p:nvSpPr>
             <p:spPr>
               <a:xfrm>
-                <a:off x="3116329" y="1604847"/>
-                <a:ext cx="3163330" cy="276999"/>
+                <a:off x="3116327" y="1604847"/>
+                <a:ext cx="5994445" cy="276999"/>
               </a:xfrm>
               <a:prstGeom prst="rect">
                 <a:avLst/>
@@ -7646,7 +7732,25 @@
                   <a:rPr lang="en-US" sz="1200" b="1" dirty="0">
                     <a:latin typeface="Century Gothic" panose="020B0502020202020204" pitchFamily="34" charset="0"/>
                   </a:rPr>
-                  <a:t>distancelearning_momma</a:t>
+                  <a:t>distancelearning_momma                                                       </a:t>
+                </a:r>
+                <a:r>
+                  <a:rPr lang="en-US" sz="1000" dirty="0">
+                    <a:solidFill>
+                      <a:schemeClr val="tx1">
+                        <a:lumMod val="50000"/>
+                        <a:lumOff val="50000"/>
+                      </a:schemeClr>
+                    </a:solidFill>
+                    <a:latin typeface="Century Gothic" panose="020B0502020202020204" pitchFamily="34" charset="0"/>
+                  </a:rPr>
+                  <a:t>3:34pm</a:t>
+                </a:r>
+                <a:r>
+                  <a:rPr lang="en-US" sz="1200" b="1" dirty="0">
+                    <a:latin typeface="Century Gothic" panose="020B0502020202020204" pitchFamily="34" charset="0"/>
+                  </a:rPr>
+                  <a:t>                                            </a:t>
                 </a:r>
               </a:p>
             </p:txBody>
@@ -7695,8 +7799,8 @@
             </p:nvSpPr>
             <p:spPr>
               <a:xfrm>
-                <a:off x="3117952" y="3681870"/>
-                <a:ext cx="6981291" cy="400110"/>
+                <a:off x="3117953" y="3681870"/>
+                <a:ext cx="4691508" cy="400110"/>
               </a:xfrm>
               <a:prstGeom prst="rect">
                 <a:avLst/>
@@ -7713,15 +7817,7 @@
                   <a:rPr lang="en-US" sz="1000" dirty="0">
                     <a:latin typeface="Century Gothic" panose="020B0502020202020204" pitchFamily="34" charset="0"/>
                   </a:rPr>
-                  <a:t>Managed to fit two desks in my kids’ tiny room! Any ideas </a:t>
-                </a:r>
-              </a:p>
-              <a:p>
-                <a:r>
-                  <a:rPr lang="en-US" sz="1000" dirty="0">
-                    <a:latin typeface="Century Gothic" panose="020B0502020202020204" pitchFamily="34" charset="0"/>
-                  </a:rPr>
-                  <a:t>for floating book shelfs on a budget?</a:t>
+                  <a:t>Managed to fit two desks in my kids’ tiny room! Any ideas for floating book shelfs on a budget?</a:t>
                 </a:r>
               </a:p>
             </p:txBody>
@@ -7800,7 +7896,7 @@
             </p:nvSpPr>
             <p:spPr>
               <a:xfrm>
-                <a:off x="4755384" y="4055573"/>
+                <a:off x="7189670" y="4055573"/>
                 <a:ext cx="1004285" cy="215444"/>
               </a:xfrm>
               <a:prstGeom prst="rect">
@@ -7901,8 +7997,8 @@
           </p:nvSpPr>
           <p:spPr>
             <a:xfrm>
-              <a:off x="2626171" y="5494095"/>
-              <a:ext cx="3163330" cy="276999"/>
+              <a:off x="2626170" y="5893483"/>
+              <a:ext cx="5990325" cy="276999"/>
             </a:xfrm>
             <a:prstGeom prst="rect">
               <a:avLst/>
@@ -7919,7 +8015,19 @@
                 <a:rPr lang="en-US" sz="1200" b="1" dirty="0">
                   <a:latin typeface="Century Gothic" panose="020B0502020202020204" pitchFamily="34" charset="0"/>
                 </a:rPr>
-                <a:t>home_trainer</a:t>
+                <a:t>home_trainer                                                                           </a:t>
+              </a:r>
+              <a:r>
+                <a:rPr lang="en-US" sz="1000" dirty="0">
+                  <a:solidFill>
+                    <a:schemeClr val="tx1">
+                      <a:lumMod val="50000"/>
+                      <a:lumOff val="50000"/>
+                    </a:schemeClr>
+                  </a:solidFill>
+                  <a:latin typeface="Century Gothic" panose="020B0502020202020204" pitchFamily="34" charset="0"/>
+                </a:rPr>
+                <a:t>12/01/20</a:t>
               </a:r>
             </a:p>
           </p:txBody>
@@ -7938,8 +8046,8 @@
           </p:nvSpPr>
           <p:spPr>
             <a:xfrm>
-              <a:off x="2623678" y="5839747"/>
-              <a:ext cx="6981291" cy="400110"/>
+              <a:off x="2623679" y="6239134"/>
+              <a:ext cx="4942486" cy="400110"/>
             </a:xfrm>
             <a:prstGeom prst="rect">
               <a:avLst/>
@@ -7985,7 +8093,7 @@
           </p:nvSpPr>
           <p:spPr>
             <a:xfrm>
-              <a:off x="2722397" y="6249972"/>
+              <a:off x="2722397" y="6649359"/>
               <a:ext cx="137160" cy="137160"/>
             </a:xfrm>
             <a:prstGeom prst="heart">
@@ -8039,7 +8147,7 @@
           </p:nvSpPr>
           <p:spPr>
             <a:xfrm>
-              <a:off x="4261110" y="6213450"/>
+              <a:off x="4261110" y="6612837"/>
               <a:ext cx="1004285" cy="215444"/>
             </a:xfrm>
             <a:prstGeom prst="rect">
@@ -8082,7 +8190,7 @@
         </p:nvSpPr>
         <p:spPr>
           <a:xfrm>
-            <a:off x="2747682" y="3959587"/>
+            <a:off x="3798009" y="3959587"/>
             <a:ext cx="1004285" cy="246221"/>
           </a:xfrm>
           <a:prstGeom prst="rect">
@@ -8112,10 +8220,10 @@
       </p:sp>
       <p:sp>
         <p:nvSpPr>
-          <p:cNvPr id="89" name="Rounded Rectangle 88">
-            <a:extLst>
-              <a:ext uri="{FF2B5EF4-FFF2-40B4-BE49-F238E27FC236}">
-                <a16:creationId xmlns:a16="http://schemas.microsoft.com/office/drawing/2014/main" id="{5EE2CE29-3242-104A-845B-5A0D5F51411F}"/>
+          <p:cNvPr id="91" name="Rounded Rectangle 90">
+            <a:extLst>
+              <a:ext uri="{FF2B5EF4-FFF2-40B4-BE49-F238E27FC236}">
+                <a16:creationId xmlns:a16="http://schemas.microsoft.com/office/drawing/2014/main" id="{D4D839E0-428A-CD4E-A09C-3CBE3EDDCE8A}"/>
               </a:ext>
             </a:extLst>
           </p:cNvPr>
@@ -8124,8 +8232,8 @@
         </p:nvSpPr>
         <p:spPr>
           <a:xfrm>
-            <a:off x="3242450" y="6497900"/>
-            <a:ext cx="4802148" cy="214390"/>
+            <a:off x="4835690" y="5200442"/>
+            <a:ext cx="3731794" cy="236613"/>
           </a:xfrm>
           <a:prstGeom prst="roundRect">
             <a:avLst/>
@@ -8169,10 +8277,10 @@
       </p:sp>
       <p:sp>
         <p:nvSpPr>
-          <p:cNvPr id="90" name="TextBox 89">
-            <a:extLst>
-              <a:ext uri="{FF2B5EF4-FFF2-40B4-BE49-F238E27FC236}">
-                <a16:creationId xmlns:a16="http://schemas.microsoft.com/office/drawing/2014/main" id="{4EEAD62A-6A8E-E841-A3F7-EF7A75D602D7}"/>
+          <p:cNvPr id="92" name="TextBox 91">
+            <a:extLst>
+              <a:ext uri="{FF2B5EF4-FFF2-40B4-BE49-F238E27FC236}">
+                <a16:creationId xmlns:a16="http://schemas.microsoft.com/office/drawing/2014/main" id="{0B653AEA-3238-EE45-A726-9A2A9441FA3D}"/>
               </a:ext>
             </a:extLst>
           </p:cNvPr>
@@ -8181,7 +8289,7 @@
         </p:nvSpPr>
         <p:spPr>
           <a:xfrm>
-            <a:off x="2751798" y="6496846"/>
+            <a:off x="4296404" y="5199387"/>
             <a:ext cx="1004285" cy="246221"/>
           </a:xfrm>
           <a:prstGeom prst="rect">
@@ -8211,10 +8319,10 @@
       </p:sp>
       <p:sp>
         <p:nvSpPr>
-          <p:cNvPr id="91" name="Rounded Rectangle 90">
-            <a:extLst>
-              <a:ext uri="{FF2B5EF4-FFF2-40B4-BE49-F238E27FC236}">
-                <a16:creationId xmlns:a16="http://schemas.microsoft.com/office/drawing/2014/main" id="{D4D839E0-428A-CD4E-A09C-3CBE3EDDCE8A}"/>
+          <p:cNvPr id="87" name="Rounded Rectangle 86">
+            <a:extLst>
+              <a:ext uri="{FF2B5EF4-FFF2-40B4-BE49-F238E27FC236}">
+                <a16:creationId xmlns:a16="http://schemas.microsoft.com/office/drawing/2014/main" id="{1CB1442B-34D6-7044-886C-69425846CF54}"/>
               </a:ext>
             </a:extLst>
           </p:cNvPr>
@@ -8223,8 +8331,8 @@
         </p:nvSpPr>
         <p:spPr>
           <a:xfrm>
-            <a:off x="3736726" y="5200441"/>
-            <a:ext cx="4303756" cy="207155"/>
+            <a:off x="4285652" y="3960641"/>
+            <a:ext cx="4281832" cy="242920"/>
           </a:xfrm>
           <a:prstGeom prst="roundRect">
             <a:avLst/>
@@ -8268,10 +8376,10 @@
       </p:sp>
       <p:sp>
         <p:nvSpPr>
-          <p:cNvPr id="92" name="TextBox 91">
-            <a:extLst>
-              <a:ext uri="{FF2B5EF4-FFF2-40B4-BE49-F238E27FC236}">
-                <a16:creationId xmlns:a16="http://schemas.microsoft.com/office/drawing/2014/main" id="{0B653AEA-3238-EE45-A726-9A2A9441FA3D}"/>
+          <p:cNvPr id="63" name="TextBox 62">
+            <a:extLst>
+              <a:ext uri="{FF2B5EF4-FFF2-40B4-BE49-F238E27FC236}">
+                <a16:creationId xmlns:a16="http://schemas.microsoft.com/office/drawing/2014/main" id="{8F5E3D93-470C-7845-BFCA-FD4E36ED836B}"/>
               </a:ext>
             </a:extLst>
           </p:cNvPr>
@@ -8280,7 +8388,7 @@
         </p:nvSpPr>
         <p:spPr>
           <a:xfrm>
-            <a:off x="3246074" y="5199387"/>
+            <a:off x="3995511" y="3701982"/>
             <a:ext cx="1004285" cy="246221"/>
           </a:xfrm>
           <a:prstGeom prst="rect">
@@ -8303,17 +8411,93 @@
                 </a:solidFill>
                 <a:latin typeface="Century Gothic" panose="020B0502020202020204" pitchFamily="34" charset="0"/>
               </a:rPr>
-              <a:t>Reply</a:t>
+              <a:t>2</a:t>
             </a:r>
           </a:p>
         </p:txBody>
       </p:sp>
-      <p:sp>
-        <p:nvSpPr>
-          <p:cNvPr id="87" name="Rounded Rectangle 86">
-            <a:extLst>
-              <a:ext uri="{FF2B5EF4-FFF2-40B4-BE49-F238E27FC236}">
-                <a16:creationId xmlns:a16="http://schemas.microsoft.com/office/drawing/2014/main" id="{1CB1442B-34D6-7044-886C-69425846CF54}"/>
+    </p:spTree>
+    <p:extLst>
+      <p:ext uri="{BB962C8B-B14F-4D97-AF65-F5344CB8AC3E}">
+        <p14:creationId xmlns:p14="http://schemas.microsoft.com/office/powerpoint/2010/main" val="2636761921"/>
+      </p:ext>
+    </p:extLst>
+  </p:cSld>
+  <p:clrMapOvr>
+    <a:masterClrMapping/>
+  </p:clrMapOvr>
+</p:sld>
+</file>
+
+<file path=ppt/slides/slide5.xml><?xml version="1.0" encoding="utf-8"?>
+<p:sld xmlns:a="http://schemas.openxmlformats.org/drawingml/2006/main" xmlns:r="http://schemas.openxmlformats.org/officeDocument/2006/relationships" xmlns:p="http://schemas.openxmlformats.org/presentationml/2006/main">
+  <p:cSld>
+    <p:spTree>
+      <p:nvGrpSpPr>
+        <p:cNvPr id="1" name=""/>
+        <p:cNvGrpSpPr/>
+        <p:nvPr/>
+      </p:nvGrpSpPr>
+      <p:grpSpPr>
+        <a:xfrm>
+          <a:off x="0" y="0"/>
+          <a:ext cx="0" cy="0"/>
+          <a:chOff x="0" y="0"/>
+          <a:chExt cx="0" cy="0"/>
+        </a:xfrm>
+      </p:grpSpPr>
+      <p:pic>
+        <p:nvPicPr>
+          <p:cNvPr id="4106" name="Picture 10" descr="white and brown brick wall">
+            <a:extLst>
+              <a:ext uri="{FF2B5EF4-FFF2-40B4-BE49-F238E27FC236}">
+                <a16:creationId xmlns:a16="http://schemas.microsoft.com/office/drawing/2014/main" id="{11F3A1C4-FA5F-0842-A1DE-27E252334982}"/>
+              </a:ext>
+            </a:extLst>
+          </p:cNvPr>
+          <p:cNvPicPr>
+            <a:picLocks noChangeAspect="1" noChangeArrowheads="1"/>
+          </p:cNvPicPr>
+          <p:nvPr/>
+        </p:nvPicPr>
+        <p:blipFill rotWithShape="1">
+          <a:blip r:embed="rId2">
+            <a:alphaModFix amt="20000"/>
+            <a:extLst>
+              <a:ext uri="{28A0092B-C50C-407E-A947-70E740481C1C}">
+                <a14:useLocalDpi xmlns:a14="http://schemas.microsoft.com/office/drawing/2010/main" val="0"/>
+              </a:ext>
+            </a:extLst>
+          </a:blip>
+          <a:srcRect t="16097" r="32500" b="14354"/>
+          <a:stretch/>
+        </p:blipFill>
+        <p:spPr bwMode="auto">
+          <a:xfrm>
+            <a:off x="1773000" y="98854"/>
+            <a:ext cx="8761735" cy="6734373"/>
+          </a:xfrm>
+          <a:prstGeom prst="rect">
+            <a:avLst/>
+          </a:prstGeom>
+          <a:noFill/>
+          <a:extLst>
+            <a:ext uri="{909E8E84-426E-40DD-AFC4-6F175D3DCCD1}">
+              <a14:hiddenFill xmlns:a14="http://schemas.microsoft.com/office/drawing/2010/main">
+                <a:solidFill>
+                  <a:srgbClr val="FFFFFF"/>
+                </a:solidFill>
+              </a14:hiddenFill>
+            </a:ext>
+          </a:extLst>
+        </p:spPr>
+      </p:pic>
+      <p:sp>
+        <p:nvSpPr>
+          <p:cNvPr id="4107" name="Rectangle 4106">
+            <a:extLst>
+              <a:ext uri="{FF2B5EF4-FFF2-40B4-BE49-F238E27FC236}">
+                <a16:creationId xmlns:a16="http://schemas.microsoft.com/office/drawing/2014/main" id="{E6B2C3D2-8801-4545-AEA7-1FFDE810F3FC}"/>
               </a:ext>
             </a:extLst>
           </p:cNvPr>
@@ -8322,8 +8506,1544 @@
         </p:nvSpPr>
         <p:spPr>
           <a:xfrm>
-            <a:off x="3238334" y="3960641"/>
-            <a:ext cx="4802148" cy="214390"/>
+            <a:off x="4012166" y="1027717"/>
+            <a:ext cx="4336944" cy="5731425"/>
+          </a:xfrm>
+          <a:prstGeom prst="rect">
+            <a:avLst/>
+          </a:prstGeom>
+          <a:solidFill>
+            <a:schemeClr val="bg1"/>
+          </a:solidFill>
+          <a:ln>
+            <a:noFill/>
+          </a:ln>
+        </p:spPr>
+        <p:style>
+          <a:lnRef idx="2">
+            <a:schemeClr val="accent1">
+              <a:shade val="50000"/>
+            </a:schemeClr>
+          </a:lnRef>
+          <a:fillRef idx="1">
+            <a:schemeClr val="accent1"/>
+          </a:fillRef>
+          <a:effectRef idx="0">
+            <a:schemeClr val="accent1"/>
+          </a:effectRef>
+          <a:fontRef idx="minor">
+            <a:schemeClr val="lt1"/>
+          </a:fontRef>
+        </p:style>
+        <p:txBody>
+          <a:bodyPr rtlCol="0" anchor="ctr"/>
+          <a:lstStyle/>
+          <a:p>
+            <a:pPr algn="ctr"/>
+            <a:endParaRPr lang="en-US"/>
+          </a:p>
+        </p:txBody>
+      </p:sp>
+      <p:sp>
+        <p:nvSpPr>
+          <p:cNvPr id="2" name="Title 1">
+            <a:extLst>
+              <a:ext uri="{FF2B5EF4-FFF2-40B4-BE49-F238E27FC236}">
+                <a16:creationId xmlns:a16="http://schemas.microsoft.com/office/drawing/2014/main" id="{55E1752B-87D4-EC45-9881-EE216676162F}"/>
+              </a:ext>
+            </a:extLst>
+          </p:cNvPr>
+          <p:cNvSpPr>
+            <a:spLocks noGrp="1"/>
+          </p:cNvSpPr>
+          <p:nvPr>
+            <p:ph type="ctrTitle"/>
+          </p:nvPr>
+        </p:nvSpPr>
+        <p:spPr>
+          <a:xfrm>
+            <a:off x="1187669" y="2007"/>
+            <a:ext cx="9144000" cy="906134"/>
+          </a:xfrm>
+        </p:spPr>
+        <p:txBody>
+          <a:bodyPr>
+            <a:normAutofit fontScale="90000"/>
+          </a:bodyPr>
+          <a:lstStyle/>
+          <a:p>
+            <a:r>
+              <a:rPr lang="en-US" sz="3100" dirty="0">
+                <a:latin typeface="Century Gothic" panose="020B0502020202020204" pitchFamily="34" charset="0"/>
+                <a:cs typeface="Calibri Light" panose="020F0302020204030204" pitchFamily="34" charset="0"/>
+              </a:rPr>
+              <a:t>ORDERLY</a:t>
+            </a:r>
+            <a:r>
+              <a:rPr lang="en-US" dirty="0"/>
+              <a:t> </a:t>
+            </a:r>
+          </a:p>
+        </p:txBody>
+      </p:sp>
+      <p:sp>
+        <p:nvSpPr>
+          <p:cNvPr id="3" name="Subtitle 2">
+            <a:extLst>
+              <a:ext uri="{FF2B5EF4-FFF2-40B4-BE49-F238E27FC236}">
+                <a16:creationId xmlns:a16="http://schemas.microsoft.com/office/drawing/2014/main" id="{A4CAEE9F-F789-B743-AEFA-60ADC61D1D11}"/>
+              </a:ext>
+            </a:extLst>
+          </p:cNvPr>
+          <p:cNvSpPr>
+            <a:spLocks noGrp="1"/>
+          </p:cNvSpPr>
+          <p:nvPr>
+            <p:ph type="subTitle" idx="1"/>
+          </p:nvPr>
+        </p:nvSpPr>
+        <p:spPr>
+          <a:xfrm>
+            <a:off x="157655" y="186176"/>
+            <a:ext cx="2659686" cy="444445"/>
+          </a:xfrm>
+        </p:spPr>
+        <p:txBody>
+          <a:bodyPr>
+            <a:normAutofit/>
+          </a:bodyPr>
+          <a:lstStyle/>
+          <a:p>
+            <a:pPr algn="l"/>
+            <a:r>
+              <a:rPr lang="en-US" sz="1500" dirty="0">
+                <a:highlight>
+                  <a:srgbClr val="FFFF00"/>
+                </a:highlight>
+                <a:latin typeface="Century Gothic" panose="020B0502020202020204" pitchFamily="34" charset="0"/>
+              </a:rPr>
+              <a:t>5. Create Post</a:t>
+            </a:r>
+          </a:p>
+        </p:txBody>
+      </p:sp>
+      <p:sp>
+        <p:nvSpPr>
+          <p:cNvPr id="5" name="Rectangle 4">
+            <a:extLst>
+              <a:ext uri="{FF2B5EF4-FFF2-40B4-BE49-F238E27FC236}">
+                <a16:creationId xmlns:a16="http://schemas.microsoft.com/office/drawing/2014/main" id="{4B5E1DBF-CB34-C746-AFF5-7AE29D21F788}"/>
+              </a:ext>
+            </a:extLst>
+          </p:cNvPr>
+          <p:cNvSpPr/>
+          <p:nvPr/>
+        </p:nvSpPr>
+        <p:spPr>
+          <a:xfrm>
+            <a:off x="6608598" y="418534"/>
+            <a:ext cx="45719" cy="274320"/>
+          </a:xfrm>
+          <a:prstGeom prst="rect">
+            <a:avLst/>
+          </a:prstGeom>
+          <a:solidFill>
+            <a:schemeClr val="accent5">
+              <a:lumMod val="50000"/>
+              <a:alpha val="20000"/>
+            </a:schemeClr>
+          </a:solidFill>
+          <a:ln>
+            <a:noFill/>
+          </a:ln>
+        </p:spPr>
+        <p:style>
+          <a:lnRef idx="2">
+            <a:schemeClr val="accent1">
+              <a:shade val="50000"/>
+            </a:schemeClr>
+          </a:lnRef>
+          <a:fillRef idx="1">
+            <a:schemeClr val="accent1"/>
+          </a:fillRef>
+          <a:effectRef idx="0">
+            <a:schemeClr val="accent1"/>
+          </a:effectRef>
+          <a:fontRef idx="minor">
+            <a:schemeClr val="lt1"/>
+          </a:fontRef>
+        </p:style>
+        <p:txBody>
+          <a:bodyPr rtlCol="0" anchor="ctr"/>
+          <a:lstStyle/>
+          <a:p>
+            <a:pPr algn="ctr"/>
+            <a:endParaRPr lang="en-US"/>
+          </a:p>
+        </p:txBody>
+      </p:sp>
+      <p:sp>
+        <p:nvSpPr>
+          <p:cNvPr id="6" name="Rectangle 5">
+            <a:extLst>
+              <a:ext uri="{FF2B5EF4-FFF2-40B4-BE49-F238E27FC236}">
+                <a16:creationId xmlns:a16="http://schemas.microsoft.com/office/drawing/2014/main" id="{94B30EB6-7035-414F-9866-7F312CF3AA16}"/>
+              </a:ext>
+            </a:extLst>
+          </p:cNvPr>
+          <p:cNvSpPr/>
+          <p:nvPr/>
+        </p:nvSpPr>
+        <p:spPr>
+          <a:xfrm>
+            <a:off x="6760998" y="418534"/>
+            <a:ext cx="45719" cy="274320"/>
+          </a:xfrm>
+          <a:prstGeom prst="rect">
+            <a:avLst/>
+          </a:prstGeom>
+          <a:solidFill>
+            <a:schemeClr val="accent5">
+              <a:lumMod val="50000"/>
+              <a:alpha val="40000"/>
+            </a:schemeClr>
+          </a:solidFill>
+          <a:ln>
+            <a:noFill/>
+          </a:ln>
+        </p:spPr>
+        <p:style>
+          <a:lnRef idx="2">
+            <a:schemeClr val="accent1">
+              <a:shade val="50000"/>
+            </a:schemeClr>
+          </a:lnRef>
+          <a:fillRef idx="1">
+            <a:schemeClr val="accent1"/>
+          </a:fillRef>
+          <a:effectRef idx="0">
+            <a:schemeClr val="accent1"/>
+          </a:effectRef>
+          <a:fontRef idx="minor">
+            <a:schemeClr val="lt1"/>
+          </a:fontRef>
+        </p:style>
+        <p:txBody>
+          <a:bodyPr rtlCol="0" anchor="ctr"/>
+          <a:lstStyle/>
+          <a:p>
+            <a:pPr algn="ctr"/>
+            <a:endParaRPr lang="en-US"/>
+          </a:p>
+        </p:txBody>
+      </p:sp>
+      <p:sp>
+        <p:nvSpPr>
+          <p:cNvPr id="7" name="Rectangle 6">
+            <a:extLst>
+              <a:ext uri="{FF2B5EF4-FFF2-40B4-BE49-F238E27FC236}">
+                <a16:creationId xmlns:a16="http://schemas.microsoft.com/office/drawing/2014/main" id="{BB0DB2B6-3E73-894C-8658-EA6DA444C837}"/>
+              </a:ext>
+            </a:extLst>
+          </p:cNvPr>
+          <p:cNvSpPr/>
+          <p:nvPr/>
+        </p:nvSpPr>
+        <p:spPr>
+          <a:xfrm>
+            <a:off x="6913398" y="418534"/>
+            <a:ext cx="45719" cy="274320"/>
+          </a:xfrm>
+          <a:prstGeom prst="rect">
+            <a:avLst/>
+          </a:prstGeom>
+          <a:solidFill>
+            <a:schemeClr val="accent5">
+              <a:lumMod val="50000"/>
+              <a:alpha val="60000"/>
+            </a:schemeClr>
+          </a:solidFill>
+          <a:ln>
+            <a:noFill/>
+          </a:ln>
+        </p:spPr>
+        <p:style>
+          <a:lnRef idx="2">
+            <a:schemeClr val="accent1">
+              <a:shade val="50000"/>
+            </a:schemeClr>
+          </a:lnRef>
+          <a:fillRef idx="1">
+            <a:schemeClr val="accent1"/>
+          </a:fillRef>
+          <a:effectRef idx="0">
+            <a:schemeClr val="accent1"/>
+          </a:effectRef>
+          <a:fontRef idx="minor">
+            <a:schemeClr val="lt1"/>
+          </a:fontRef>
+        </p:style>
+        <p:txBody>
+          <a:bodyPr rtlCol="0" anchor="ctr"/>
+          <a:lstStyle/>
+          <a:p>
+            <a:pPr algn="ctr"/>
+            <a:endParaRPr lang="en-US"/>
+          </a:p>
+        </p:txBody>
+      </p:sp>
+      <p:sp>
+        <p:nvSpPr>
+          <p:cNvPr id="8" name="Rectangle 7">
+            <a:extLst>
+              <a:ext uri="{FF2B5EF4-FFF2-40B4-BE49-F238E27FC236}">
+                <a16:creationId xmlns:a16="http://schemas.microsoft.com/office/drawing/2014/main" id="{34C4CF47-CD5D-A649-B86D-DFAE589BEDBE}"/>
+              </a:ext>
+            </a:extLst>
+          </p:cNvPr>
+          <p:cNvSpPr/>
+          <p:nvPr/>
+        </p:nvSpPr>
+        <p:spPr>
+          <a:xfrm>
+            <a:off x="7065798" y="418534"/>
+            <a:ext cx="45719" cy="274320"/>
+          </a:xfrm>
+          <a:prstGeom prst="rect">
+            <a:avLst/>
+          </a:prstGeom>
+          <a:solidFill>
+            <a:schemeClr val="accent5">
+              <a:lumMod val="50000"/>
+              <a:alpha val="80000"/>
+            </a:schemeClr>
+          </a:solidFill>
+          <a:ln>
+            <a:noFill/>
+          </a:ln>
+        </p:spPr>
+        <p:style>
+          <a:lnRef idx="2">
+            <a:schemeClr val="accent1">
+              <a:shade val="50000"/>
+            </a:schemeClr>
+          </a:lnRef>
+          <a:fillRef idx="1">
+            <a:schemeClr val="accent1"/>
+          </a:fillRef>
+          <a:effectRef idx="0">
+            <a:schemeClr val="accent1"/>
+          </a:effectRef>
+          <a:fontRef idx="minor">
+            <a:schemeClr val="lt1"/>
+          </a:fontRef>
+        </p:style>
+        <p:txBody>
+          <a:bodyPr rtlCol="0" anchor="ctr"/>
+          <a:lstStyle/>
+          <a:p>
+            <a:pPr algn="ctr"/>
+            <a:endParaRPr lang="en-US"/>
+          </a:p>
+        </p:txBody>
+      </p:sp>
+      <p:sp>
+        <p:nvSpPr>
+          <p:cNvPr id="9" name="Rectangle 8">
+            <a:extLst>
+              <a:ext uri="{FF2B5EF4-FFF2-40B4-BE49-F238E27FC236}">
+                <a16:creationId xmlns:a16="http://schemas.microsoft.com/office/drawing/2014/main" id="{27A53EAC-8624-7047-B16D-1E6AC5B31C92}"/>
+              </a:ext>
+            </a:extLst>
+          </p:cNvPr>
+          <p:cNvSpPr/>
+          <p:nvPr/>
+        </p:nvSpPr>
+        <p:spPr>
+          <a:xfrm>
+            <a:off x="7218198" y="418534"/>
+            <a:ext cx="45719" cy="274320"/>
+          </a:xfrm>
+          <a:prstGeom prst="rect">
+            <a:avLst/>
+          </a:prstGeom>
+          <a:solidFill>
+            <a:schemeClr val="accent5">
+              <a:lumMod val="50000"/>
+            </a:schemeClr>
+          </a:solidFill>
+          <a:ln>
+            <a:noFill/>
+          </a:ln>
+        </p:spPr>
+        <p:style>
+          <a:lnRef idx="2">
+            <a:schemeClr val="accent1">
+              <a:shade val="50000"/>
+            </a:schemeClr>
+          </a:lnRef>
+          <a:fillRef idx="1">
+            <a:schemeClr val="accent1"/>
+          </a:fillRef>
+          <a:effectRef idx="0">
+            <a:schemeClr val="accent1"/>
+          </a:effectRef>
+          <a:fontRef idx="minor">
+            <a:schemeClr val="lt1"/>
+          </a:fontRef>
+        </p:style>
+        <p:txBody>
+          <a:bodyPr rtlCol="0" anchor="ctr"/>
+          <a:lstStyle/>
+          <a:p>
+            <a:pPr algn="ctr"/>
+            <a:endParaRPr lang="en-US"/>
+          </a:p>
+        </p:txBody>
+      </p:sp>
+      <p:cxnSp>
+        <p:nvCxnSpPr>
+          <p:cNvPr id="11" name="Straight Connector 10">
+            <a:extLst>
+              <a:ext uri="{FF2B5EF4-FFF2-40B4-BE49-F238E27FC236}">
+                <a16:creationId xmlns:a16="http://schemas.microsoft.com/office/drawing/2014/main" id="{56B3A37D-1EE8-B84C-9761-A1714E2D2220}"/>
+              </a:ext>
+            </a:extLst>
+          </p:cNvPr>
+          <p:cNvCxnSpPr>
+            <a:cxnSpLocks/>
+          </p:cNvCxnSpPr>
+          <p:nvPr/>
+        </p:nvCxnSpPr>
+        <p:spPr>
+          <a:xfrm>
+            <a:off x="1859895" y="908141"/>
+            <a:ext cx="8587946" cy="0"/>
+          </a:xfrm>
+          <a:prstGeom prst="line">
+            <a:avLst/>
+          </a:prstGeom>
+          <a:ln>
+            <a:solidFill>
+              <a:schemeClr val="accent5">
+                <a:lumMod val="50000"/>
+                <a:alpha val="60000"/>
+              </a:schemeClr>
+            </a:solidFill>
+          </a:ln>
+        </p:spPr>
+        <p:style>
+          <a:lnRef idx="1">
+            <a:schemeClr val="accent1"/>
+          </a:lnRef>
+          <a:fillRef idx="0">
+            <a:schemeClr val="accent1"/>
+          </a:fillRef>
+          <a:effectRef idx="0">
+            <a:schemeClr val="accent1"/>
+          </a:effectRef>
+          <a:fontRef idx="minor">
+            <a:schemeClr val="tx1"/>
+          </a:fontRef>
+        </p:style>
+      </p:cxnSp>
+      <p:sp>
+        <p:nvSpPr>
+          <p:cNvPr id="36" name="AutoShape 4">
+            <a:extLst>
+              <a:ext uri="{FF2B5EF4-FFF2-40B4-BE49-F238E27FC236}">
+                <a16:creationId xmlns:a16="http://schemas.microsoft.com/office/drawing/2014/main" id="{B53FF64E-D9F7-4E45-8F96-E4E6F71EEA9C}"/>
+              </a:ext>
+            </a:extLst>
+          </p:cNvPr>
+          <p:cNvSpPr>
+            <a:spLocks noChangeAspect="1" noChangeArrowheads="1"/>
+          </p:cNvSpPr>
+          <p:nvPr/>
+        </p:nvSpPr>
+        <p:spPr bwMode="auto">
+          <a:xfrm>
+            <a:off x="5943600" y="1493108"/>
+            <a:ext cx="2088292" cy="2088292"/>
+          </a:xfrm>
+          <a:prstGeom prst="rect">
+            <a:avLst/>
+          </a:prstGeom>
+          <a:noFill/>
+          <a:extLst>
+            <a:ext uri="{909E8E84-426E-40DD-AFC4-6F175D3DCCD1}">
+              <a14:hiddenFill xmlns:a14="http://schemas.microsoft.com/office/drawing/2010/main">
+                <a:solidFill>
+                  <a:srgbClr val="FFFFFF"/>
+                </a:solidFill>
+              </a14:hiddenFill>
+            </a:ext>
+          </a:extLst>
+        </p:spPr>
+        <p:txBody>
+          <a:bodyPr vert="horz" wrap="square" lIns="91440" tIns="45720" rIns="91440" bIns="45720" numCol="1" anchor="t" anchorCtr="0" compatLnSpc="1">
+            <a:prstTxWarp prst="textNoShape">
+              <a:avLst/>
+            </a:prstTxWarp>
+          </a:bodyPr>
+          <a:lstStyle/>
+          <a:p>
+            <a:endParaRPr lang="en-US"/>
+          </a:p>
+        </p:txBody>
+      </p:sp>
+      <p:grpSp>
+        <p:nvGrpSpPr>
+          <p:cNvPr id="60" name="Group 59">
+            <a:extLst>
+              <a:ext uri="{FF2B5EF4-FFF2-40B4-BE49-F238E27FC236}">
+                <a16:creationId xmlns:a16="http://schemas.microsoft.com/office/drawing/2014/main" id="{1E57D049-B472-6A4E-B243-374F14236B01}"/>
+              </a:ext>
+            </a:extLst>
+          </p:cNvPr>
+          <p:cNvGrpSpPr/>
+          <p:nvPr/>
+        </p:nvGrpSpPr>
+        <p:grpSpPr>
+          <a:xfrm>
+            <a:off x="4214014" y="4798120"/>
+            <a:ext cx="4634129" cy="950262"/>
+            <a:chOff x="9127395" y="1591581"/>
+            <a:chExt cx="4634129" cy="950262"/>
+          </a:xfrm>
+        </p:grpSpPr>
+        <p:sp>
+          <p:nvSpPr>
+            <p:cNvPr id="41" name="TextBox 40">
+              <a:extLst>
+                <a:ext uri="{FF2B5EF4-FFF2-40B4-BE49-F238E27FC236}">
+                  <a16:creationId xmlns:a16="http://schemas.microsoft.com/office/drawing/2014/main" id="{61C656BA-AF9D-AB4E-B92D-ACAAE3828503}"/>
+                </a:ext>
+              </a:extLst>
+            </p:cNvPr>
+            <p:cNvSpPr txBox="1"/>
+            <p:nvPr/>
+          </p:nvSpPr>
+          <p:spPr>
+            <a:xfrm>
+              <a:off x="9915403" y="1591581"/>
+              <a:ext cx="3163229" cy="830997"/>
+            </a:xfrm>
+            <a:prstGeom prst="rect">
+              <a:avLst/>
+            </a:prstGeom>
+            <a:noFill/>
+          </p:spPr>
+          <p:txBody>
+            <a:bodyPr wrap="square" rtlCol="0">
+              <a:spAutoFit/>
+            </a:bodyPr>
+            <a:lstStyle/>
+            <a:p>
+              <a:r>
+                <a:rPr lang="en-US" sz="1200" dirty="0">
+                  <a:latin typeface="Century Gothic" panose="020B0502020202020204" pitchFamily="34" charset="0"/>
+                </a:rPr>
+                <a:t>            Select category</a:t>
+              </a:r>
+            </a:p>
+            <a:p>
+              <a:endParaRPr lang="en-US" sz="1200" dirty="0">
+                <a:latin typeface="Century Gothic" panose="020B0502020202020204" pitchFamily="34" charset="0"/>
+              </a:endParaRPr>
+            </a:p>
+            <a:p>
+              <a:endParaRPr lang="en-US" sz="1200" dirty="0">
+                <a:latin typeface="Century Gothic" panose="020B0502020202020204" pitchFamily="34" charset="0"/>
+              </a:endParaRPr>
+            </a:p>
+            <a:p>
+              <a:endParaRPr lang="en-US" sz="1200" dirty="0">
+                <a:latin typeface="Century Gothic" panose="020B0502020202020204" pitchFamily="34" charset="0"/>
+              </a:endParaRPr>
+            </a:p>
+          </p:txBody>
+        </p:sp>
+        <p:sp>
+          <p:nvSpPr>
+            <p:cNvPr id="43" name="Rounded Rectangle 42">
+              <a:extLst>
+                <a:ext uri="{FF2B5EF4-FFF2-40B4-BE49-F238E27FC236}">
+                  <a16:creationId xmlns:a16="http://schemas.microsoft.com/office/drawing/2014/main" id="{DDC9B12A-8BF3-194F-A04A-12D6910F4452}"/>
+                </a:ext>
+              </a:extLst>
+            </p:cNvPr>
+            <p:cNvSpPr/>
+            <p:nvPr/>
+          </p:nvSpPr>
+          <p:spPr>
+            <a:xfrm>
+              <a:off x="9127395" y="2020345"/>
+              <a:ext cx="196335" cy="184636"/>
+            </a:xfrm>
+            <a:prstGeom prst="roundRect">
+              <a:avLst/>
+            </a:prstGeom>
+            <a:noFill/>
+            <a:ln w="19050">
+              <a:solidFill>
+                <a:schemeClr val="accent5">
+                  <a:lumMod val="50000"/>
+                  <a:alpha val="60000"/>
+                </a:schemeClr>
+              </a:solidFill>
+            </a:ln>
+          </p:spPr>
+          <p:style>
+            <a:lnRef idx="2">
+              <a:schemeClr val="accent1">
+                <a:shade val="50000"/>
+              </a:schemeClr>
+            </a:lnRef>
+            <a:fillRef idx="1">
+              <a:schemeClr val="accent1"/>
+            </a:fillRef>
+            <a:effectRef idx="0">
+              <a:schemeClr val="accent1"/>
+            </a:effectRef>
+            <a:fontRef idx="minor">
+              <a:schemeClr val="lt1"/>
+            </a:fontRef>
+          </p:style>
+          <p:txBody>
+            <a:bodyPr rtlCol="0" anchor="ctr"/>
+            <a:lstStyle/>
+            <a:p>
+              <a:pPr algn="ctr"/>
+              <a:endParaRPr lang="en-US" sz="3000" dirty="0">
+                <a:solidFill>
+                  <a:schemeClr val="accent5">
+                    <a:lumMod val="50000"/>
+                  </a:schemeClr>
+                </a:solidFill>
+              </a:endParaRPr>
+            </a:p>
+          </p:txBody>
+        </p:sp>
+        <p:sp>
+          <p:nvSpPr>
+            <p:cNvPr id="44" name="Rounded Rectangle 43">
+              <a:extLst>
+                <a:ext uri="{FF2B5EF4-FFF2-40B4-BE49-F238E27FC236}">
+                  <a16:creationId xmlns:a16="http://schemas.microsoft.com/office/drawing/2014/main" id="{AEE0F9A1-678F-2E47-9151-BA22DF1E0AA9}"/>
+                </a:ext>
+              </a:extLst>
+            </p:cNvPr>
+            <p:cNvSpPr/>
+            <p:nvPr/>
+          </p:nvSpPr>
+          <p:spPr>
+            <a:xfrm>
+              <a:off x="9127395" y="2304924"/>
+              <a:ext cx="196335" cy="184636"/>
+            </a:xfrm>
+            <a:prstGeom prst="roundRect">
+              <a:avLst/>
+            </a:prstGeom>
+            <a:noFill/>
+            <a:ln w="19050">
+              <a:solidFill>
+                <a:schemeClr val="accent5">
+                  <a:lumMod val="50000"/>
+                  <a:alpha val="60000"/>
+                </a:schemeClr>
+              </a:solidFill>
+            </a:ln>
+          </p:spPr>
+          <p:style>
+            <a:lnRef idx="2">
+              <a:schemeClr val="accent1">
+                <a:shade val="50000"/>
+              </a:schemeClr>
+            </a:lnRef>
+            <a:fillRef idx="1">
+              <a:schemeClr val="accent1"/>
+            </a:fillRef>
+            <a:effectRef idx="0">
+              <a:schemeClr val="accent1"/>
+            </a:effectRef>
+            <a:fontRef idx="minor">
+              <a:schemeClr val="lt1"/>
+            </a:fontRef>
+          </p:style>
+          <p:txBody>
+            <a:bodyPr rtlCol="0" anchor="ctr"/>
+            <a:lstStyle/>
+            <a:p>
+              <a:pPr algn="ctr"/>
+              <a:endParaRPr lang="en-US" sz="3000" dirty="0">
+                <a:solidFill>
+                  <a:schemeClr val="accent5">
+                    <a:lumMod val="50000"/>
+                  </a:schemeClr>
+                </a:solidFill>
+              </a:endParaRPr>
+            </a:p>
+          </p:txBody>
+        </p:sp>
+        <p:sp>
+          <p:nvSpPr>
+            <p:cNvPr id="45" name="Rounded Rectangle 44">
+              <a:extLst>
+                <a:ext uri="{FF2B5EF4-FFF2-40B4-BE49-F238E27FC236}">
+                  <a16:creationId xmlns:a16="http://schemas.microsoft.com/office/drawing/2014/main" id="{CF5E6618-19F9-8A47-8F3F-53548C3EE92F}"/>
+                </a:ext>
+              </a:extLst>
+            </p:cNvPr>
+            <p:cNvSpPr/>
+            <p:nvPr/>
+          </p:nvSpPr>
+          <p:spPr>
+            <a:xfrm>
+              <a:off x="10200060" y="2021571"/>
+              <a:ext cx="196335" cy="184636"/>
+            </a:xfrm>
+            <a:prstGeom prst="roundRect">
+              <a:avLst/>
+            </a:prstGeom>
+            <a:noFill/>
+            <a:ln w="19050">
+              <a:solidFill>
+                <a:schemeClr val="accent5">
+                  <a:lumMod val="50000"/>
+                  <a:alpha val="60000"/>
+                </a:schemeClr>
+              </a:solidFill>
+            </a:ln>
+          </p:spPr>
+          <p:style>
+            <a:lnRef idx="2">
+              <a:schemeClr val="accent1">
+                <a:shade val="50000"/>
+              </a:schemeClr>
+            </a:lnRef>
+            <a:fillRef idx="1">
+              <a:schemeClr val="accent1"/>
+            </a:fillRef>
+            <a:effectRef idx="0">
+              <a:schemeClr val="accent1"/>
+            </a:effectRef>
+            <a:fontRef idx="minor">
+              <a:schemeClr val="lt1"/>
+            </a:fontRef>
+          </p:style>
+          <p:txBody>
+            <a:bodyPr rtlCol="0" anchor="ctr"/>
+            <a:lstStyle/>
+            <a:p>
+              <a:pPr algn="ctr"/>
+              <a:endParaRPr lang="en-US" sz="3000" dirty="0">
+                <a:solidFill>
+                  <a:schemeClr val="accent5">
+                    <a:lumMod val="50000"/>
+                  </a:schemeClr>
+                </a:solidFill>
+              </a:endParaRPr>
+            </a:p>
+          </p:txBody>
+        </p:sp>
+        <p:sp>
+          <p:nvSpPr>
+            <p:cNvPr id="46" name="Rounded Rectangle 45">
+              <a:extLst>
+                <a:ext uri="{FF2B5EF4-FFF2-40B4-BE49-F238E27FC236}">
+                  <a16:creationId xmlns:a16="http://schemas.microsoft.com/office/drawing/2014/main" id="{CC7F9326-1807-0045-AB02-5C9D60B52E2F}"/>
+                </a:ext>
+              </a:extLst>
+            </p:cNvPr>
+            <p:cNvSpPr/>
+            <p:nvPr/>
+          </p:nvSpPr>
+          <p:spPr>
+            <a:xfrm>
+              <a:off x="10204154" y="2307213"/>
+              <a:ext cx="196335" cy="184636"/>
+            </a:xfrm>
+            <a:prstGeom prst="roundRect">
+              <a:avLst/>
+            </a:prstGeom>
+            <a:noFill/>
+            <a:ln w="19050">
+              <a:solidFill>
+                <a:schemeClr val="accent5">
+                  <a:lumMod val="50000"/>
+                  <a:alpha val="60000"/>
+                </a:schemeClr>
+              </a:solidFill>
+            </a:ln>
+          </p:spPr>
+          <p:style>
+            <a:lnRef idx="2">
+              <a:schemeClr val="accent1">
+                <a:shade val="50000"/>
+              </a:schemeClr>
+            </a:lnRef>
+            <a:fillRef idx="1">
+              <a:schemeClr val="accent1"/>
+            </a:fillRef>
+            <a:effectRef idx="0">
+              <a:schemeClr val="accent1"/>
+            </a:effectRef>
+            <a:fontRef idx="minor">
+              <a:schemeClr val="lt1"/>
+            </a:fontRef>
+          </p:style>
+          <p:txBody>
+            <a:bodyPr rtlCol="0" anchor="ctr"/>
+            <a:lstStyle/>
+            <a:p>
+              <a:pPr algn="ctr"/>
+              <a:endParaRPr lang="en-US" sz="3000" dirty="0">
+                <a:solidFill>
+                  <a:schemeClr val="accent5">
+                    <a:lumMod val="50000"/>
+                  </a:schemeClr>
+                </a:solidFill>
+              </a:endParaRPr>
+            </a:p>
+          </p:txBody>
+        </p:sp>
+        <p:sp>
+          <p:nvSpPr>
+            <p:cNvPr id="47" name="Rounded Rectangle 46">
+              <a:extLst>
+                <a:ext uri="{FF2B5EF4-FFF2-40B4-BE49-F238E27FC236}">
+                  <a16:creationId xmlns:a16="http://schemas.microsoft.com/office/drawing/2014/main" id="{FDC0022C-D1D7-8E4D-9A91-496FE5B641D0}"/>
+                </a:ext>
+              </a:extLst>
+            </p:cNvPr>
+            <p:cNvSpPr/>
+            <p:nvPr/>
+          </p:nvSpPr>
+          <p:spPr>
+            <a:xfrm>
+              <a:off x="11165991" y="2007214"/>
+              <a:ext cx="196335" cy="184636"/>
+            </a:xfrm>
+            <a:prstGeom prst="roundRect">
+              <a:avLst/>
+            </a:prstGeom>
+            <a:noFill/>
+            <a:ln w="19050">
+              <a:solidFill>
+                <a:schemeClr val="accent5">
+                  <a:lumMod val="50000"/>
+                  <a:alpha val="60000"/>
+                </a:schemeClr>
+              </a:solidFill>
+            </a:ln>
+          </p:spPr>
+          <p:style>
+            <a:lnRef idx="2">
+              <a:schemeClr val="accent1">
+                <a:shade val="50000"/>
+              </a:schemeClr>
+            </a:lnRef>
+            <a:fillRef idx="1">
+              <a:schemeClr val="accent1"/>
+            </a:fillRef>
+            <a:effectRef idx="0">
+              <a:schemeClr val="accent1"/>
+            </a:effectRef>
+            <a:fontRef idx="minor">
+              <a:schemeClr val="lt1"/>
+            </a:fontRef>
+          </p:style>
+          <p:txBody>
+            <a:bodyPr rtlCol="0" anchor="ctr"/>
+            <a:lstStyle/>
+            <a:p>
+              <a:pPr algn="ctr"/>
+              <a:endParaRPr lang="en-US" sz="3000" dirty="0">
+                <a:solidFill>
+                  <a:schemeClr val="accent5">
+                    <a:lumMod val="50000"/>
+                  </a:schemeClr>
+                </a:solidFill>
+              </a:endParaRPr>
+            </a:p>
+          </p:txBody>
+        </p:sp>
+        <p:sp>
+          <p:nvSpPr>
+            <p:cNvPr id="48" name="Rounded Rectangle 47">
+              <a:extLst>
+                <a:ext uri="{FF2B5EF4-FFF2-40B4-BE49-F238E27FC236}">
+                  <a16:creationId xmlns:a16="http://schemas.microsoft.com/office/drawing/2014/main" id="{0B774825-250C-A245-9F66-C3DD9475620E}"/>
+                </a:ext>
+              </a:extLst>
+            </p:cNvPr>
+            <p:cNvSpPr/>
+            <p:nvPr/>
+          </p:nvSpPr>
+          <p:spPr>
+            <a:xfrm>
+              <a:off x="11165991" y="2293368"/>
+              <a:ext cx="196335" cy="184636"/>
+            </a:xfrm>
+            <a:prstGeom prst="roundRect">
+              <a:avLst/>
+            </a:prstGeom>
+            <a:noFill/>
+            <a:ln w="19050">
+              <a:solidFill>
+                <a:schemeClr val="accent5">
+                  <a:lumMod val="50000"/>
+                  <a:alpha val="60000"/>
+                </a:schemeClr>
+              </a:solidFill>
+            </a:ln>
+          </p:spPr>
+          <p:style>
+            <a:lnRef idx="2">
+              <a:schemeClr val="accent1">
+                <a:shade val="50000"/>
+              </a:schemeClr>
+            </a:lnRef>
+            <a:fillRef idx="1">
+              <a:schemeClr val="accent1"/>
+            </a:fillRef>
+            <a:effectRef idx="0">
+              <a:schemeClr val="accent1"/>
+            </a:effectRef>
+            <a:fontRef idx="minor">
+              <a:schemeClr val="lt1"/>
+            </a:fontRef>
+          </p:style>
+          <p:txBody>
+            <a:bodyPr rtlCol="0" anchor="ctr"/>
+            <a:lstStyle/>
+            <a:p>
+              <a:pPr algn="ctr"/>
+              <a:endParaRPr lang="en-US" sz="3000" dirty="0">
+                <a:solidFill>
+                  <a:schemeClr val="accent5">
+                    <a:lumMod val="50000"/>
+                  </a:schemeClr>
+                </a:solidFill>
+              </a:endParaRPr>
+            </a:p>
+          </p:txBody>
+        </p:sp>
+        <p:sp>
+          <p:nvSpPr>
+            <p:cNvPr id="49" name="Rounded Rectangle 48">
+              <a:extLst>
+                <a:ext uri="{FF2B5EF4-FFF2-40B4-BE49-F238E27FC236}">
+                  <a16:creationId xmlns:a16="http://schemas.microsoft.com/office/drawing/2014/main" id="{9CCB1D3C-7D58-304C-B0D6-AC5C010E1E78}"/>
+                </a:ext>
+              </a:extLst>
+            </p:cNvPr>
+            <p:cNvSpPr/>
+            <p:nvPr/>
+          </p:nvSpPr>
+          <p:spPr>
+            <a:xfrm>
+              <a:off x="12212639" y="2014345"/>
+              <a:ext cx="196335" cy="184636"/>
+            </a:xfrm>
+            <a:prstGeom prst="roundRect">
+              <a:avLst/>
+            </a:prstGeom>
+            <a:noFill/>
+            <a:ln w="19050">
+              <a:solidFill>
+                <a:schemeClr val="accent5">
+                  <a:lumMod val="50000"/>
+                  <a:alpha val="60000"/>
+                </a:schemeClr>
+              </a:solidFill>
+            </a:ln>
+          </p:spPr>
+          <p:style>
+            <a:lnRef idx="2">
+              <a:schemeClr val="accent1">
+                <a:shade val="50000"/>
+              </a:schemeClr>
+            </a:lnRef>
+            <a:fillRef idx="1">
+              <a:schemeClr val="accent1"/>
+            </a:fillRef>
+            <a:effectRef idx="0">
+              <a:schemeClr val="accent1"/>
+            </a:effectRef>
+            <a:fontRef idx="minor">
+              <a:schemeClr val="lt1"/>
+            </a:fontRef>
+          </p:style>
+          <p:txBody>
+            <a:bodyPr rtlCol="0" anchor="ctr"/>
+            <a:lstStyle/>
+            <a:p>
+              <a:pPr algn="ctr"/>
+              <a:endParaRPr lang="en-US" sz="3000" dirty="0">
+                <a:solidFill>
+                  <a:schemeClr val="accent5">
+                    <a:lumMod val="50000"/>
+                  </a:schemeClr>
+                </a:solidFill>
+              </a:endParaRPr>
+            </a:p>
+          </p:txBody>
+        </p:sp>
+        <p:sp>
+          <p:nvSpPr>
+            <p:cNvPr id="42" name="TextBox 41">
+              <a:extLst>
+                <a:ext uri="{FF2B5EF4-FFF2-40B4-BE49-F238E27FC236}">
+                  <a16:creationId xmlns:a16="http://schemas.microsoft.com/office/drawing/2014/main" id="{B80CDE33-9409-DA4A-B6E9-6CAA1B588AE6}"/>
+                </a:ext>
+              </a:extLst>
+            </p:cNvPr>
+            <p:cNvSpPr txBox="1"/>
+            <p:nvPr/>
+          </p:nvSpPr>
+          <p:spPr>
+            <a:xfrm>
+              <a:off x="9323730" y="1974976"/>
+              <a:ext cx="748710" cy="276999"/>
+            </a:xfrm>
+            <a:prstGeom prst="rect">
+              <a:avLst/>
+            </a:prstGeom>
+            <a:noFill/>
+          </p:spPr>
+          <p:txBody>
+            <a:bodyPr wrap="square" rtlCol="0">
+              <a:spAutoFit/>
+            </a:bodyPr>
+            <a:lstStyle/>
+            <a:p>
+              <a:r>
+                <a:rPr lang="en-US" sz="1200" dirty="0">
+                  <a:solidFill>
+                    <a:schemeClr val="accent5">
+                      <a:lumMod val="50000"/>
+                    </a:schemeClr>
+                  </a:solidFill>
+                  <a:latin typeface="Century Gothic" panose="020B0502020202020204" pitchFamily="34" charset="0"/>
+                </a:rPr>
+                <a:t>Kitchen</a:t>
+              </a:r>
+            </a:p>
+          </p:txBody>
+        </p:sp>
+        <p:sp>
+          <p:nvSpPr>
+            <p:cNvPr id="52" name="TextBox 51">
+              <a:extLst>
+                <a:ext uri="{FF2B5EF4-FFF2-40B4-BE49-F238E27FC236}">
+                  <a16:creationId xmlns:a16="http://schemas.microsoft.com/office/drawing/2014/main" id="{29718CE3-BDDF-834D-A047-9B491AA2B426}"/>
+                </a:ext>
+              </a:extLst>
+            </p:cNvPr>
+            <p:cNvSpPr txBox="1"/>
+            <p:nvPr/>
+          </p:nvSpPr>
+          <p:spPr>
+            <a:xfrm>
+              <a:off x="9323730" y="2260555"/>
+              <a:ext cx="1352550" cy="276999"/>
+            </a:xfrm>
+            <a:prstGeom prst="rect">
+              <a:avLst/>
+            </a:prstGeom>
+            <a:noFill/>
+          </p:spPr>
+          <p:txBody>
+            <a:bodyPr wrap="square" rtlCol="0">
+              <a:spAutoFit/>
+            </a:bodyPr>
+            <a:lstStyle/>
+            <a:p>
+              <a:r>
+                <a:rPr lang="en-US" sz="1200" dirty="0">
+                  <a:solidFill>
+                    <a:schemeClr val="accent5">
+                      <a:lumMod val="50000"/>
+                    </a:schemeClr>
+                  </a:solidFill>
+                  <a:latin typeface="Century Gothic" panose="020B0502020202020204" pitchFamily="34" charset="0"/>
+                </a:rPr>
+                <a:t>Office</a:t>
+              </a:r>
+            </a:p>
+          </p:txBody>
+        </p:sp>
+        <p:sp>
+          <p:nvSpPr>
+            <p:cNvPr id="53" name="TextBox 52">
+              <a:extLst>
+                <a:ext uri="{FF2B5EF4-FFF2-40B4-BE49-F238E27FC236}">
+                  <a16:creationId xmlns:a16="http://schemas.microsoft.com/office/drawing/2014/main" id="{E8427D2C-9A83-5B4B-B98E-4D5F13E30A0C}"/>
+                </a:ext>
+              </a:extLst>
+            </p:cNvPr>
+            <p:cNvSpPr txBox="1"/>
+            <p:nvPr/>
+          </p:nvSpPr>
+          <p:spPr>
+            <a:xfrm>
+              <a:off x="10408752" y="1965845"/>
+              <a:ext cx="1352550" cy="276999"/>
+            </a:xfrm>
+            <a:prstGeom prst="rect">
+              <a:avLst/>
+            </a:prstGeom>
+            <a:noFill/>
+          </p:spPr>
+          <p:txBody>
+            <a:bodyPr wrap="square" rtlCol="0">
+              <a:spAutoFit/>
+            </a:bodyPr>
+            <a:lstStyle/>
+            <a:p>
+              <a:r>
+                <a:rPr lang="en-US" sz="1200" dirty="0">
+                  <a:solidFill>
+                    <a:schemeClr val="accent5">
+                      <a:lumMod val="50000"/>
+                    </a:schemeClr>
+                  </a:solidFill>
+                  <a:latin typeface="Century Gothic" panose="020B0502020202020204" pitchFamily="34" charset="0"/>
+                </a:rPr>
+                <a:t>Kids</a:t>
+              </a:r>
+            </a:p>
+          </p:txBody>
+        </p:sp>
+        <p:sp>
+          <p:nvSpPr>
+            <p:cNvPr id="54" name="TextBox 53">
+              <a:extLst>
+                <a:ext uri="{FF2B5EF4-FFF2-40B4-BE49-F238E27FC236}">
+                  <a16:creationId xmlns:a16="http://schemas.microsoft.com/office/drawing/2014/main" id="{0CBFFC30-C371-BD4E-8BC1-0B4230CDF362}"/>
+                </a:ext>
+              </a:extLst>
+            </p:cNvPr>
+            <p:cNvSpPr txBox="1"/>
+            <p:nvPr/>
+          </p:nvSpPr>
+          <p:spPr>
+            <a:xfrm>
+              <a:off x="10400489" y="2264844"/>
+              <a:ext cx="738152" cy="276999"/>
+            </a:xfrm>
+            <a:prstGeom prst="rect">
+              <a:avLst/>
+            </a:prstGeom>
+            <a:noFill/>
+          </p:spPr>
+          <p:txBody>
+            <a:bodyPr wrap="square" rtlCol="0">
+              <a:spAutoFit/>
+            </a:bodyPr>
+            <a:lstStyle/>
+            <a:p>
+              <a:r>
+                <a:rPr lang="en-US" sz="1200" dirty="0">
+                  <a:solidFill>
+                    <a:schemeClr val="accent5">
+                      <a:lumMod val="50000"/>
+                    </a:schemeClr>
+                  </a:solidFill>
+                  <a:latin typeface="Century Gothic" panose="020B0502020202020204" pitchFamily="34" charset="0"/>
+                </a:rPr>
+                <a:t>Closet</a:t>
+              </a:r>
+            </a:p>
+          </p:txBody>
+        </p:sp>
+        <p:sp>
+          <p:nvSpPr>
+            <p:cNvPr id="55" name="TextBox 54">
+              <a:extLst>
+                <a:ext uri="{FF2B5EF4-FFF2-40B4-BE49-F238E27FC236}">
+                  <a16:creationId xmlns:a16="http://schemas.microsoft.com/office/drawing/2014/main" id="{EFC1A1A1-771E-164A-8E28-58EE19EEB2BB}"/>
+                </a:ext>
+              </a:extLst>
+            </p:cNvPr>
+            <p:cNvSpPr txBox="1"/>
+            <p:nvPr/>
+          </p:nvSpPr>
+          <p:spPr>
+            <a:xfrm>
+              <a:off x="11362326" y="1965845"/>
+              <a:ext cx="1352550" cy="276999"/>
+            </a:xfrm>
+            <a:prstGeom prst="rect">
+              <a:avLst/>
+            </a:prstGeom>
+            <a:noFill/>
+          </p:spPr>
+          <p:txBody>
+            <a:bodyPr wrap="square" rtlCol="0">
+              <a:spAutoFit/>
+            </a:bodyPr>
+            <a:lstStyle/>
+            <a:p>
+              <a:r>
+                <a:rPr lang="en-US" sz="1200" dirty="0">
+                  <a:solidFill>
+                    <a:schemeClr val="accent5">
+                      <a:lumMod val="50000"/>
+                    </a:schemeClr>
+                  </a:solidFill>
+                  <a:latin typeface="Century Gothic" panose="020B0502020202020204" pitchFamily="34" charset="0"/>
+                </a:rPr>
+                <a:t>Garage</a:t>
+              </a:r>
+            </a:p>
+          </p:txBody>
+        </p:sp>
+        <p:sp>
+          <p:nvSpPr>
+            <p:cNvPr id="56" name="TextBox 55">
+              <a:extLst>
+                <a:ext uri="{FF2B5EF4-FFF2-40B4-BE49-F238E27FC236}">
+                  <a16:creationId xmlns:a16="http://schemas.microsoft.com/office/drawing/2014/main" id="{BA1555FF-0124-E447-B01E-1B98A2CE35EB}"/>
+                </a:ext>
+              </a:extLst>
+            </p:cNvPr>
+            <p:cNvSpPr txBox="1"/>
+            <p:nvPr/>
+          </p:nvSpPr>
+          <p:spPr>
+            <a:xfrm>
+              <a:off x="11362326" y="2252999"/>
+              <a:ext cx="1352550" cy="276999"/>
+            </a:xfrm>
+            <a:prstGeom prst="rect">
+              <a:avLst/>
+            </a:prstGeom>
+            <a:noFill/>
+          </p:spPr>
+          <p:txBody>
+            <a:bodyPr wrap="square" rtlCol="0">
+              <a:spAutoFit/>
+            </a:bodyPr>
+            <a:lstStyle/>
+            <a:p>
+              <a:r>
+                <a:rPr lang="en-US" sz="1200" dirty="0">
+                  <a:solidFill>
+                    <a:schemeClr val="accent5">
+                      <a:lumMod val="50000"/>
+                    </a:schemeClr>
+                  </a:solidFill>
+                  <a:latin typeface="Century Gothic" panose="020B0502020202020204" pitchFamily="34" charset="0"/>
+                </a:rPr>
+                <a:t>Gym</a:t>
+              </a:r>
+            </a:p>
+          </p:txBody>
+        </p:sp>
+        <p:sp>
+          <p:nvSpPr>
+            <p:cNvPr id="57" name="TextBox 56">
+              <a:extLst>
+                <a:ext uri="{FF2B5EF4-FFF2-40B4-BE49-F238E27FC236}">
+                  <a16:creationId xmlns:a16="http://schemas.microsoft.com/office/drawing/2014/main" id="{A86B7D77-2AEC-2341-B032-D694F0D04A92}"/>
+                </a:ext>
+              </a:extLst>
+            </p:cNvPr>
+            <p:cNvSpPr txBox="1"/>
+            <p:nvPr/>
+          </p:nvSpPr>
+          <p:spPr>
+            <a:xfrm>
+              <a:off x="12408974" y="1974976"/>
+              <a:ext cx="1352550" cy="276999"/>
+            </a:xfrm>
+            <a:prstGeom prst="rect">
+              <a:avLst/>
+            </a:prstGeom>
+            <a:noFill/>
+          </p:spPr>
+          <p:txBody>
+            <a:bodyPr wrap="square" rtlCol="0">
+              <a:spAutoFit/>
+            </a:bodyPr>
+            <a:lstStyle/>
+            <a:p>
+              <a:r>
+                <a:rPr lang="en-US" sz="1200" dirty="0">
+                  <a:solidFill>
+                    <a:schemeClr val="accent5">
+                      <a:lumMod val="50000"/>
+                    </a:schemeClr>
+                  </a:solidFill>
+                  <a:latin typeface="Century Gothic" panose="020B0502020202020204" pitchFamily="34" charset="0"/>
+                </a:rPr>
+                <a:t>Multi-use</a:t>
+              </a:r>
+            </a:p>
+          </p:txBody>
+        </p:sp>
+      </p:grpSp>
+      <p:sp>
+        <p:nvSpPr>
+          <p:cNvPr id="63" name="TextBox 62">
+            <a:extLst>
+              <a:ext uri="{FF2B5EF4-FFF2-40B4-BE49-F238E27FC236}">
+                <a16:creationId xmlns:a16="http://schemas.microsoft.com/office/drawing/2014/main" id="{8DDFCEA6-FBE0-0A44-A09F-F1574AAA7944}"/>
+              </a:ext>
+            </a:extLst>
+          </p:cNvPr>
+          <p:cNvSpPr txBox="1"/>
+          <p:nvPr/>
+        </p:nvSpPr>
+        <p:spPr>
+          <a:xfrm>
+            <a:off x="1845888" y="1097904"/>
+            <a:ext cx="2168143" cy="323165"/>
+          </a:xfrm>
+          <a:prstGeom prst="rect">
+            <a:avLst/>
+          </a:prstGeom>
+          <a:noFill/>
+          <a:ln>
+            <a:noFill/>
+          </a:ln>
+        </p:spPr>
+        <p:txBody>
+          <a:bodyPr wrap="square" rtlCol="0">
+            <a:spAutoFit/>
+          </a:bodyPr>
+          <a:lstStyle/>
+          <a:p>
+            <a:pPr algn="r"/>
+            <a:r>
+              <a:rPr lang="en-US" sz="1500" dirty="0">
+                <a:solidFill>
+                  <a:schemeClr val="accent5">
+                    <a:lumMod val="50000"/>
+                  </a:schemeClr>
+                </a:solidFill>
+                <a:latin typeface="Century Gothic" panose="020B0502020202020204" pitchFamily="34" charset="0"/>
+              </a:rPr>
+              <a:t>Upload a picture </a:t>
+            </a:r>
+          </a:p>
+        </p:txBody>
+      </p:sp>
+      <p:sp>
+        <p:nvSpPr>
+          <p:cNvPr id="64" name="TextBox 63">
+            <a:extLst>
+              <a:ext uri="{FF2B5EF4-FFF2-40B4-BE49-F238E27FC236}">
+                <a16:creationId xmlns:a16="http://schemas.microsoft.com/office/drawing/2014/main" id="{6B65C0F3-4CC8-2148-887B-2E6316D2976F}"/>
+              </a:ext>
+            </a:extLst>
+          </p:cNvPr>
+          <p:cNvSpPr txBox="1"/>
+          <p:nvPr/>
+        </p:nvSpPr>
+        <p:spPr>
+          <a:xfrm>
+            <a:off x="1845888" y="3578816"/>
+            <a:ext cx="2088293" cy="323165"/>
+          </a:xfrm>
+          <a:prstGeom prst="rect">
+            <a:avLst/>
+          </a:prstGeom>
+          <a:noFill/>
+          <a:ln>
+            <a:noFill/>
+          </a:ln>
+        </p:spPr>
+        <p:txBody>
+          <a:bodyPr wrap="square" rtlCol="0">
+            <a:spAutoFit/>
+          </a:bodyPr>
+          <a:lstStyle/>
+          <a:p>
+            <a:pPr algn="r"/>
+            <a:r>
+              <a:rPr lang="en-US" sz="1500" dirty="0">
+                <a:solidFill>
+                  <a:schemeClr val="accent5">
+                    <a:lumMod val="50000"/>
+                  </a:schemeClr>
+                </a:solidFill>
+                <a:latin typeface="Century Gothic" panose="020B0502020202020204" pitchFamily="34" charset="0"/>
+              </a:rPr>
+              <a:t>Add caption</a:t>
+            </a:r>
+          </a:p>
+        </p:txBody>
+      </p:sp>
+      <p:sp>
+        <p:nvSpPr>
+          <p:cNvPr id="65" name="Rounded Rectangle 64">
+            <a:extLst>
+              <a:ext uri="{FF2B5EF4-FFF2-40B4-BE49-F238E27FC236}">
+                <a16:creationId xmlns:a16="http://schemas.microsoft.com/office/drawing/2014/main" id="{F155B326-33B2-8240-9F43-EDAE4E105E14}"/>
+              </a:ext>
+            </a:extLst>
+          </p:cNvPr>
+          <p:cNvSpPr/>
+          <p:nvPr/>
+        </p:nvSpPr>
+        <p:spPr>
+          <a:xfrm>
+            <a:off x="5500650" y="6094657"/>
+            <a:ext cx="1449219" cy="318410"/>
+          </a:xfrm>
+          <a:prstGeom prst="roundRect">
+            <a:avLst/>
+          </a:prstGeom>
+          <a:solidFill>
+            <a:schemeClr val="accent5">
+              <a:lumMod val="50000"/>
+              <a:alpha val="60000"/>
+            </a:schemeClr>
+          </a:solidFill>
+          <a:ln>
+            <a:noFill/>
+          </a:ln>
+        </p:spPr>
+        <p:style>
+          <a:lnRef idx="2">
+            <a:schemeClr val="accent1">
+              <a:shade val="50000"/>
+            </a:schemeClr>
+          </a:lnRef>
+          <a:fillRef idx="1">
+            <a:schemeClr val="accent1"/>
+          </a:fillRef>
+          <a:effectRef idx="0">
+            <a:schemeClr val="accent1"/>
+          </a:effectRef>
+          <a:fontRef idx="minor">
+            <a:schemeClr val="lt1"/>
+          </a:fontRef>
+        </p:style>
+        <p:txBody>
+          <a:bodyPr rtlCol="0" anchor="ctr"/>
+          <a:lstStyle/>
+          <a:p>
+            <a:pPr algn="ctr"/>
+            <a:r>
+              <a:rPr lang="en-US" sz="1200" dirty="0">
+                <a:latin typeface="Century Gothic" panose="020B0502020202020204" pitchFamily="34" charset="0"/>
+              </a:rPr>
+              <a:t>Post</a:t>
+            </a:r>
+          </a:p>
+        </p:txBody>
+      </p:sp>
+      <p:sp>
+        <p:nvSpPr>
+          <p:cNvPr id="4" name="Rectangle 3">
+            <a:extLst>
+              <a:ext uri="{FF2B5EF4-FFF2-40B4-BE49-F238E27FC236}">
+                <a16:creationId xmlns:a16="http://schemas.microsoft.com/office/drawing/2014/main" id="{CF2F6707-B467-CB4B-A3F7-C06FA9D656AF}"/>
+              </a:ext>
+            </a:extLst>
+          </p:cNvPr>
+          <p:cNvSpPr/>
+          <p:nvPr/>
+        </p:nvSpPr>
+        <p:spPr>
+          <a:xfrm>
+            <a:off x="4136029" y="1135280"/>
+            <a:ext cx="4081208" cy="2293719"/>
+          </a:xfrm>
+          <a:prstGeom prst="rect">
+            <a:avLst/>
+          </a:prstGeom>
+          <a:solidFill>
+            <a:schemeClr val="bg1">
+              <a:lumMod val="95000"/>
+            </a:schemeClr>
+          </a:solidFill>
+          <a:ln>
+            <a:noFill/>
+          </a:ln>
+        </p:spPr>
+        <p:style>
+          <a:lnRef idx="2">
+            <a:schemeClr val="accent1">
+              <a:shade val="50000"/>
+            </a:schemeClr>
+          </a:lnRef>
+          <a:fillRef idx="1">
+            <a:schemeClr val="accent1"/>
+          </a:fillRef>
+          <a:effectRef idx="0">
+            <a:schemeClr val="accent1"/>
+          </a:effectRef>
+          <a:fontRef idx="minor">
+            <a:schemeClr val="lt1"/>
+          </a:fontRef>
+        </p:style>
+        <p:txBody>
+          <a:bodyPr rtlCol="0" anchor="ctr"/>
+          <a:lstStyle/>
+          <a:p>
+            <a:pPr algn="ctr"/>
+            <a:endParaRPr lang="en-US"/>
+          </a:p>
+        </p:txBody>
+      </p:sp>
+      <p:pic>
+        <p:nvPicPr>
+          <p:cNvPr id="13" name="Graphic 12" descr="Camera with solid fill">
+            <a:extLst>
+              <a:ext uri="{FF2B5EF4-FFF2-40B4-BE49-F238E27FC236}">
+                <a16:creationId xmlns:a16="http://schemas.microsoft.com/office/drawing/2014/main" id="{69E6B7D5-C01D-1E4D-9E12-93334E2D9D7D}"/>
+              </a:ext>
+            </a:extLst>
+          </p:cNvPr>
+          <p:cNvPicPr>
+            <a:picLocks noChangeAspect="1"/>
+          </p:cNvPicPr>
+          <p:nvPr/>
+        </p:nvPicPr>
+        <p:blipFill>
+          <a:blip r:embed="rId3">
+            <a:extLst>
+              <a:ext uri="{96DAC541-7B7A-43D3-8B79-37D633B846F1}">
+                <asvg:svgBlip xmlns:asvg="http://schemas.microsoft.com/office/drawing/2016/SVG/main" r:embed="rId4"/>
+              </a:ext>
+            </a:extLst>
+          </a:blip>
+          <a:stretch>
+            <a:fillRect/>
+          </a:stretch>
+        </p:blipFill>
+        <p:spPr>
+          <a:xfrm>
+            <a:off x="5739917" y="1805135"/>
+            <a:ext cx="914400" cy="914400"/>
+          </a:xfrm>
+          <a:prstGeom prst="rect">
+            <a:avLst/>
+          </a:prstGeom>
+        </p:spPr>
+      </p:pic>
+      <p:sp>
+        <p:nvSpPr>
+          <p:cNvPr id="68" name="Rounded Rectangle 67">
+            <a:extLst>
+              <a:ext uri="{FF2B5EF4-FFF2-40B4-BE49-F238E27FC236}">
+                <a16:creationId xmlns:a16="http://schemas.microsoft.com/office/drawing/2014/main" id="{7170D308-226F-8D47-9DCE-F019ED77C996}"/>
+              </a:ext>
+            </a:extLst>
+          </p:cNvPr>
+          <p:cNvSpPr/>
+          <p:nvPr/>
+        </p:nvSpPr>
+        <p:spPr>
+          <a:xfrm>
+            <a:off x="4136029" y="3522700"/>
+            <a:ext cx="4073103" cy="901019"/>
           </a:xfrm>
           <a:prstGeom prst="roundRect">
             <a:avLst/>
@@ -8335,7 +10055,7 @@
             <a:solidFill>
               <a:schemeClr val="accent5">
                 <a:lumMod val="50000"/>
-                <a:alpha val="20000"/>
+                <a:alpha val="60000"/>
               </a:schemeClr>
             </a:solidFill>
           </a:ln>
@@ -8365,10 +10085,4863 @@
           </a:p>
         </p:txBody>
       </p:sp>
+      <p:sp>
+        <p:nvSpPr>
+          <p:cNvPr id="69" name="Rounded Rectangle 68">
+            <a:extLst>
+              <a:ext uri="{FF2B5EF4-FFF2-40B4-BE49-F238E27FC236}">
+                <a16:creationId xmlns:a16="http://schemas.microsoft.com/office/drawing/2014/main" id="{E9C2EFF2-D565-DD4B-A529-46837EE7B8F4}"/>
+              </a:ext>
+            </a:extLst>
+          </p:cNvPr>
+          <p:cNvSpPr/>
+          <p:nvPr/>
+        </p:nvSpPr>
+        <p:spPr>
+          <a:xfrm>
+            <a:off x="7306316" y="5502417"/>
+            <a:ext cx="196335" cy="184636"/>
+          </a:xfrm>
+          <a:prstGeom prst="roundRect">
+            <a:avLst/>
+          </a:prstGeom>
+          <a:noFill/>
+          <a:ln w="19050">
+            <a:solidFill>
+              <a:schemeClr val="accent5">
+                <a:lumMod val="50000"/>
+                <a:alpha val="60000"/>
+              </a:schemeClr>
+            </a:solidFill>
+          </a:ln>
+        </p:spPr>
+        <p:style>
+          <a:lnRef idx="2">
+            <a:schemeClr val="accent1">
+              <a:shade val="50000"/>
+            </a:schemeClr>
+          </a:lnRef>
+          <a:fillRef idx="1">
+            <a:schemeClr val="accent1"/>
+          </a:fillRef>
+          <a:effectRef idx="0">
+            <a:schemeClr val="accent1"/>
+          </a:effectRef>
+          <a:fontRef idx="minor">
+            <a:schemeClr val="lt1"/>
+          </a:fontRef>
+        </p:style>
+        <p:txBody>
+          <a:bodyPr rtlCol="0" anchor="ctr"/>
+          <a:lstStyle/>
+          <a:p>
+            <a:pPr algn="ctr"/>
+            <a:endParaRPr lang="en-US" sz="3000" dirty="0">
+              <a:solidFill>
+                <a:schemeClr val="accent5">
+                  <a:lumMod val="50000"/>
+                </a:schemeClr>
+              </a:solidFill>
+            </a:endParaRPr>
+          </a:p>
+        </p:txBody>
+      </p:sp>
+      <p:sp>
+        <p:nvSpPr>
+          <p:cNvPr id="70" name="TextBox 69">
+            <a:extLst>
+              <a:ext uri="{FF2B5EF4-FFF2-40B4-BE49-F238E27FC236}">
+                <a16:creationId xmlns:a16="http://schemas.microsoft.com/office/drawing/2014/main" id="{19863800-3F61-D143-9F12-8C7E38F95A5F}"/>
+              </a:ext>
+            </a:extLst>
+          </p:cNvPr>
+          <p:cNvSpPr txBox="1"/>
+          <p:nvPr/>
+        </p:nvSpPr>
+        <p:spPr>
+          <a:xfrm>
+            <a:off x="7502651" y="5462048"/>
+            <a:ext cx="1352550" cy="276999"/>
+          </a:xfrm>
+          <a:prstGeom prst="rect">
+            <a:avLst/>
+          </a:prstGeom>
+          <a:noFill/>
+        </p:spPr>
+        <p:txBody>
+          <a:bodyPr wrap="square" rtlCol="0">
+            <a:spAutoFit/>
+          </a:bodyPr>
+          <a:lstStyle/>
+          <a:p>
+            <a:r>
+              <a:rPr lang="en-US" sz="1200" dirty="0">
+                <a:solidFill>
+                  <a:schemeClr val="accent5">
+                    <a:lumMod val="50000"/>
+                  </a:schemeClr>
+                </a:solidFill>
+                <a:latin typeface="Century Gothic" panose="020B0502020202020204" pitchFamily="34" charset="0"/>
+              </a:rPr>
+              <a:t>Other</a:t>
+            </a:r>
+          </a:p>
+        </p:txBody>
+      </p:sp>
     </p:spTree>
     <p:extLst>
       <p:ext uri="{BB962C8B-B14F-4D97-AF65-F5344CB8AC3E}">
-        <p14:creationId xmlns:p14="http://schemas.microsoft.com/office/powerpoint/2010/main" val="2636761921"/>
+        <p14:creationId xmlns:p14="http://schemas.microsoft.com/office/powerpoint/2010/main" val="2096575471"/>
+      </p:ext>
+    </p:extLst>
+  </p:cSld>
+  <p:clrMapOvr>
+    <a:masterClrMapping/>
+  </p:clrMapOvr>
+</p:sld>
+</file>
+
+<file path=ppt/slides/slide6.xml><?xml version="1.0" encoding="utf-8"?>
+<p:sld xmlns:a="http://schemas.openxmlformats.org/drawingml/2006/main" xmlns:r="http://schemas.openxmlformats.org/officeDocument/2006/relationships" xmlns:p="http://schemas.openxmlformats.org/presentationml/2006/main">
+  <p:cSld>
+    <p:spTree>
+      <p:nvGrpSpPr>
+        <p:cNvPr id="1" name=""/>
+        <p:cNvGrpSpPr/>
+        <p:nvPr/>
+      </p:nvGrpSpPr>
+      <p:grpSpPr>
+        <a:xfrm>
+          <a:off x="0" y="0"/>
+          <a:ext cx="0" cy="0"/>
+          <a:chOff x="0" y="0"/>
+          <a:chExt cx="0" cy="0"/>
+        </a:xfrm>
+      </p:grpSpPr>
+      <p:pic>
+        <p:nvPicPr>
+          <p:cNvPr id="4106" name="Picture 10" descr="white and brown brick wall">
+            <a:extLst>
+              <a:ext uri="{FF2B5EF4-FFF2-40B4-BE49-F238E27FC236}">
+                <a16:creationId xmlns:a16="http://schemas.microsoft.com/office/drawing/2014/main" id="{11F3A1C4-FA5F-0842-A1DE-27E252334982}"/>
+              </a:ext>
+            </a:extLst>
+          </p:cNvPr>
+          <p:cNvPicPr>
+            <a:picLocks noChangeAspect="1" noChangeArrowheads="1"/>
+          </p:cNvPicPr>
+          <p:nvPr/>
+        </p:nvPicPr>
+        <p:blipFill rotWithShape="1">
+          <a:blip r:embed="rId2">
+            <a:alphaModFix amt="20000"/>
+            <a:extLst>
+              <a:ext uri="{28A0092B-C50C-407E-A947-70E740481C1C}">
+                <a14:useLocalDpi xmlns:a14="http://schemas.microsoft.com/office/drawing/2010/main" val="0"/>
+              </a:ext>
+            </a:extLst>
+          </a:blip>
+          <a:srcRect t="16097" r="32500" b="14354"/>
+          <a:stretch/>
+        </p:blipFill>
+        <p:spPr bwMode="auto">
+          <a:xfrm>
+            <a:off x="1773000" y="98854"/>
+            <a:ext cx="8761735" cy="6734373"/>
+          </a:xfrm>
+          <a:prstGeom prst="rect">
+            <a:avLst/>
+          </a:prstGeom>
+          <a:noFill/>
+          <a:extLst>
+            <a:ext uri="{909E8E84-426E-40DD-AFC4-6F175D3DCCD1}">
+              <a14:hiddenFill xmlns:a14="http://schemas.microsoft.com/office/drawing/2010/main">
+                <a:solidFill>
+                  <a:srgbClr val="FFFFFF"/>
+                </a:solidFill>
+              </a14:hiddenFill>
+            </a:ext>
+          </a:extLst>
+        </p:spPr>
+      </p:pic>
+      <p:sp>
+        <p:nvSpPr>
+          <p:cNvPr id="81" name="Rectangle 80">
+            <a:extLst>
+              <a:ext uri="{FF2B5EF4-FFF2-40B4-BE49-F238E27FC236}">
+                <a16:creationId xmlns:a16="http://schemas.microsoft.com/office/drawing/2014/main" id="{49323CC1-348A-C64C-8228-F27A9A80FD1E}"/>
+              </a:ext>
+            </a:extLst>
+          </p:cNvPr>
+          <p:cNvSpPr/>
+          <p:nvPr/>
+        </p:nvSpPr>
+        <p:spPr>
+          <a:xfrm>
+            <a:off x="3348680" y="4462134"/>
+            <a:ext cx="5714459" cy="2371093"/>
+          </a:xfrm>
+          <a:prstGeom prst="rect">
+            <a:avLst/>
+          </a:prstGeom>
+          <a:solidFill>
+            <a:schemeClr val="bg1"/>
+          </a:solidFill>
+          <a:ln>
+            <a:noFill/>
+          </a:ln>
+        </p:spPr>
+        <p:style>
+          <a:lnRef idx="2">
+            <a:schemeClr val="accent1">
+              <a:shade val="50000"/>
+            </a:schemeClr>
+          </a:lnRef>
+          <a:fillRef idx="1">
+            <a:schemeClr val="accent1"/>
+          </a:fillRef>
+          <a:effectRef idx="0">
+            <a:schemeClr val="accent1"/>
+          </a:effectRef>
+          <a:fontRef idx="minor">
+            <a:schemeClr val="lt1"/>
+          </a:fontRef>
+        </p:style>
+        <p:txBody>
+          <a:bodyPr rtlCol="0" anchor="ctr"/>
+          <a:lstStyle/>
+          <a:p>
+            <a:pPr algn="ctr"/>
+            <a:endParaRPr lang="en-US"/>
+          </a:p>
+        </p:txBody>
+      </p:sp>
+      <p:sp>
+        <p:nvSpPr>
+          <p:cNvPr id="2" name="Title 1">
+            <a:extLst>
+              <a:ext uri="{FF2B5EF4-FFF2-40B4-BE49-F238E27FC236}">
+                <a16:creationId xmlns:a16="http://schemas.microsoft.com/office/drawing/2014/main" id="{55E1752B-87D4-EC45-9881-EE216676162F}"/>
+              </a:ext>
+            </a:extLst>
+          </p:cNvPr>
+          <p:cNvSpPr>
+            <a:spLocks noGrp="1"/>
+          </p:cNvSpPr>
+          <p:nvPr>
+            <p:ph type="ctrTitle"/>
+          </p:nvPr>
+        </p:nvSpPr>
+        <p:spPr>
+          <a:xfrm>
+            <a:off x="1187669" y="2007"/>
+            <a:ext cx="9144000" cy="906134"/>
+          </a:xfrm>
+        </p:spPr>
+        <p:txBody>
+          <a:bodyPr>
+            <a:normAutofit fontScale="90000"/>
+          </a:bodyPr>
+          <a:lstStyle/>
+          <a:p>
+            <a:r>
+              <a:rPr lang="en-US" sz="3100" dirty="0">
+                <a:latin typeface="Century Gothic" panose="020B0502020202020204" pitchFamily="34" charset="0"/>
+                <a:cs typeface="Calibri Light" panose="020F0302020204030204" pitchFamily="34" charset="0"/>
+              </a:rPr>
+              <a:t>ORDERLY</a:t>
+            </a:r>
+            <a:r>
+              <a:rPr lang="en-US" dirty="0"/>
+              <a:t> </a:t>
+            </a:r>
+          </a:p>
+        </p:txBody>
+      </p:sp>
+      <p:sp>
+        <p:nvSpPr>
+          <p:cNvPr id="3" name="Subtitle 2">
+            <a:extLst>
+              <a:ext uri="{FF2B5EF4-FFF2-40B4-BE49-F238E27FC236}">
+                <a16:creationId xmlns:a16="http://schemas.microsoft.com/office/drawing/2014/main" id="{A4CAEE9F-F789-B743-AEFA-60ADC61D1D11}"/>
+              </a:ext>
+            </a:extLst>
+          </p:cNvPr>
+          <p:cNvSpPr>
+            <a:spLocks noGrp="1"/>
+          </p:cNvSpPr>
+          <p:nvPr>
+            <p:ph type="subTitle" idx="1"/>
+          </p:nvPr>
+        </p:nvSpPr>
+        <p:spPr>
+          <a:xfrm>
+            <a:off x="157655" y="186176"/>
+            <a:ext cx="2659686" cy="444445"/>
+          </a:xfrm>
+        </p:spPr>
+        <p:txBody>
+          <a:bodyPr>
+            <a:normAutofit/>
+          </a:bodyPr>
+          <a:lstStyle/>
+          <a:p>
+            <a:pPr algn="l"/>
+            <a:r>
+              <a:rPr lang="en-US" sz="1500" dirty="0">
+                <a:highlight>
+                  <a:srgbClr val="FFFF00"/>
+                </a:highlight>
+                <a:latin typeface="Century Gothic" panose="020B0502020202020204" pitchFamily="34" charset="0"/>
+              </a:rPr>
+              <a:t>6. Personal Wall</a:t>
+            </a:r>
+          </a:p>
+        </p:txBody>
+      </p:sp>
+      <p:sp>
+        <p:nvSpPr>
+          <p:cNvPr id="5" name="Rectangle 4">
+            <a:extLst>
+              <a:ext uri="{FF2B5EF4-FFF2-40B4-BE49-F238E27FC236}">
+                <a16:creationId xmlns:a16="http://schemas.microsoft.com/office/drawing/2014/main" id="{4B5E1DBF-CB34-C746-AFF5-7AE29D21F788}"/>
+              </a:ext>
+            </a:extLst>
+          </p:cNvPr>
+          <p:cNvSpPr/>
+          <p:nvPr/>
+        </p:nvSpPr>
+        <p:spPr>
+          <a:xfrm>
+            <a:off x="6608598" y="418534"/>
+            <a:ext cx="45719" cy="274320"/>
+          </a:xfrm>
+          <a:prstGeom prst="rect">
+            <a:avLst/>
+          </a:prstGeom>
+          <a:solidFill>
+            <a:schemeClr val="accent5">
+              <a:lumMod val="50000"/>
+              <a:alpha val="20000"/>
+            </a:schemeClr>
+          </a:solidFill>
+          <a:ln>
+            <a:noFill/>
+          </a:ln>
+        </p:spPr>
+        <p:style>
+          <a:lnRef idx="2">
+            <a:schemeClr val="accent1">
+              <a:shade val="50000"/>
+            </a:schemeClr>
+          </a:lnRef>
+          <a:fillRef idx="1">
+            <a:schemeClr val="accent1"/>
+          </a:fillRef>
+          <a:effectRef idx="0">
+            <a:schemeClr val="accent1"/>
+          </a:effectRef>
+          <a:fontRef idx="minor">
+            <a:schemeClr val="lt1"/>
+          </a:fontRef>
+        </p:style>
+        <p:txBody>
+          <a:bodyPr rtlCol="0" anchor="ctr"/>
+          <a:lstStyle/>
+          <a:p>
+            <a:pPr algn="ctr"/>
+            <a:endParaRPr lang="en-US"/>
+          </a:p>
+        </p:txBody>
+      </p:sp>
+      <p:sp>
+        <p:nvSpPr>
+          <p:cNvPr id="6" name="Rectangle 5">
+            <a:extLst>
+              <a:ext uri="{FF2B5EF4-FFF2-40B4-BE49-F238E27FC236}">
+                <a16:creationId xmlns:a16="http://schemas.microsoft.com/office/drawing/2014/main" id="{94B30EB6-7035-414F-9866-7F312CF3AA16}"/>
+              </a:ext>
+            </a:extLst>
+          </p:cNvPr>
+          <p:cNvSpPr/>
+          <p:nvPr/>
+        </p:nvSpPr>
+        <p:spPr>
+          <a:xfrm>
+            <a:off x="6760998" y="418534"/>
+            <a:ext cx="45719" cy="274320"/>
+          </a:xfrm>
+          <a:prstGeom prst="rect">
+            <a:avLst/>
+          </a:prstGeom>
+          <a:solidFill>
+            <a:schemeClr val="accent5">
+              <a:lumMod val="50000"/>
+              <a:alpha val="40000"/>
+            </a:schemeClr>
+          </a:solidFill>
+          <a:ln>
+            <a:noFill/>
+          </a:ln>
+        </p:spPr>
+        <p:style>
+          <a:lnRef idx="2">
+            <a:schemeClr val="accent1">
+              <a:shade val="50000"/>
+            </a:schemeClr>
+          </a:lnRef>
+          <a:fillRef idx="1">
+            <a:schemeClr val="accent1"/>
+          </a:fillRef>
+          <a:effectRef idx="0">
+            <a:schemeClr val="accent1"/>
+          </a:effectRef>
+          <a:fontRef idx="minor">
+            <a:schemeClr val="lt1"/>
+          </a:fontRef>
+        </p:style>
+        <p:txBody>
+          <a:bodyPr rtlCol="0" anchor="ctr"/>
+          <a:lstStyle/>
+          <a:p>
+            <a:pPr algn="ctr"/>
+            <a:endParaRPr lang="en-US"/>
+          </a:p>
+        </p:txBody>
+      </p:sp>
+      <p:sp>
+        <p:nvSpPr>
+          <p:cNvPr id="7" name="Rectangle 6">
+            <a:extLst>
+              <a:ext uri="{FF2B5EF4-FFF2-40B4-BE49-F238E27FC236}">
+                <a16:creationId xmlns:a16="http://schemas.microsoft.com/office/drawing/2014/main" id="{BB0DB2B6-3E73-894C-8658-EA6DA444C837}"/>
+              </a:ext>
+            </a:extLst>
+          </p:cNvPr>
+          <p:cNvSpPr/>
+          <p:nvPr/>
+        </p:nvSpPr>
+        <p:spPr>
+          <a:xfrm>
+            <a:off x="6913398" y="418534"/>
+            <a:ext cx="45719" cy="274320"/>
+          </a:xfrm>
+          <a:prstGeom prst="rect">
+            <a:avLst/>
+          </a:prstGeom>
+          <a:solidFill>
+            <a:schemeClr val="accent5">
+              <a:lumMod val="50000"/>
+              <a:alpha val="60000"/>
+            </a:schemeClr>
+          </a:solidFill>
+          <a:ln>
+            <a:noFill/>
+          </a:ln>
+        </p:spPr>
+        <p:style>
+          <a:lnRef idx="2">
+            <a:schemeClr val="accent1">
+              <a:shade val="50000"/>
+            </a:schemeClr>
+          </a:lnRef>
+          <a:fillRef idx="1">
+            <a:schemeClr val="accent1"/>
+          </a:fillRef>
+          <a:effectRef idx="0">
+            <a:schemeClr val="accent1"/>
+          </a:effectRef>
+          <a:fontRef idx="minor">
+            <a:schemeClr val="lt1"/>
+          </a:fontRef>
+        </p:style>
+        <p:txBody>
+          <a:bodyPr rtlCol="0" anchor="ctr"/>
+          <a:lstStyle/>
+          <a:p>
+            <a:pPr algn="ctr"/>
+            <a:endParaRPr lang="en-US"/>
+          </a:p>
+        </p:txBody>
+      </p:sp>
+      <p:sp>
+        <p:nvSpPr>
+          <p:cNvPr id="8" name="Rectangle 7">
+            <a:extLst>
+              <a:ext uri="{FF2B5EF4-FFF2-40B4-BE49-F238E27FC236}">
+                <a16:creationId xmlns:a16="http://schemas.microsoft.com/office/drawing/2014/main" id="{34C4CF47-CD5D-A649-B86D-DFAE589BEDBE}"/>
+              </a:ext>
+            </a:extLst>
+          </p:cNvPr>
+          <p:cNvSpPr/>
+          <p:nvPr/>
+        </p:nvSpPr>
+        <p:spPr>
+          <a:xfrm>
+            <a:off x="7065798" y="418534"/>
+            <a:ext cx="45719" cy="274320"/>
+          </a:xfrm>
+          <a:prstGeom prst="rect">
+            <a:avLst/>
+          </a:prstGeom>
+          <a:solidFill>
+            <a:schemeClr val="accent5">
+              <a:lumMod val="50000"/>
+              <a:alpha val="80000"/>
+            </a:schemeClr>
+          </a:solidFill>
+          <a:ln>
+            <a:noFill/>
+          </a:ln>
+        </p:spPr>
+        <p:style>
+          <a:lnRef idx="2">
+            <a:schemeClr val="accent1">
+              <a:shade val="50000"/>
+            </a:schemeClr>
+          </a:lnRef>
+          <a:fillRef idx="1">
+            <a:schemeClr val="accent1"/>
+          </a:fillRef>
+          <a:effectRef idx="0">
+            <a:schemeClr val="accent1"/>
+          </a:effectRef>
+          <a:fontRef idx="minor">
+            <a:schemeClr val="lt1"/>
+          </a:fontRef>
+        </p:style>
+        <p:txBody>
+          <a:bodyPr rtlCol="0" anchor="ctr"/>
+          <a:lstStyle/>
+          <a:p>
+            <a:pPr algn="ctr"/>
+            <a:endParaRPr lang="en-US"/>
+          </a:p>
+        </p:txBody>
+      </p:sp>
+      <p:sp>
+        <p:nvSpPr>
+          <p:cNvPr id="9" name="Rectangle 8">
+            <a:extLst>
+              <a:ext uri="{FF2B5EF4-FFF2-40B4-BE49-F238E27FC236}">
+                <a16:creationId xmlns:a16="http://schemas.microsoft.com/office/drawing/2014/main" id="{27A53EAC-8624-7047-B16D-1E6AC5B31C92}"/>
+              </a:ext>
+            </a:extLst>
+          </p:cNvPr>
+          <p:cNvSpPr/>
+          <p:nvPr/>
+        </p:nvSpPr>
+        <p:spPr>
+          <a:xfrm>
+            <a:off x="7218198" y="418534"/>
+            <a:ext cx="45719" cy="274320"/>
+          </a:xfrm>
+          <a:prstGeom prst="rect">
+            <a:avLst/>
+          </a:prstGeom>
+          <a:solidFill>
+            <a:schemeClr val="accent5">
+              <a:lumMod val="50000"/>
+            </a:schemeClr>
+          </a:solidFill>
+          <a:ln>
+            <a:noFill/>
+          </a:ln>
+        </p:spPr>
+        <p:style>
+          <a:lnRef idx="2">
+            <a:schemeClr val="accent1">
+              <a:shade val="50000"/>
+            </a:schemeClr>
+          </a:lnRef>
+          <a:fillRef idx="1">
+            <a:schemeClr val="accent1"/>
+          </a:fillRef>
+          <a:effectRef idx="0">
+            <a:schemeClr val="accent1"/>
+          </a:effectRef>
+          <a:fontRef idx="minor">
+            <a:schemeClr val="lt1"/>
+          </a:fontRef>
+        </p:style>
+        <p:txBody>
+          <a:bodyPr rtlCol="0" anchor="ctr"/>
+          <a:lstStyle/>
+          <a:p>
+            <a:pPr algn="ctr"/>
+            <a:endParaRPr lang="en-US"/>
+          </a:p>
+        </p:txBody>
+      </p:sp>
+      <p:cxnSp>
+        <p:nvCxnSpPr>
+          <p:cNvPr id="11" name="Straight Connector 10">
+            <a:extLst>
+              <a:ext uri="{FF2B5EF4-FFF2-40B4-BE49-F238E27FC236}">
+                <a16:creationId xmlns:a16="http://schemas.microsoft.com/office/drawing/2014/main" id="{56B3A37D-1EE8-B84C-9761-A1714E2D2220}"/>
+              </a:ext>
+            </a:extLst>
+          </p:cNvPr>
+          <p:cNvCxnSpPr>
+            <a:cxnSpLocks/>
+          </p:cNvCxnSpPr>
+          <p:nvPr/>
+        </p:nvCxnSpPr>
+        <p:spPr>
+          <a:xfrm>
+            <a:off x="1859895" y="908141"/>
+            <a:ext cx="8587946" cy="0"/>
+          </a:xfrm>
+          <a:prstGeom prst="line">
+            <a:avLst/>
+          </a:prstGeom>
+          <a:ln>
+            <a:solidFill>
+              <a:schemeClr val="accent5">
+                <a:lumMod val="50000"/>
+                <a:alpha val="60000"/>
+              </a:schemeClr>
+            </a:solidFill>
+          </a:ln>
+        </p:spPr>
+        <p:style>
+          <a:lnRef idx="1">
+            <a:schemeClr val="accent1"/>
+          </a:lnRef>
+          <a:fillRef idx="0">
+            <a:schemeClr val="accent1"/>
+          </a:fillRef>
+          <a:effectRef idx="0">
+            <a:schemeClr val="accent1"/>
+          </a:effectRef>
+          <a:fontRef idx="minor">
+            <a:schemeClr val="tx1"/>
+          </a:fontRef>
+        </p:style>
+      </p:cxnSp>
+      <p:sp>
+        <p:nvSpPr>
+          <p:cNvPr id="12" name="TextBox 11">
+            <a:extLst>
+              <a:ext uri="{FF2B5EF4-FFF2-40B4-BE49-F238E27FC236}">
+                <a16:creationId xmlns:a16="http://schemas.microsoft.com/office/drawing/2014/main" id="{08D9AFC7-7A05-2E4C-A8D1-4FBC5AB48596}"/>
+              </a:ext>
+            </a:extLst>
+          </p:cNvPr>
+          <p:cNvSpPr txBox="1"/>
+          <p:nvPr/>
+        </p:nvSpPr>
+        <p:spPr>
+          <a:xfrm>
+            <a:off x="1752749" y="360564"/>
+            <a:ext cx="2360140" cy="338554"/>
+          </a:xfrm>
+          <a:prstGeom prst="rect">
+            <a:avLst/>
+          </a:prstGeom>
+          <a:noFill/>
+        </p:spPr>
+        <p:txBody>
+          <a:bodyPr wrap="square" rtlCol="0">
+            <a:spAutoFit/>
+          </a:bodyPr>
+          <a:lstStyle/>
+          <a:p>
+            <a:r>
+              <a:rPr lang="en-US" sz="1600" dirty="0">
+                <a:solidFill>
+                  <a:schemeClr val="accent5">
+                    <a:lumMod val="50000"/>
+                  </a:schemeClr>
+                </a:solidFill>
+                <a:latin typeface="Century Gothic" panose="020B0502020202020204" pitchFamily="34" charset="0"/>
+              </a:rPr>
+              <a:t>Meghan’s Posts</a:t>
+            </a:r>
+          </a:p>
+        </p:txBody>
+      </p:sp>
+      <p:grpSp>
+        <p:nvGrpSpPr>
+          <p:cNvPr id="32" name="Group 31">
+            <a:extLst>
+              <a:ext uri="{FF2B5EF4-FFF2-40B4-BE49-F238E27FC236}">
+                <a16:creationId xmlns:a16="http://schemas.microsoft.com/office/drawing/2014/main" id="{E3ACF96A-3DD6-0F47-B46A-E8A19FD07D61}"/>
+              </a:ext>
+            </a:extLst>
+          </p:cNvPr>
+          <p:cNvGrpSpPr/>
+          <p:nvPr/>
+        </p:nvGrpSpPr>
+        <p:grpSpPr>
+          <a:xfrm>
+            <a:off x="8923439" y="416895"/>
+            <a:ext cx="2826553" cy="338554"/>
+            <a:chOff x="883680" y="1481757"/>
+            <a:chExt cx="2826553" cy="338554"/>
+          </a:xfrm>
+        </p:grpSpPr>
+        <p:grpSp>
+          <p:nvGrpSpPr>
+            <p:cNvPr id="28" name="Group 27">
+              <a:extLst>
+                <a:ext uri="{FF2B5EF4-FFF2-40B4-BE49-F238E27FC236}">
+                  <a16:creationId xmlns:a16="http://schemas.microsoft.com/office/drawing/2014/main" id="{9959245F-AEB5-C04F-822D-89971A05AC6F}"/>
+                </a:ext>
+              </a:extLst>
+            </p:cNvPr>
+            <p:cNvGrpSpPr/>
+            <p:nvPr/>
+          </p:nvGrpSpPr>
+          <p:grpSpPr>
+            <a:xfrm>
+              <a:off x="883680" y="1522065"/>
+              <a:ext cx="276497" cy="274320"/>
+              <a:chOff x="883681" y="1676050"/>
+              <a:chExt cx="276497" cy="274320"/>
+            </a:xfrm>
+          </p:grpSpPr>
+          <p:sp>
+            <p:nvSpPr>
+              <p:cNvPr id="16" name="Rounded Rectangle 15">
+                <a:extLst>
+                  <a:ext uri="{FF2B5EF4-FFF2-40B4-BE49-F238E27FC236}">
+                    <a16:creationId xmlns:a16="http://schemas.microsoft.com/office/drawing/2014/main" id="{22D7726E-A0A9-3347-A2DA-1C7E3CF6BC96}"/>
+                  </a:ext>
+                </a:extLst>
+              </p:cNvPr>
+              <p:cNvSpPr/>
+              <p:nvPr/>
+            </p:nvSpPr>
+            <p:spPr>
+              <a:xfrm>
+                <a:off x="883681" y="1676050"/>
+                <a:ext cx="276497" cy="274320"/>
+              </a:xfrm>
+              <a:prstGeom prst="roundRect">
+                <a:avLst/>
+              </a:prstGeom>
+              <a:noFill/>
+              <a:ln w="19050">
+                <a:solidFill>
+                  <a:schemeClr val="accent5">
+                    <a:lumMod val="50000"/>
+                    <a:alpha val="60000"/>
+                  </a:schemeClr>
+                </a:solidFill>
+              </a:ln>
+            </p:spPr>
+            <p:style>
+              <a:lnRef idx="2">
+                <a:schemeClr val="accent1">
+                  <a:shade val="50000"/>
+                </a:schemeClr>
+              </a:lnRef>
+              <a:fillRef idx="1">
+                <a:schemeClr val="accent1"/>
+              </a:fillRef>
+              <a:effectRef idx="0">
+                <a:schemeClr val="accent1"/>
+              </a:effectRef>
+              <a:fontRef idx="minor">
+                <a:schemeClr val="lt1"/>
+              </a:fontRef>
+            </p:style>
+            <p:txBody>
+              <a:bodyPr rtlCol="0" anchor="ctr"/>
+              <a:lstStyle/>
+              <a:p>
+                <a:pPr algn="ctr"/>
+                <a:endParaRPr lang="en-US" sz="3000" dirty="0">
+                  <a:solidFill>
+                    <a:schemeClr val="accent5">
+                      <a:lumMod val="50000"/>
+                    </a:schemeClr>
+                  </a:solidFill>
+                </a:endParaRPr>
+              </a:p>
+            </p:txBody>
+          </p:sp>
+          <p:cxnSp>
+            <p:nvCxnSpPr>
+              <p:cNvPr id="19" name="Straight Connector 18">
+                <a:extLst>
+                  <a:ext uri="{FF2B5EF4-FFF2-40B4-BE49-F238E27FC236}">
+                    <a16:creationId xmlns:a16="http://schemas.microsoft.com/office/drawing/2014/main" id="{DC9D139B-20B3-AC4C-9B19-543B141F76D7}"/>
+                  </a:ext>
+                </a:extLst>
+              </p:cNvPr>
+              <p:cNvCxnSpPr>
+                <a:cxnSpLocks/>
+              </p:cNvCxnSpPr>
+              <p:nvPr/>
+            </p:nvCxnSpPr>
+            <p:spPr>
+              <a:xfrm flipV="1">
+                <a:off x="927102" y="1805019"/>
+                <a:ext cx="182880" cy="1272"/>
+              </a:xfrm>
+              <a:prstGeom prst="line">
+                <a:avLst/>
+              </a:prstGeom>
+              <a:ln w="19050">
+                <a:solidFill>
+                  <a:schemeClr val="accent5">
+                    <a:lumMod val="50000"/>
+                    <a:alpha val="60000"/>
+                  </a:schemeClr>
+                </a:solidFill>
+              </a:ln>
+            </p:spPr>
+            <p:style>
+              <a:lnRef idx="1">
+                <a:schemeClr val="accent1"/>
+              </a:lnRef>
+              <a:fillRef idx="0">
+                <a:schemeClr val="accent1"/>
+              </a:fillRef>
+              <a:effectRef idx="0">
+                <a:schemeClr val="accent1"/>
+              </a:effectRef>
+              <a:fontRef idx="minor">
+                <a:schemeClr val="tx1"/>
+              </a:fontRef>
+            </p:style>
+          </p:cxnSp>
+          <p:cxnSp>
+            <p:nvCxnSpPr>
+              <p:cNvPr id="25" name="Straight Connector 24">
+                <a:extLst>
+                  <a:ext uri="{FF2B5EF4-FFF2-40B4-BE49-F238E27FC236}">
+                    <a16:creationId xmlns:a16="http://schemas.microsoft.com/office/drawing/2014/main" id="{289F1461-1978-7F45-AD19-12CD3DE20B55}"/>
+                  </a:ext>
+                </a:extLst>
+              </p:cNvPr>
+              <p:cNvCxnSpPr>
+                <a:cxnSpLocks/>
+              </p:cNvCxnSpPr>
+              <p:nvPr/>
+            </p:nvCxnSpPr>
+            <p:spPr>
+              <a:xfrm flipV="1">
+                <a:off x="1023381" y="1718659"/>
+                <a:ext cx="0" cy="182880"/>
+              </a:xfrm>
+              <a:prstGeom prst="line">
+                <a:avLst/>
+              </a:prstGeom>
+              <a:ln w="19050">
+                <a:solidFill>
+                  <a:schemeClr val="accent5">
+                    <a:lumMod val="50000"/>
+                    <a:alpha val="60000"/>
+                  </a:schemeClr>
+                </a:solidFill>
+              </a:ln>
+            </p:spPr>
+            <p:style>
+              <a:lnRef idx="1">
+                <a:schemeClr val="accent1"/>
+              </a:lnRef>
+              <a:fillRef idx="0">
+                <a:schemeClr val="accent1"/>
+              </a:fillRef>
+              <a:effectRef idx="0">
+                <a:schemeClr val="accent1"/>
+              </a:effectRef>
+              <a:fontRef idx="minor">
+                <a:schemeClr val="tx1"/>
+              </a:fontRef>
+            </p:style>
+          </p:cxnSp>
+        </p:grpSp>
+        <p:sp>
+          <p:nvSpPr>
+            <p:cNvPr id="29" name="TextBox 28">
+              <a:extLst>
+                <a:ext uri="{FF2B5EF4-FFF2-40B4-BE49-F238E27FC236}">
+                  <a16:creationId xmlns:a16="http://schemas.microsoft.com/office/drawing/2014/main" id="{11EC4360-3988-C642-997A-B7F12A7FEB5C}"/>
+                </a:ext>
+              </a:extLst>
+            </p:cNvPr>
+            <p:cNvSpPr txBox="1"/>
+            <p:nvPr/>
+          </p:nvSpPr>
+          <p:spPr>
+            <a:xfrm>
+              <a:off x="1206499" y="1481757"/>
+              <a:ext cx="2503734" cy="338554"/>
+            </a:xfrm>
+            <a:prstGeom prst="rect">
+              <a:avLst/>
+            </a:prstGeom>
+            <a:noFill/>
+          </p:spPr>
+          <p:txBody>
+            <a:bodyPr wrap="square" rtlCol="0">
+              <a:spAutoFit/>
+            </a:bodyPr>
+            <a:lstStyle/>
+            <a:p>
+              <a:r>
+                <a:rPr lang="en-US" sz="1600" dirty="0">
+                  <a:solidFill>
+                    <a:schemeClr val="accent5">
+                      <a:lumMod val="50000"/>
+                    </a:schemeClr>
+                  </a:solidFill>
+                  <a:latin typeface="Century Gothic" panose="020B0502020202020204" pitchFamily="34" charset="0"/>
+                </a:rPr>
+                <a:t>Add post</a:t>
+              </a:r>
+            </a:p>
+          </p:txBody>
+        </p:sp>
+      </p:grpSp>
+      <p:sp>
+        <p:nvSpPr>
+          <p:cNvPr id="36" name="AutoShape 4">
+            <a:extLst>
+              <a:ext uri="{FF2B5EF4-FFF2-40B4-BE49-F238E27FC236}">
+                <a16:creationId xmlns:a16="http://schemas.microsoft.com/office/drawing/2014/main" id="{B53FF64E-D9F7-4E45-8F96-E4E6F71EEA9C}"/>
+              </a:ext>
+            </a:extLst>
+          </p:cNvPr>
+          <p:cNvSpPr>
+            <a:spLocks noChangeAspect="1" noChangeArrowheads="1"/>
+          </p:cNvSpPr>
+          <p:nvPr/>
+        </p:nvSpPr>
+        <p:spPr bwMode="auto">
+          <a:xfrm>
+            <a:off x="5943600" y="1493108"/>
+            <a:ext cx="2088292" cy="2088292"/>
+          </a:xfrm>
+          <a:prstGeom prst="rect">
+            <a:avLst/>
+          </a:prstGeom>
+          <a:noFill/>
+          <a:extLst>
+            <a:ext uri="{909E8E84-426E-40DD-AFC4-6F175D3DCCD1}">
+              <a14:hiddenFill xmlns:a14="http://schemas.microsoft.com/office/drawing/2010/main">
+                <a:solidFill>
+                  <a:srgbClr val="FFFFFF"/>
+                </a:solidFill>
+              </a14:hiddenFill>
+            </a:ext>
+          </a:extLst>
+        </p:spPr>
+        <p:txBody>
+          <a:bodyPr vert="horz" wrap="square" lIns="91440" tIns="45720" rIns="91440" bIns="45720" numCol="1" anchor="t" anchorCtr="0" compatLnSpc="1">
+            <a:prstTxWarp prst="textNoShape">
+              <a:avLst/>
+            </a:prstTxWarp>
+          </a:bodyPr>
+          <a:lstStyle/>
+          <a:p>
+            <a:endParaRPr lang="en-US"/>
+          </a:p>
+        </p:txBody>
+      </p:sp>
+      <p:grpSp>
+        <p:nvGrpSpPr>
+          <p:cNvPr id="10" name="Group 9">
+            <a:extLst>
+              <a:ext uri="{FF2B5EF4-FFF2-40B4-BE49-F238E27FC236}">
+                <a16:creationId xmlns:a16="http://schemas.microsoft.com/office/drawing/2014/main" id="{4B4B2B54-1E17-C749-ADF6-BAAD693F8759}"/>
+              </a:ext>
+            </a:extLst>
+          </p:cNvPr>
+          <p:cNvGrpSpPr/>
+          <p:nvPr/>
+        </p:nvGrpSpPr>
+        <p:grpSpPr>
+          <a:xfrm>
+            <a:off x="3348680" y="1027719"/>
+            <a:ext cx="5714459" cy="3314838"/>
+            <a:chOff x="3348680" y="1027719"/>
+            <a:chExt cx="5714459" cy="3314838"/>
+          </a:xfrm>
+        </p:grpSpPr>
+        <p:sp>
+          <p:nvSpPr>
+            <p:cNvPr id="4107" name="Rectangle 4106">
+              <a:extLst>
+                <a:ext uri="{FF2B5EF4-FFF2-40B4-BE49-F238E27FC236}">
+                  <a16:creationId xmlns:a16="http://schemas.microsoft.com/office/drawing/2014/main" id="{E6B2C3D2-8801-4545-AEA7-1FFDE810F3FC}"/>
+                </a:ext>
+              </a:extLst>
+            </p:cNvPr>
+            <p:cNvSpPr/>
+            <p:nvPr/>
+          </p:nvSpPr>
+          <p:spPr>
+            <a:xfrm>
+              <a:off x="3348680" y="1027719"/>
+              <a:ext cx="5714459" cy="3314838"/>
+            </a:xfrm>
+            <a:prstGeom prst="rect">
+              <a:avLst/>
+            </a:prstGeom>
+            <a:solidFill>
+              <a:schemeClr val="bg1"/>
+            </a:solidFill>
+            <a:ln>
+              <a:noFill/>
+            </a:ln>
+          </p:spPr>
+          <p:style>
+            <a:lnRef idx="2">
+              <a:schemeClr val="accent1">
+                <a:shade val="50000"/>
+              </a:schemeClr>
+            </a:lnRef>
+            <a:fillRef idx="1">
+              <a:schemeClr val="accent1"/>
+            </a:fillRef>
+            <a:effectRef idx="0">
+              <a:schemeClr val="accent1"/>
+            </a:effectRef>
+            <a:fontRef idx="minor">
+              <a:schemeClr val="lt1"/>
+            </a:fontRef>
+          </p:style>
+          <p:txBody>
+            <a:bodyPr rtlCol="0" anchor="ctr"/>
+            <a:lstStyle/>
+            <a:p>
+              <a:pPr algn="ctr"/>
+              <a:endParaRPr lang="en-US"/>
+            </a:p>
+          </p:txBody>
+        </p:sp>
+        <p:sp>
+          <p:nvSpPr>
+            <p:cNvPr id="88" name="TextBox 87">
+              <a:extLst>
+                <a:ext uri="{FF2B5EF4-FFF2-40B4-BE49-F238E27FC236}">
+                  <a16:creationId xmlns:a16="http://schemas.microsoft.com/office/drawing/2014/main" id="{963F30DC-09EE-DA43-8AB8-29CDE7A62AA5}"/>
+                </a:ext>
+              </a:extLst>
+            </p:cNvPr>
+            <p:cNvSpPr txBox="1"/>
+            <p:nvPr/>
+          </p:nvSpPr>
+          <p:spPr>
+            <a:xfrm>
+              <a:off x="4884319" y="4009355"/>
+              <a:ext cx="1004285" cy="246221"/>
+            </a:xfrm>
+            <a:prstGeom prst="rect">
+              <a:avLst/>
+            </a:prstGeom>
+            <a:noFill/>
+          </p:spPr>
+          <p:txBody>
+            <a:bodyPr wrap="square" rtlCol="0">
+              <a:spAutoFit/>
+            </a:bodyPr>
+            <a:lstStyle/>
+            <a:p>
+              <a:r>
+                <a:rPr lang="en-US" sz="1000" dirty="0">
+                  <a:solidFill>
+                    <a:schemeClr val="accent5">
+                      <a:lumMod val="50000"/>
+                    </a:schemeClr>
+                  </a:solidFill>
+                  <a:latin typeface="Century Gothic" panose="020B0502020202020204" pitchFamily="34" charset="0"/>
+                </a:rPr>
+                <a:t>4</a:t>
+              </a:r>
+            </a:p>
+          </p:txBody>
+        </p:sp>
+        <p:pic>
+          <p:nvPicPr>
+            <p:cNvPr id="4" name="Picture 2" descr="Plastic Double Adjustable Shoes Storage Rack">
+              <a:extLst>
+                <a:ext uri="{FF2B5EF4-FFF2-40B4-BE49-F238E27FC236}">
+                  <a16:creationId xmlns:a16="http://schemas.microsoft.com/office/drawing/2014/main" id="{E29C101D-6160-3A49-A54B-77D1A402ADD4}"/>
+                </a:ext>
+              </a:extLst>
+            </p:cNvPr>
+            <p:cNvPicPr>
+              <a:picLocks noChangeAspect="1" noChangeArrowheads="1"/>
+            </p:cNvPicPr>
+            <p:nvPr/>
+          </p:nvPicPr>
+          <p:blipFill rotWithShape="1">
+            <a:blip r:embed="rId3">
+              <a:extLst>
+                <a:ext uri="{28A0092B-C50C-407E-A947-70E740481C1C}">
+                  <a14:useLocalDpi xmlns:a14="http://schemas.microsoft.com/office/drawing/2010/main" val="0"/>
+                </a:ext>
+              </a:extLst>
+            </a:blip>
+            <a:srcRect t="14721" b="4662"/>
+            <a:stretch/>
+          </p:blipFill>
+          <p:spPr bwMode="auto">
+            <a:xfrm>
+              <a:off x="4753936" y="1342570"/>
+              <a:ext cx="2956680" cy="2257163"/>
+            </a:xfrm>
+            <a:prstGeom prst="rect">
+              <a:avLst/>
+            </a:prstGeom>
+            <a:noFill/>
+            <a:extLst>
+              <a:ext uri="{909E8E84-426E-40DD-AFC4-6F175D3DCCD1}">
+                <a14:hiddenFill xmlns:a14="http://schemas.microsoft.com/office/drawing/2010/main">
+                  <a:solidFill>
+                    <a:srgbClr val="FFFFFF"/>
+                  </a:solidFill>
+                </a14:hiddenFill>
+              </a:ext>
+            </a:extLst>
+          </p:spPr>
+        </p:pic>
+        <p:sp>
+          <p:nvSpPr>
+            <p:cNvPr id="63" name="Heart 62">
+              <a:extLst>
+                <a:ext uri="{FF2B5EF4-FFF2-40B4-BE49-F238E27FC236}">
+                  <a16:creationId xmlns:a16="http://schemas.microsoft.com/office/drawing/2014/main" id="{8B256088-AD58-B248-B905-8438A87D8B52}"/>
+                </a:ext>
+              </a:extLst>
+            </p:cNvPr>
+            <p:cNvSpPr>
+              <a:spLocks/>
+            </p:cNvSpPr>
+            <p:nvPr/>
+          </p:nvSpPr>
+          <p:spPr>
+            <a:xfrm>
+              <a:off x="4785340" y="4069820"/>
+              <a:ext cx="137160" cy="137160"/>
+            </a:xfrm>
+            <a:prstGeom prst="heart">
+              <a:avLst/>
+            </a:prstGeom>
+            <a:solidFill>
+              <a:schemeClr val="accent5">
+                <a:lumMod val="50000"/>
+              </a:schemeClr>
+            </a:solidFill>
+            <a:ln>
+              <a:solidFill>
+                <a:schemeClr val="accent5">
+                  <a:lumMod val="50000"/>
+                </a:schemeClr>
+              </a:solidFill>
+            </a:ln>
+          </p:spPr>
+          <p:style>
+            <a:lnRef idx="2">
+              <a:schemeClr val="accent1">
+                <a:shade val="50000"/>
+              </a:schemeClr>
+            </a:lnRef>
+            <a:fillRef idx="1">
+              <a:schemeClr val="accent1"/>
+            </a:fillRef>
+            <a:effectRef idx="0">
+              <a:schemeClr val="accent1"/>
+            </a:effectRef>
+            <a:fontRef idx="minor">
+              <a:schemeClr val="lt1"/>
+            </a:fontRef>
+          </p:style>
+          <p:txBody>
+            <a:bodyPr rtlCol="0" anchor="ctr"/>
+            <a:lstStyle/>
+            <a:p>
+              <a:pPr algn="ctr"/>
+              <a:endParaRPr lang="en-US"/>
+            </a:p>
+          </p:txBody>
+        </p:sp>
+        <p:sp>
+          <p:nvSpPr>
+            <p:cNvPr id="64" name="TextBox 63">
+              <a:extLst>
+                <a:ext uri="{FF2B5EF4-FFF2-40B4-BE49-F238E27FC236}">
+                  <a16:creationId xmlns:a16="http://schemas.microsoft.com/office/drawing/2014/main" id="{A29A8CE5-6893-EC44-A151-4C24F91C8AE9}"/>
+                </a:ext>
+              </a:extLst>
+            </p:cNvPr>
+            <p:cNvSpPr txBox="1"/>
+            <p:nvPr/>
+          </p:nvSpPr>
+          <p:spPr>
+            <a:xfrm>
+              <a:off x="4663159" y="3645766"/>
+              <a:ext cx="3368733" cy="400110"/>
+            </a:xfrm>
+            <a:prstGeom prst="rect">
+              <a:avLst/>
+            </a:prstGeom>
+            <a:noFill/>
+          </p:spPr>
+          <p:txBody>
+            <a:bodyPr wrap="square" rtlCol="0">
+              <a:spAutoFit/>
+            </a:bodyPr>
+            <a:lstStyle/>
+            <a:p>
+              <a:r>
+                <a:rPr lang="en-US" sz="1000" dirty="0">
+                  <a:latin typeface="Century Gothic" panose="020B0502020202020204" pitchFamily="34" charset="0"/>
+                </a:rPr>
+                <a:t>Loving this shoe organizer for my tiny closet. Can </a:t>
+              </a:r>
+            </a:p>
+            <a:p>
+              <a:r>
+                <a:rPr lang="en-US" sz="1000" dirty="0">
+                  <a:latin typeface="Century Gothic" panose="020B0502020202020204" pitchFamily="34" charset="0"/>
+                </a:rPr>
+                <a:t>store twice the shoes!</a:t>
+              </a:r>
+            </a:p>
+          </p:txBody>
+        </p:sp>
+        <p:sp>
+          <p:nvSpPr>
+            <p:cNvPr id="65" name="TextBox 64">
+              <a:extLst>
+                <a:ext uri="{FF2B5EF4-FFF2-40B4-BE49-F238E27FC236}">
+                  <a16:creationId xmlns:a16="http://schemas.microsoft.com/office/drawing/2014/main" id="{6CDFABEA-18EA-6149-A5B3-8B7589D3DC7C}"/>
+                </a:ext>
+              </a:extLst>
+            </p:cNvPr>
+            <p:cNvSpPr txBox="1"/>
+            <p:nvPr/>
+          </p:nvSpPr>
+          <p:spPr>
+            <a:xfrm>
+              <a:off x="5686340" y="4024410"/>
+              <a:ext cx="1122354" cy="215444"/>
+            </a:xfrm>
+            <a:prstGeom prst="rect">
+              <a:avLst/>
+            </a:prstGeom>
+            <a:noFill/>
+          </p:spPr>
+          <p:txBody>
+            <a:bodyPr wrap="square" rtlCol="0">
+              <a:spAutoFit/>
+            </a:bodyPr>
+            <a:lstStyle/>
+            <a:p>
+              <a:r>
+                <a:rPr lang="en-US" sz="800" dirty="0">
+                  <a:solidFill>
+                    <a:schemeClr val="accent5">
+                      <a:lumMod val="50000"/>
+                    </a:schemeClr>
+                  </a:solidFill>
+                  <a:latin typeface="Century Gothic" panose="020B0502020202020204" pitchFamily="34" charset="0"/>
+                </a:rPr>
+                <a:t>Read Comments</a:t>
+              </a:r>
+            </a:p>
+          </p:txBody>
+        </p:sp>
+      </p:grpSp>
+      <p:grpSp>
+        <p:nvGrpSpPr>
+          <p:cNvPr id="69" name="Group 68">
+            <a:extLst>
+              <a:ext uri="{FF2B5EF4-FFF2-40B4-BE49-F238E27FC236}">
+                <a16:creationId xmlns:a16="http://schemas.microsoft.com/office/drawing/2014/main" id="{DAC2566A-65C1-7F4A-B991-69EEA4C8F608}"/>
+              </a:ext>
+            </a:extLst>
+          </p:cNvPr>
+          <p:cNvGrpSpPr/>
+          <p:nvPr/>
+        </p:nvGrpSpPr>
+        <p:grpSpPr>
+          <a:xfrm>
+            <a:off x="4663159" y="7252268"/>
+            <a:ext cx="3368733" cy="609810"/>
+            <a:chOff x="4663159" y="3645766"/>
+            <a:chExt cx="3368733" cy="609810"/>
+          </a:xfrm>
+        </p:grpSpPr>
+        <p:sp>
+          <p:nvSpPr>
+            <p:cNvPr id="72" name="TextBox 71">
+              <a:extLst>
+                <a:ext uri="{FF2B5EF4-FFF2-40B4-BE49-F238E27FC236}">
+                  <a16:creationId xmlns:a16="http://schemas.microsoft.com/office/drawing/2014/main" id="{A244C860-0870-7A40-9613-98E2CE62AC48}"/>
+                </a:ext>
+              </a:extLst>
+            </p:cNvPr>
+            <p:cNvSpPr txBox="1"/>
+            <p:nvPr/>
+          </p:nvSpPr>
+          <p:spPr>
+            <a:xfrm>
+              <a:off x="4884319" y="4009355"/>
+              <a:ext cx="1004285" cy="246221"/>
+            </a:xfrm>
+            <a:prstGeom prst="rect">
+              <a:avLst/>
+            </a:prstGeom>
+            <a:noFill/>
+          </p:spPr>
+          <p:txBody>
+            <a:bodyPr wrap="square" rtlCol="0">
+              <a:spAutoFit/>
+            </a:bodyPr>
+            <a:lstStyle/>
+            <a:p>
+              <a:r>
+                <a:rPr lang="en-US" sz="1000" dirty="0">
+                  <a:solidFill>
+                    <a:schemeClr val="accent5">
+                      <a:lumMod val="50000"/>
+                    </a:schemeClr>
+                  </a:solidFill>
+                  <a:latin typeface="Century Gothic" panose="020B0502020202020204" pitchFamily="34" charset="0"/>
+                </a:rPr>
+                <a:t>4</a:t>
+              </a:r>
+            </a:p>
+          </p:txBody>
+        </p:sp>
+        <p:sp>
+          <p:nvSpPr>
+            <p:cNvPr id="74" name="Heart 73">
+              <a:extLst>
+                <a:ext uri="{FF2B5EF4-FFF2-40B4-BE49-F238E27FC236}">
+                  <a16:creationId xmlns:a16="http://schemas.microsoft.com/office/drawing/2014/main" id="{F3EC808E-A613-7046-A94D-9B2DF8346E3B}"/>
+                </a:ext>
+              </a:extLst>
+            </p:cNvPr>
+            <p:cNvSpPr>
+              <a:spLocks/>
+            </p:cNvSpPr>
+            <p:nvPr/>
+          </p:nvSpPr>
+          <p:spPr>
+            <a:xfrm>
+              <a:off x="4785340" y="4069820"/>
+              <a:ext cx="137160" cy="137160"/>
+            </a:xfrm>
+            <a:prstGeom prst="heart">
+              <a:avLst/>
+            </a:prstGeom>
+            <a:solidFill>
+              <a:schemeClr val="accent5">
+                <a:lumMod val="50000"/>
+              </a:schemeClr>
+            </a:solidFill>
+            <a:ln>
+              <a:solidFill>
+                <a:schemeClr val="accent5">
+                  <a:lumMod val="50000"/>
+                </a:schemeClr>
+              </a:solidFill>
+            </a:ln>
+          </p:spPr>
+          <p:style>
+            <a:lnRef idx="2">
+              <a:schemeClr val="accent1">
+                <a:shade val="50000"/>
+              </a:schemeClr>
+            </a:lnRef>
+            <a:fillRef idx="1">
+              <a:schemeClr val="accent1"/>
+            </a:fillRef>
+            <a:effectRef idx="0">
+              <a:schemeClr val="accent1"/>
+            </a:effectRef>
+            <a:fontRef idx="minor">
+              <a:schemeClr val="lt1"/>
+            </a:fontRef>
+          </p:style>
+          <p:txBody>
+            <a:bodyPr rtlCol="0" anchor="ctr"/>
+            <a:lstStyle/>
+            <a:p>
+              <a:pPr algn="ctr"/>
+              <a:endParaRPr lang="en-US"/>
+            </a:p>
+          </p:txBody>
+        </p:sp>
+        <p:sp>
+          <p:nvSpPr>
+            <p:cNvPr id="75" name="TextBox 74">
+              <a:extLst>
+                <a:ext uri="{FF2B5EF4-FFF2-40B4-BE49-F238E27FC236}">
+                  <a16:creationId xmlns:a16="http://schemas.microsoft.com/office/drawing/2014/main" id="{5675BCD5-4032-8C45-A19D-9E232FA394A4}"/>
+                </a:ext>
+              </a:extLst>
+            </p:cNvPr>
+            <p:cNvSpPr txBox="1"/>
+            <p:nvPr/>
+          </p:nvSpPr>
+          <p:spPr>
+            <a:xfrm>
+              <a:off x="4663159" y="3645766"/>
+              <a:ext cx="3368733" cy="400110"/>
+            </a:xfrm>
+            <a:prstGeom prst="rect">
+              <a:avLst/>
+            </a:prstGeom>
+            <a:noFill/>
+          </p:spPr>
+          <p:txBody>
+            <a:bodyPr wrap="square" rtlCol="0">
+              <a:spAutoFit/>
+            </a:bodyPr>
+            <a:lstStyle/>
+            <a:p>
+              <a:r>
+                <a:rPr lang="en-US" sz="1000" dirty="0">
+                  <a:latin typeface="Century Gothic" panose="020B0502020202020204" pitchFamily="34" charset="0"/>
+                </a:rPr>
+                <a:t>Loving this shoe organizer for my tiny closet. Can </a:t>
+              </a:r>
+            </a:p>
+            <a:p>
+              <a:r>
+                <a:rPr lang="en-US" sz="1000" dirty="0">
+                  <a:latin typeface="Century Gothic" panose="020B0502020202020204" pitchFamily="34" charset="0"/>
+                </a:rPr>
+                <a:t>store twice the shoes!</a:t>
+              </a:r>
+            </a:p>
+          </p:txBody>
+        </p:sp>
+        <p:sp>
+          <p:nvSpPr>
+            <p:cNvPr id="77" name="TextBox 76">
+              <a:extLst>
+                <a:ext uri="{FF2B5EF4-FFF2-40B4-BE49-F238E27FC236}">
+                  <a16:creationId xmlns:a16="http://schemas.microsoft.com/office/drawing/2014/main" id="{9275DA21-E4B2-914C-B42E-B66E6E7DDCB6}"/>
+                </a:ext>
+              </a:extLst>
+            </p:cNvPr>
+            <p:cNvSpPr txBox="1"/>
+            <p:nvPr/>
+          </p:nvSpPr>
+          <p:spPr>
+            <a:xfrm>
+              <a:off x="6773734" y="4024410"/>
+              <a:ext cx="1122354" cy="215444"/>
+            </a:xfrm>
+            <a:prstGeom prst="rect">
+              <a:avLst/>
+            </a:prstGeom>
+            <a:noFill/>
+          </p:spPr>
+          <p:txBody>
+            <a:bodyPr wrap="square" rtlCol="0">
+              <a:spAutoFit/>
+            </a:bodyPr>
+            <a:lstStyle/>
+            <a:p>
+              <a:r>
+                <a:rPr lang="en-US" sz="800" dirty="0">
+                  <a:solidFill>
+                    <a:schemeClr val="accent5">
+                      <a:lumMod val="50000"/>
+                    </a:schemeClr>
+                  </a:solidFill>
+                  <a:latin typeface="Century Gothic" panose="020B0502020202020204" pitchFamily="34" charset="0"/>
+                </a:rPr>
+                <a:t>Read Comments</a:t>
+              </a:r>
+            </a:p>
+          </p:txBody>
+        </p:sp>
+      </p:grpSp>
+      <p:pic>
+        <p:nvPicPr>
+          <p:cNvPr id="4100" name="Picture 4" descr="Messy Desk - No Messages Free Stock Photo - Public Domain Pictures">
+            <a:extLst>
+              <a:ext uri="{FF2B5EF4-FFF2-40B4-BE49-F238E27FC236}">
+                <a16:creationId xmlns:a16="http://schemas.microsoft.com/office/drawing/2014/main" id="{D151C6CE-83BC-FE48-B468-739DB47BE5E7}"/>
+              </a:ext>
+            </a:extLst>
+          </p:cNvPr>
+          <p:cNvPicPr>
+            <a:picLocks noChangeAspect="1" noChangeArrowheads="1"/>
+          </p:cNvPicPr>
+          <p:nvPr/>
+        </p:nvPicPr>
+        <p:blipFill rotWithShape="1">
+          <a:blip r:embed="rId4">
+            <a:extLst>
+              <a:ext uri="{28A0092B-C50C-407E-A947-70E740481C1C}">
+                <a14:useLocalDpi xmlns:a14="http://schemas.microsoft.com/office/drawing/2010/main" val="0"/>
+              </a:ext>
+            </a:extLst>
+          </a:blip>
+          <a:srcRect l="15255" t="15492" r="16487" b="10050"/>
+          <a:stretch/>
+        </p:blipFill>
+        <p:spPr bwMode="auto">
+          <a:xfrm>
+            <a:off x="4741727" y="4773473"/>
+            <a:ext cx="2925276" cy="1794930"/>
+          </a:xfrm>
+          <a:prstGeom prst="rect">
+            <a:avLst/>
+          </a:prstGeom>
+          <a:noFill/>
+          <a:extLst>
+            <a:ext uri="{909E8E84-426E-40DD-AFC4-6F175D3DCCD1}">
+              <a14:hiddenFill xmlns:a14="http://schemas.microsoft.com/office/drawing/2010/main">
+                <a:solidFill>
+                  <a:srgbClr val="FFFFFF"/>
+                </a:solidFill>
+              </a14:hiddenFill>
+            </a:ext>
+          </a:extLst>
+        </p:spPr>
+      </p:pic>
+      <p:sp>
+        <p:nvSpPr>
+          <p:cNvPr id="82" name="TextBox 81">
+            <a:extLst>
+              <a:ext uri="{FF2B5EF4-FFF2-40B4-BE49-F238E27FC236}">
+                <a16:creationId xmlns:a16="http://schemas.microsoft.com/office/drawing/2014/main" id="{46442A3F-95C5-9943-9220-4D0CBF07D2BB}"/>
+              </a:ext>
+            </a:extLst>
+          </p:cNvPr>
+          <p:cNvSpPr txBox="1"/>
+          <p:nvPr/>
+        </p:nvSpPr>
+        <p:spPr>
+          <a:xfrm>
+            <a:off x="4663158" y="6611918"/>
+            <a:ext cx="3368733" cy="246221"/>
+          </a:xfrm>
+          <a:prstGeom prst="rect">
+            <a:avLst/>
+          </a:prstGeom>
+          <a:noFill/>
+        </p:spPr>
+        <p:txBody>
+          <a:bodyPr wrap="square" rtlCol="0">
+            <a:spAutoFit/>
+          </a:bodyPr>
+          <a:lstStyle/>
+          <a:p>
+            <a:r>
+              <a:rPr lang="en-US" sz="1000" dirty="0">
+                <a:latin typeface="Century Gothic" panose="020B0502020202020204" pitchFamily="34" charset="0"/>
+              </a:rPr>
+              <a:t>Any suggestions for a messy desk??</a:t>
+            </a:r>
+          </a:p>
+        </p:txBody>
+      </p:sp>
+      <p:sp>
+        <p:nvSpPr>
+          <p:cNvPr id="83" name="TextBox 82">
+            <a:extLst>
+              <a:ext uri="{FF2B5EF4-FFF2-40B4-BE49-F238E27FC236}">
+                <a16:creationId xmlns:a16="http://schemas.microsoft.com/office/drawing/2014/main" id="{1D5F3BAE-AA0D-3A4C-A0CF-B23870DB33B9}"/>
+              </a:ext>
+            </a:extLst>
+          </p:cNvPr>
+          <p:cNvSpPr txBox="1"/>
+          <p:nvPr/>
+        </p:nvSpPr>
+        <p:spPr>
+          <a:xfrm>
+            <a:off x="7090512" y="1066916"/>
+            <a:ext cx="803189" cy="246221"/>
+          </a:xfrm>
+          <a:prstGeom prst="rect">
+            <a:avLst/>
+          </a:prstGeom>
+          <a:noFill/>
+        </p:spPr>
+        <p:txBody>
+          <a:bodyPr wrap="square" rtlCol="0">
+            <a:spAutoFit/>
+          </a:bodyPr>
+          <a:lstStyle/>
+          <a:p>
+            <a:r>
+              <a:rPr lang="en-US" sz="1000" dirty="0">
+                <a:solidFill>
+                  <a:schemeClr val="tx1">
+                    <a:lumMod val="50000"/>
+                    <a:lumOff val="50000"/>
+                  </a:schemeClr>
+                </a:solidFill>
+                <a:latin typeface="Century Gothic" panose="020B0502020202020204" pitchFamily="34" charset="0"/>
+              </a:rPr>
+              <a:t>11/29/20</a:t>
+            </a:r>
+          </a:p>
+        </p:txBody>
+      </p:sp>
+      <p:sp>
+        <p:nvSpPr>
+          <p:cNvPr id="84" name="TextBox 83">
+            <a:extLst>
+              <a:ext uri="{FF2B5EF4-FFF2-40B4-BE49-F238E27FC236}">
+                <a16:creationId xmlns:a16="http://schemas.microsoft.com/office/drawing/2014/main" id="{39942FAE-D903-9A49-A254-7324D3E1F997}"/>
+              </a:ext>
+            </a:extLst>
+          </p:cNvPr>
+          <p:cNvSpPr txBox="1"/>
+          <p:nvPr/>
+        </p:nvSpPr>
+        <p:spPr>
+          <a:xfrm>
+            <a:off x="7037174" y="4517851"/>
+            <a:ext cx="803189" cy="246221"/>
+          </a:xfrm>
+          <a:prstGeom prst="rect">
+            <a:avLst/>
+          </a:prstGeom>
+          <a:noFill/>
+        </p:spPr>
+        <p:txBody>
+          <a:bodyPr wrap="square" rtlCol="0">
+            <a:spAutoFit/>
+          </a:bodyPr>
+          <a:lstStyle/>
+          <a:p>
+            <a:r>
+              <a:rPr lang="en-US" sz="1000" dirty="0">
+                <a:solidFill>
+                  <a:schemeClr val="tx1">
+                    <a:lumMod val="50000"/>
+                    <a:lumOff val="50000"/>
+                  </a:schemeClr>
+                </a:solidFill>
+                <a:latin typeface="Century Gothic" panose="020B0502020202020204" pitchFamily="34" charset="0"/>
+              </a:rPr>
+              <a:t>11/15/20</a:t>
+            </a:r>
+          </a:p>
+        </p:txBody>
+      </p:sp>
+      <p:sp>
+        <p:nvSpPr>
+          <p:cNvPr id="85" name="TextBox 84">
+            <a:extLst>
+              <a:ext uri="{FF2B5EF4-FFF2-40B4-BE49-F238E27FC236}">
+                <a16:creationId xmlns:a16="http://schemas.microsoft.com/office/drawing/2014/main" id="{DF9B5589-FB81-9D48-A85D-D1FCEC10A26C}"/>
+              </a:ext>
+            </a:extLst>
+          </p:cNvPr>
+          <p:cNvSpPr txBox="1"/>
+          <p:nvPr/>
+        </p:nvSpPr>
+        <p:spPr>
+          <a:xfrm>
+            <a:off x="7057561" y="4016000"/>
+            <a:ext cx="1122354" cy="215444"/>
+          </a:xfrm>
+          <a:prstGeom prst="rect">
+            <a:avLst/>
+          </a:prstGeom>
+          <a:noFill/>
+        </p:spPr>
+        <p:txBody>
+          <a:bodyPr wrap="square" rtlCol="0">
+            <a:spAutoFit/>
+          </a:bodyPr>
+          <a:lstStyle/>
+          <a:p>
+            <a:r>
+              <a:rPr lang="en-US" sz="800" dirty="0">
+                <a:solidFill>
+                  <a:schemeClr val="accent5">
+                    <a:lumMod val="50000"/>
+                  </a:schemeClr>
+                </a:solidFill>
+                <a:latin typeface="Century Gothic" panose="020B0502020202020204" pitchFamily="34" charset="0"/>
+              </a:rPr>
+              <a:t>Delete Post</a:t>
+            </a:r>
+          </a:p>
+        </p:txBody>
+      </p:sp>
+      <p:sp>
+        <p:nvSpPr>
+          <p:cNvPr id="86" name="Subtitle 2">
+            <a:extLst>
+              <a:ext uri="{FF2B5EF4-FFF2-40B4-BE49-F238E27FC236}">
+                <a16:creationId xmlns:a16="http://schemas.microsoft.com/office/drawing/2014/main" id="{6A2A2516-8FC9-CD41-9E78-F7186AECE1B5}"/>
+              </a:ext>
+            </a:extLst>
+          </p:cNvPr>
+          <p:cNvSpPr txBox="1">
+            <a:spLocks/>
+          </p:cNvSpPr>
+          <p:nvPr/>
+        </p:nvSpPr>
+        <p:spPr>
+          <a:xfrm>
+            <a:off x="7701306" y="3675506"/>
+            <a:ext cx="2659686" cy="1380135"/>
+          </a:xfrm>
+          <a:prstGeom prst="rect">
+            <a:avLst/>
+          </a:prstGeom>
+        </p:spPr>
+        <p:txBody>
+          <a:bodyPr vert="horz" lIns="91440" tIns="45720" rIns="91440" bIns="45720" rtlCol="0">
+            <a:noAutofit/>
+          </a:bodyPr>
+          <a:lstStyle>
+            <a:lvl1pPr marL="0" indent="0" algn="ctr" defTabSz="914400" rtl="0" eaLnBrk="1" latinLnBrk="0" hangingPunct="1">
+              <a:lnSpc>
+                <a:spcPct val="90000"/>
+              </a:lnSpc>
+              <a:spcBef>
+                <a:spcPts val="1000"/>
+              </a:spcBef>
+              <a:buFont typeface="Arial" panose="020B0604020202020204" pitchFamily="34" charset="0"/>
+              <a:buNone/>
+              <a:defRPr sz="2400" kern="1200">
+                <a:solidFill>
+                  <a:schemeClr val="tx1"/>
+                </a:solidFill>
+                <a:latin typeface="+mn-lt"/>
+                <a:ea typeface="+mn-ea"/>
+                <a:cs typeface="+mn-cs"/>
+              </a:defRPr>
+            </a:lvl1pPr>
+            <a:lvl2pPr marL="457200" indent="0" algn="ctr" defTabSz="914400" rtl="0" eaLnBrk="1" latinLnBrk="0" hangingPunct="1">
+              <a:lnSpc>
+                <a:spcPct val="90000"/>
+              </a:lnSpc>
+              <a:spcBef>
+                <a:spcPts val="500"/>
+              </a:spcBef>
+              <a:buFont typeface="Arial" panose="020B0604020202020204" pitchFamily="34" charset="0"/>
+              <a:buNone/>
+              <a:defRPr sz="2000" kern="1200">
+                <a:solidFill>
+                  <a:schemeClr val="tx1"/>
+                </a:solidFill>
+                <a:latin typeface="+mn-lt"/>
+                <a:ea typeface="+mn-ea"/>
+                <a:cs typeface="+mn-cs"/>
+              </a:defRPr>
+            </a:lvl2pPr>
+            <a:lvl3pPr marL="914400" indent="0" algn="ctr" defTabSz="914400" rtl="0" eaLnBrk="1" latinLnBrk="0" hangingPunct="1">
+              <a:lnSpc>
+                <a:spcPct val="90000"/>
+              </a:lnSpc>
+              <a:spcBef>
+                <a:spcPts val="500"/>
+              </a:spcBef>
+              <a:buFont typeface="Arial" panose="020B0604020202020204" pitchFamily="34" charset="0"/>
+              <a:buNone/>
+              <a:defRPr sz="1800" kern="1200">
+                <a:solidFill>
+                  <a:schemeClr val="tx1"/>
+                </a:solidFill>
+                <a:latin typeface="+mn-lt"/>
+                <a:ea typeface="+mn-ea"/>
+                <a:cs typeface="+mn-cs"/>
+              </a:defRPr>
+            </a:lvl3pPr>
+            <a:lvl4pPr marL="1371600" indent="0" algn="ctr" defTabSz="914400" rtl="0" eaLnBrk="1" latinLnBrk="0" hangingPunct="1">
+              <a:lnSpc>
+                <a:spcPct val="90000"/>
+              </a:lnSpc>
+              <a:spcBef>
+                <a:spcPts val="500"/>
+              </a:spcBef>
+              <a:buFont typeface="Arial" panose="020B0604020202020204" pitchFamily="34" charset="0"/>
+              <a:buNone/>
+              <a:defRPr sz="1600" kern="1200">
+                <a:solidFill>
+                  <a:schemeClr val="tx1"/>
+                </a:solidFill>
+                <a:latin typeface="+mn-lt"/>
+                <a:ea typeface="+mn-ea"/>
+                <a:cs typeface="+mn-cs"/>
+              </a:defRPr>
+            </a:lvl4pPr>
+            <a:lvl5pPr marL="1828800" indent="0" algn="ctr" defTabSz="914400" rtl="0" eaLnBrk="1" latinLnBrk="0" hangingPunct="1">
+              <a:lnSpc>
+                <a:spcPct val="90000"/>
+              </a:lnSpc>
+              <a:spcBef>
+                <a:spcPts val="500"/>
+              </a:spcBef>
+              <a:buFont typeface="Arial" panose="020B0604020202020204" pitchFamily="34" charset="0"/>
+              <a:buNone/>
+              <a:defRPr sz="1600" kern="1200">
+                <a:solidFill>
+                  <a:schemeClr val="tx1"/>
+                </a:solidFill>
+                <a:latin typeface="+mn-lt"/>
+                <a:ea typeface="+mn-ea"/>
+                <a:cs typeface="+mn-cs"/>
+              </a:defRPr>
+            </a:lvl5pPr>
+            <a:lvl6pPr marL="2286000" indent="0" algn="ctr" defTabSz="914400" rtl="0" eaLnBrk="1" latinLnBrk="0" hangingPunct="1">
+              <a:lnSpc>
+                <a:spcPct val="90000"/>
+              </a:lnSpc>
+              <a:spcBef>
+                <a:spcPts val="500"/>
+              </a:spcBef>
+              <a:buFont typeface="Arial" panose="020B0604020202020204" pitchFamily="34" charset="0"/>
+              <a:buNone/>
+              <a:defRPr sz="1600" kern="1200">
+                <a:solidFill>
+                  <a:schemeClr val="tx1"/>
+                </a:solidFill>
+                <a:latin typeface="+mn-lt"/>
+                <a:ea typeface="+mn-ea"/>
+                <a:cs typeface="+mn-cs"/>
+              </a:defRPr>
+            </a:lvl6pPr>
+            <a:lvl7pPr marL="2743200" indent="0" algn="ctr" defTabSz="914400" rtl="0" eaLnBrk="1" latinLnBrk="0" hangingPunct="1">
+              <a:lnSpc>
+                <a:spcPct val="90000"/>
+              </a:lnSpc>
+              <a:spcBef>
+                <a:spcPts val="500"/>
+              </a:spcBef>
+              <a:buFont typeface="Arial" panose="020B0604020202020204" pitchFamily="34" charset="0"/>
+              <a:buNone/>
+              <a:defRPr sz="1600" kern="1200">
+                <a:solidFill>
+                  <a:schemeClr val="tx1"/>
+                </a:solidFill>
+                <a:latin typeface="+mn-lt"/>
+                <a:ea typeface="+mn-ea"/>
+                <a:cs typeface="+mn-cs"/>
+              </a:defRPr>
+            </a:lvl7pPr>
+            <a:lvl8pPr marL="3200400" indent="0" algn="ctr" defTabSz="914400" rtl="0" eaLnBrk="1" latinLnBrk="0" hangingPunct="1">
+              <a:lnSpc>
+                <a:spcPct val="90000"/>
+              </a:lnSpc>
+              <a:spcBef>
+                <a:spcPts val="500"/>
+              </a:spcBef>
+              <a:buFont typeface="Arial" panose="020B0604020202020204" pitchFamily="34" charset="0"/>
+              <a:buNone/>
+              <a:defRPr sz="1600" kern="1200">
+                <a:solidFill>
+                  <a:schemeClr val="tx1"/>
+                </a:solidFill>
+                <a:latin typeface="+mn-lt"/>
+                <a:ea typeface="+mn-ea"/>
+                <a:cs typeface="+mn-cs"/>
+              </a:defRPr>
+            </a:lvl8pPr>
+            <a:lvl9pPr marL="3657600" indent="0" algn="ctr" defTabSz="914400" rtl="0" eaLnBrk="1" latinLnBrk="0" hangingPunct="1">
+              <a:lnSpc>
+                <a:spcPct val="90000"/>
+              </a:lnSpc>
+              <a:spcBef>
+                <a:spcPts val="500"/>
+              </a:spcBef>
+              <a:buFont typeface="Arial" panose="020B0604020202020204" pitchFamily="34" charset="0"/>
+              <a:buNone/>
+              <a:defRPr sz="1600" kern="1200">
+                <a:solidFill>
+                  <a:schemeClr val="tx1"/>
+                </a:solidFill>
+                <a:latin typeface="+mn-lt"/>
+                <a:ea typeface="+mn-ea"/>
+                <a:cs typeface="+mn-cs"/>
+              </a:defRPr>
+            </a:lvl9pPr>
+          </a:lstStyle>
+          <a:p>
+            <a:pPr algn="l"/>
+            <a:r>
+              <a:rPr lang="en-US" sz="1400" dirty="0">
+                <a:highlight>
+                  <a:srgbClr val="FFFF00"/>
+                </a:highlight>
+                <a:latin typeface="Century Gothic" panose="020B0502020202020204" pitchFamily="34" charset="0"/>
+              </a:rPr>
+              <a:t>Pop up window asks for confirmation to delete post</a:t>
+            </a:r>
+          </a:p>
+          <a:p>
+            <a:pPr algn="l"/>
+            <a:r>
+              <a:rPr lang="en-US" sz="1400" dirty="0">
+                <a:highlight>
+                  <a:srgbClr val="FFFF00"/>
+                </a:highlight>
+                <a:latin typeface="Century Gothic" panose="020B0502020202020204" pitchFamily="34" charset="0"/>
+              </a:rPr>
+              <a:t>Delete only available if you are the poster</a:t>
+            </a:r>
+          </a:p>
+        </p:txBody>
+      </p:sp>
+    </p:spTree>
+    <p:extLst>
+      <p:ext uri="{BB962C8B-B14F-4D97-AF65-F5344CB8AC3E}">
+        <p14:creationId xmlns:p14="http://schemas.microsoft.com/office/powerpoint/2010/main" val="2744378022"/>
+      </p:ext>
+    </p:extLst>
+  </p:cSld>
+  <p:clrMapOvr>
+    <a:masterClrMapping/>
+  </p:clrMapOvr>
+</p:sld>
+</file>
+
+<file path=ppt/slides/slide7.xml><?xml version="1.0" encoding="utf-8"?>
+<p:sld xmlns:a="http://schemas.openxmlformats.org/drawingml/2006/main" xmlns:r="http://schemas.openxmlformats.org/officeDocument/2006/relationships" xmlns:p="http://schemas.openxmlformats.org/presentationml/2006/main">
+  <p:cSld>
+    <p:spTree>
+      <p:nvGrpSpPr>
+        <p:cNvPr id="1" name=""/>
+        <p:cNvGrpSpPr/>
+        <p:nvPr/>
+      </p:nvGrpSpPr>
+      <p:grpSpPr>
+        <a:xfrm>
+          <a:off x="0" y="0"/>
+          <a:ext cx="0" cy="0"/>
+          <a:chOff x="0" y="0"/>
+          <a:chExt cx="0" cy="0"/>
+        </a:xfrm>
+      </p:grpSpPr>
+      <p:pic>
+        <p:nvPicPr>
+          <p:cNvPr id="4106" name="Picture 10" descr="white and brown brick wall">
+            <a:extLst>
+              <a:ext uri="{FF2B5EF4-FFF2-40B4-BE49-F238E27FC236}">
+                <a16:creationId xmlns:a16="http://schemas.microsoft.com/office/drawing/2014/main" id="{11F3A1C4-FA5F-0842-A1DE-27E252334982}"/>
+              </a:ext>
+            </a:extLst>
+          </p:cNvPr>
+          <p:cNvPicPr>
+            <a:picLocks noChangeArrowheads="1"/>
+          </p:cNvPicPr>
+          <p:nvPr/>
+        </p:nvPicPr>
+        <p:blipFill rotWithShape="1">
+          <a:blip r:embed="rId2">
+            <a:alphaModFix amt="20000"/>
+            <a:extLst>
+              <a:ext uri="{28A0092B-C50C-407E-A947-70E740481C1C}">
+                <a14:useLocalDpi xmlns:a14="http://schemas.microsoft.com/office/drawing/2010/main" val="0"/>
+              </a:ext>
+            </a:extLst>
+          </a:blip>
+          <a:srcRect t="16097" r="32500" b="14354"/>
+          <a:stretch/>
+        </p:blipFill>
+        <p:spPr bwMode="auto">
+          <a:xfrm>
+            <a:off x="1773000" y="121620"/>
+            <a:ext cx="8761735" cy="6729984"/>
+          </a:xfrm>
+          <a:prstGeom prst="rect">
+            <a:avLst/>
+          </a:prstGeom>
+          <a:noFill/>
+          <a:extLst>
+            <a:ext uri="{909E8E84-426E-40DD-AFC4-6F175D3DCCD1}">
+              <a14:hiddenFill xmlns:a14="http://schemas.microsoft.com/office/drawing/2010/main">
+                <a:solidFill>
+                  <a:srgbClr val="FFFFFF"/>
+                </a:solidFill>
+              </a14:hiddenFill>
+            </a:ext>
+          </a:extLst>
+        </p:spPr>
+      </p:pic>
+      <p:sp>
+        <p:nvSpPr>
+          <p:cNvPr id="68" name="TextBox 67">
+            <a:extLst>
+              <a:ext uri="{FF2B5EF4-FFF2-40B4-BE49-F238E27FC236}">
+                <a16:creationId xmlns:a16="http://schemas.microsoft.com/office/drawing/2014/main" id="{914D7C54-E0C8-3649-8A8A-CC05D0B73DF1}"/>
+              </a:ext>
+            </a:extLst>
+          </p:cNvPr>
+          <p:cNvSpPr txBox="1"/>
+          <p:nvPr/>
+        </p:nvSpPr>
+        <p:spPr>
+          <a:xfrm>
+            <a:off x="4073264" y="3829334"/>
+            <a:ext cx="2687731" cy="1708160"/>
+          </a:xfrm>
+          <a:prstGeom prst="rect">
+            <a:avLst/>
+          </a:prstGeom>
+          <a:noFill/>
+        </p:spPr>
+        <p:txBody>
+          <a:bodyPr wrap="square" rtlCol="0">
+            <a:spAutoFit/>
+          </a:bodyPr>
+          <a:lstStyle/>
+          <a:p>
+            <a:r>
+              <a:rPr lang="en-US" sz="1500" dirty="0">
+                <a:latin typeface="Century Gothic" panose="020B0502020202020204" pitchFamily="34" charset="0"/>
+              </a:rPr>
+              <a:t>Meghan Lee</a:t>
+            </a:r>
+          </a:p>
+          <a:p>
+            <a:endParaRPr lang="en-US" sz="1500" dirty="0">
+              <a:latin typeface="Century Gothic" panose="020B0502020202020204" pitchFamily="34" charset="0"/>
+            </a:endParaRPr>
+          </a:p>
+          <a:p>
+            <a:r>
+              <a:rPr lang="en-US" sz="1500" dirty="0">
+                <a:latin typeface="Century Gothic" panose="020B0502020202020204" pitchFamily="34" charset="0"/>
+              </a:rPr>
+              <a:t>shoe_lover</a:t>
+            </a:r>
+          </a:p>
+          <a:p>
+            <a:endParaRPr lang="en-US" sz="1500" dirty="0">
+              <a:latin typeface="Century Gothic" panose="020B0502020202020204" pitchFamily="34" charset="0"/>
+            </a:endParaRPr>
+          </a:p>
+          <a:p>
+            <a:r>
+              <a:rPr lang="en-US" sz="1500" dirty="0">
+                <a:latin typeface="Century Gothic" panose="020B0502020202020204" pitchFamily="34" charset="0"/>
+              </a:rPr>
+              <a:t>Washington DC</a:t>
+            </a:r>
+          </a:p>
+          <a:p>
+            <a:endParaRPr lang="en-US" sz="1500" dirty="0">
+              <a:latin typeface="Century Gothic" panose="020B0502020202020204" pitchFamily="34" charset="0"/>
+            </a:endParaRPr>
+          </a:p>
+          <a:p>
+            <a:r>
+              <a:rPr lang="en-US" sz="1500" dirty="0">
+                <a:latin typeface="Century Gothic" panose="020B0502020202020204" pitchFamily="34" charset="0"/>
+              </a:rPr>
+              <a:t>Graduate student</a:t>
+            </a:r>
+          </a:p>
+        </p:txBody>
+      </p:sp>
+      <p:sp>
+        <p:nvSpPr>
+          <p:cNvPr id="4" name="Rectangle 3">
+            <a:extLst>
+              <a:ext uri="{FF2B5EF4-FFF2-40B4-BE49-F238E27FC236}">
+                <a16:creationId xmlns:a16="http://schemas.microsoft.com/office/drawing/2014/main" id="{23505728-E73D-2346-9C0E-D99372FC729F}"/>
+              </a:ext>
+            </a:extLst>
+          </p:cNvPr>
+          <p:cNvSpPr/>
+          <p:nvPr/>
+        </p:nvSpPr>
+        <p:spPr>
+          <a:xfrm>
+            <a:off x="7698261" y="1027754"/>
+            <a:ext cx="2836474" cy="465351"/>
+          </a:xfrm>
+          <a:prstGeom prst="rect">
+            <a:avLst/>
+          </a:prstGeom>
+          <a:solidFill>
+            <a:schemeClr val="bg1"/>
+          </a:solidFill>
+          <a:ln>
+            <a:noFill/>
+          </a:ln>
+        </p:spPr>
+        <p:style>
+          <a:lnRef idx="2">
+            <a:schemeClr val="accent1">
+              <a:shade val="50000"/>
+            </a:schemeClr>
+          </a:lnRef>
+          <a:fillRef idx="1">
+            <a:schemeClr val="accent1"/>
+          </a:fillRef>
+          <a:effectRef idx="0">
+            <a:schemeClr val="accent1"/>
+          </a:effectRef>
+          <a:fontRef idx="minor">
+            <a:schemeClr val="lt1"/>
+          </a:fontRef>
+        </p:style>
+        <p:txBody>
+          <a:bodyPr rtlCol="0" anchor="ctr"/>
+          <a:lstStyle/>
+          <a:p>
+            <a:pPr algn="ctr"/>
+            <a:endParaRPr lang="en-US"/>
+          </a:p>
+        </p:txBody>
+      </p:sp>
+      <p:sp>
+        <p:nvSpPr>
+          <p:cNvPr id="2" name="Title 1">
+            <a:extLst>
+              <a:ext uri="{FF2B5EF4-FFF2-40B4-BE49-F238E27FC236}">
+                <a16:creationId xmlns:a16="http://schemas.microsoft.com/office/drawing/2014/main" id="{55E1752B-87D4-EC45-9881-EE216676162F}"/>
+              </a:ext>
+            </a:extLst>
+          </p:cNvPr>
+          <p:cNvSpPr>
+            <a:spLocks noGrp="1"/>
+          </p:cNvSpPr>
+          <p:nvPr>
+            <p:ph type="ctrTitle"/>
+          </p:nvPr>
+        </p:nvSpPr>
+        <p:spPr>
+          <a:xfrm>
+            <a:off x="1187669" y="2007"/>
+            <a:ext cx="9144000" cy="906134"/>
+          </a:xfrm>
+        </p:spPr>
+        <p:txBody>
+          <a:bodyPr>
+            <a:normAutofit fontScale="90000"/>
+          </a:bodyPr>
+          <a:lstStyle/>
+          <a:p>
+            <a:r>
+              <a:rPr lang="en-US" sz="3100" dirty="0">
+                <a:latin typeface="Century Gothic" panose="020B0502020202020204" pitchFamily="34" charset="0"/>
+                <a:cs typeface="Calibri Light" panose="020F0302020204030204" pitchFamily="34" charset="0"/>
+              </a:rPr>
+              <a:t>ORDERLY</a:t>
+            </a:r>
+            <a:r>
+              <a:rPr lang="en-US" dirty="0"/>
+              <a:t> </a:t>
+            </a:r>
+          </a:p>
+        </p:txBody>
+      </p:sp>
+      <p:sp>
+        <p:nvSpPr>
+          <p:cNvPr id="3" name="Subtitle 2">
+            <a:extLst>
+              <a:ext uri="{FF2B5EF4-FFF2-40B4-BE49-F238E27FC236}">
+                <a16:creationId xmlns:a16="http://schemas.microsoft.com/office/drawing/2014/main" id="{A4CAEE9F-F789-B743-AEFA-60ADC61D1D11}"/>
+              </a:ext>
+            </a:extLst>
+          </p:cNvPr>
+          <p:cNvSpPr>
+            <a:spLocks noGrp="1"/>
+          </p:cNvSpPr>
+          <p:nvPr>
+            <p:ph type="subTitle" idx="1"/>
+          </p:nvPr>
+        </p:nvSpPr>
+        <p:spPr>
+          <a:xfrm>
+            <a:off x="157655" y="186176"/>
+            <a:ext cx="5120948" cy="444445"/>
+          </a:xfrm>
+        </p:spPr>
+        <p:txBody>
+          <a:bodyPr>
+            <a:normAutofit/>
+          </a:bodyPr>
+          <a:lstStyle/>
+          <a:p>
+            <a:pPr algn="l"/>
+            <a:r>
+              <a:rPr lang="en-US" sz="1500" dirty="0">
+                <a:highlight>
+                  <a:srgbClr val="FFFF00"/>
+                </a:highlight>
+                <a:latin typeface="Century Gothic" panose="020B0502020202020204" pitchFamily="34" charset="0"/>
+              </a:rPr>
+              <a:t>7a. Profile Page: Can be seen by other users</a:t>
+            </a:r>
+          </a:p>
+        </p:txBody>
+      </p:sp>
+      <p:sp>
+        <p:nvSpPr>
+          <p:cNvPr id="5" name="Rectangle 4">
+            <a:extLst>
+              <a:ext uri="{FF2B5EF4-FFF2-40B4-BE49-F238E27FC236}">
+                <a16:creationId xmlns:a16="http://schemas.microsoft.com/office/drawing/2014/main" id="{4B5E1DBF-CB34-C746-AFF5-7AE29D21F788}"/>
+              </a:ext>
+            </a:extLst>
+          </p:cNvPr>
+          <p:cNvSpPr/>
+          <p:nvPr/>
+        </p:nvSpPr>
+        <p:spPr>
+          <a:xfrm>
+            <a:off x="6608598" y="418534"/>
+            <a:ext cx="45719" cy="274320"/>
+          </a:xfrm>
+          <a:prstGeom prst="rect">
+            <a:avLst/>
+          </a:prstGeom>
+          <a:solidFill>
+            <a:schemeClr val="accent5">
+              <a:lumMod val="50000"/>
+              <a:alpha val="20000"/>
+            </a:schemeClr>
+          </a:solidFill>
+          <a:ln>
+            <a:noFill/>
+          </a:ln>
+        </p:spPr>
+        <p:style>
+          <a:lnRef idx="2">
+            <a:schemeClr val="accent1">
+              <a:shade val="50000"/>
+            </a:schemeClr>
+          </a:lnRef>
+          <a:fillRef idx="1">
+            <a:schemeClr val="accent1"/>
+          </a:fillRef>
+          <a:effectRef idx="0">
+            <a:schemeClr val="accent1"/>
+          </a:effectRef>
+          <a:fontRef idx="minor">
+            <a:schemeClr val="lt1"/>
+          </a:fontRef>
+        </p:style>
+        <p:txBody>
+          <a:bodyPr rtlCol="0" anchor="ctr"/>
+          <a:lstStyle/>
+          <a:p>
+            <a:pPr algn="ctr"/>
+            <a:endParaRPr lang="en-US"/>
+          </a:p>
+        </p:txBody>
+      </p:sp>
+      <p:sp>
+        <p:nvSpPr>
+          <p:cNvPr id="6" name="Rectangle 5">
+            <a:extLst>
+              <a:ext uri="{FF2B5EF4-FFF2-40B4-BE49-F238E27FC236}">
+                <a16:creationId xmlns:a16="http://schemas.microsoft.com/office/drawing/2014/main" id="{94B30EB6-7035-414F-9866-7F312CF3AA16}"/>
+              </a:ext>
+            </a:extLst>
+          </p:cNvPr>
+          <p:cNvSpPr/>
+          <p:nvPr/>
+        </p:nvSpPr>
+        <p:spPr>
+          <a:xfrm>
+            <a:off x="6760998" y="418534"/>
+            <a:ext cx="45719" cy="274320"/>
+          </a:xfrm>
+          <a:prstGeom prst="rect">
+            <a:avLst/>
+          </a:prstGeom>
+          <a:solidFill>
+            <a:schemeClr val="accent5">
+              <a:lumMod val="50000"/>
+              <a:alpha val="40000"/>
+            </a:schemeClr>
+          </a:solidFill>
+          <a:ln>
+            <a:noFill/>
+          </a:ln>
+        </p:spPr>
+        <p:style>
+          <a:lnRef idx="2">
+            <a:schemeClr val="accent1">
+              <a:shade val="50000"/>
+            </a:schemeClr>
+          </a:lnRef>
+          <a:fillRef idx="1">
+            <a:schemeClr val="accent1"/>
+          </a:fillRef>
+          <a:effectRef idx="0">
+            <a:schemeClr val="accent1"/>
+          </a:effectRef>
+          <a:fontRef idx="minor">
+            <a:schemeClr val="lt1"/>
+          </a:fontRef>
+        </p:style>
+        <p:txBody>
+          <a:bodyPr rtlCol="0" anchor="ctr"/>
+          <a:lstStyle/>
+          <a:p>
+            <a:pPr algn="ctr"/>
+            <a:endParaRPr lang="en-US"/>
+          </a:p>
+        </p:txBody>
+      </p:sp>
+      <p:sp>
+        <p:nvSpPr>
+          <p:cNvPr id="7" name="Rectangle 6">
+            <a:extLst>
+              <a:ext uri="{FF2B5EF4-FFF2-40B4-BE49-F238E27FC236}">
+                <a16:creationId xmlns:a16="http://schemas.microsoft.com/office/drawing/2014/main" id="{BB0DB2B6-3E73-894C-8658-EA6DA444C837}"/>
+              </a:ext>
+            </a:extLst>
+          </p:cNvPr>
+          <p:cNvSpPr/>
+          <p:nvPr/>
+        </p:nvSpPr>
+        <p:spPr>
+          <a:xfrm>
+            <a:off x="6913398" y="418534"/>
+            <a:ext cx="45719" cy="274320"/>
+          </a:xfrm>
+          <a:prstGeom prst="rect">
+            <a:avLst/>
+          </a:prstGeom>
+          <a:solidFill>
+            <a:schemeClr val="accent5">
+              <a:lumMod val="50000"/>
+              <a:alpha val="60000"/>
+            </a:schemeClr>
+          </a:solidFill>
+          <a:ln>
+            <a:noFill/>
+          </a:ln>
+        </p:spPr>
+        <p:style>
+          <a:lnRef idx="2">
+            <a:schemeClr val="accent1">
+              <a:shade val="50000"/>
+            </a:schemeClr>
+          </a:lnRef>
+          <a:fillRef idx="1">
+            <a:schemeClr val="accent1"/>
+          </a:fillRef>
+          <a:effectRef idx="0">
+            <a:schemeClr val="accent1"/>
+          </a:effectRef>
+          <a:fontRef idx="minor">
+            <a:schemeClr val="lt1"/>
+          </a:fontRef>
+        </p:style>
+        <p:txBody>
+          <a:bodyPr rtlCol="0" anchor="ctr"/>
+          <a:lstStyle/>
+          <a:p>
+            <a:pPr algn="ctr"/>
+            <a:endParaRPr lang="en-US"/>
+          </a:p>
+        </p:txBody>
+      </p:sp>
+      <p:sp>
+        <p:nvSpPr>
+          <p:cNvPr id="8" name="Rectangle 7">
+            <a:extLst>
+              <a:ext uri="{FF2B5EF4-FFF2-40B4-BE49-F238E27FC236}">
+                <a16:creationId xmlns:a16="http://schemas.microsoft.com/office/drawing/2014/main" id="{34C4CF47-CD5D-A649-B86D-DFAE589BEDBE}"/>
+              </a:ext>
+            </a:extLst>
+          </p:cNvPr>
+          <p:cNvSpPr/>
+          <p:nvPr/>
+        </p:nvSpPr>
+        <p:spPr>
+          <a:xfrm>
+            <a:off x="7065798" y="418534"/>
+            <a:ext cx="45719" cy="274320"/>
+          </a:xfrm>
+          <a:prstGeom prst="rect">
+            <a:avLst/>
+          </a:prstGeom>
+          <a:solidFill>
+            <a:schemeClr val="accent5">
+              <a:lumMod val="50000"/>
+              <a:alpha val="80000"/>
+            </a:schemeClr>
+          </a:solidFill>
+          <a:ln>
+            <a:noFill/>
+          </a:ln>
+        </p:spPr>
+        <p:style>
+          <a:lnRef idx="2">
+            <a:schemeClr val="accent1">
+              <a:shade val="50000"/>
+            </a:schemeClr>
+          </a:lnRef>
+          <a:fillRef idx="1">
+            <a:schemeClr val="accent1"/>
+          </a:fillRef>
+          <a:effectRef idx="0">
+            <a:schemeClr val="accent1"/>
+          </a:effectRef>
+          <a:fontRef idx="minor">
+            <a:schemeClr val="lt1"/>
+          </a:fontRef>
+        </p:style>
+        <p:txBody>
+          <a:bodyPr rtlCol="0" anchor="ctr"/>
+          <a:lstStyle/>
+          <a:p>
+            <a:pPr algn="ctr"/>
+            <a:endParaRPr lang="en-US"/>
+          </a:p>
+        </p:txBody>
+      </p:sp>
+      <p:sp>
+        <p:nvSpPr>
+          <p:cNvPr id="9" name="Rectangle 8">
+            <a:extLst>
+              <a:ext uri="{FF2B5EF4-FFF2-40B4-BE49-F238E27FC236}">
+                <a16:creationId xmlns:a16="http://schemas.microsoft.com/office/drawing/2014/main" id="{27A53EAC-8624-7047-B16D-1E6AC5B31C92}"/>
+              </a:ext>
+            </a:extLst>
+          </p:cNvPr>
+          <p:cNvSpPr/>
+          <p:nvPr/>
+        </p:nvSpPr>
+        <p:spPr>
+          <a:xfrm>
+            <a:off x="7218198" y="418534"/>
+            <a:ext cx="45719" cy="274320"/>
+          </a:xfrm>
+          <a:prstGeom prst="rect">
+            <a:avLst/>
+          </a:prstGeom>
+          <a:solidFill>
+            <a:schemeClr val="accent5">
+              <a:lumMod val="50000"/>
+            </a:schemeClr>
+          </a:solidFill>
+          <a:ln>
+            <a:noFill/>
+          </a:ln>
+        </p:spPr>
+        <p:style>
+          <a:lnRef idx="2">
+            <a:schemeClr val="accent1">
+              <a:shade val="50000"/>
+            </a:schemeClr>
+          </a:lnRef>
+          <a:fillRef idx="1">
+            <a:schemeClr val="accent1"/>
+          </a:fillRef>
+          <a:effectRef idx="0">
+            <a:schemeClr val="accent1"/>
+          </a:effectRef>
+          <a:fontRef idx="minor">
+            <a:schemeClr val="lt1"/>
+          </a:fontRef>
+        </p:style>
+        <p:txBody>
+          <a:bodyPr rtlCol="0" anchor="ctr"/>
+          <a:lstStyle/>
+          <a:p>
+            <a:pPr algn="ctr"/>
+            <a:endParaRPr lang="en-US"/>
+          </a:p>
+        </p:txBody>
+      </p:sp>
+      <p:cxnSp>
+        <p:nvCxnSpPr>
+          <p:cNvPr id="11" name="Straight Connector 10">
+            <a:extLst>
+              <a:ext uri="{FF2B5EF4-FFF2-40B4-BE49-F238E27FC236}">
+                <a16:creationId xmlns:a16="http://schemas.microsoft.com/office/drawing/2014/main" id="{56B3A37D-1EE8-B84C-9761-A1714E2D2220}"/>
+              </a:ext>
+            </a:extLst>
+          </p:cNvPr>
+          <p:cNvCxnSpPr>
+            <a:cxnSpLocks/>
+          </p:cNvCxnSpPr>
+          <p:nvPr/>
+        </p:nvCxnSpPr>
+        <p:spPr>
+          <a:xfrm>
+            <a:off x="1859895" y="908141"/>
+            <a:ext cx="8587946" cy="0"/>
+          </a:xfrm>
+          <a:prstGeom prst="line">
+            <a:avLst/>
+          </a:prstGeom>
+          <a:ln>
+            <a:solidFill>
+              <a:schemeClr val="accent5">
+                <a:lumMod val="50000"/>
+                <a:alpha val="60000"/>
+              </a:schemeClr>
+            </a:solidFill>
+          </a:ln>
+        </p:spPr>
+        <p:style>
+          <a:lnRef idx="1">
+            <a:schemeClr val="accent1"/>
+          </a:lnRef>
+          <a:fillRef idx="0">
+            <a:schemeClr val="accent1"/>
+          </a:fillRef>
+          <a:effectRef idx="0">
+            <a:schemeClr val="accent1"/>
+          </a:effectRef>
+          <a:fontRef idx="minor">
+            <a:schemeClr val="tx1"/>
+          </a:fontRef>
+        </p:style>
+      </p:cxnSp>
+      <p:sp>
+        <p:nvSpPr>
+          <p:cNvPr id="36" name="AutoShape 4">
+            <a:extLst>
+              <a:ext uri="{FF2B5EF4-FFF2-40B4-BE49-F238E27FC236}">
+                <a16:creationId xmlns:a16="http://schemas.microsoft.com/office/drawing/2014/main" id="{B53FF64E-D9F7-4E45-8F96-E4E6F71EEA9C}"/>
+              </a:ext>
+            </a:extLst>
+          </p:cNvPr>
+          <p:cNvSpPr>
+            <a:spLocks noChangeAspect="1" noChangeArrowheads="1"/>
+          </p:cNvSpPr>
+          <p:nvPr/>
+        </p:nvSpPr>
+        <p:spPr bwMode="auto">
+          <a:xfrm>
+            <a:off x="5943600" y="1493108"/>
+            <a:ext cx="2088292" cy="2088292"/>
+          </a:xfrm>
+          <a:prstGeom prst="rect">
+            <a:avLst/>
+          </a:prstGeom>
+          <a:noFill/>
+          <a:extLst>
+            <a:ext uri="{909E8E84-426E-40DD-AFC4-6F175D3DCCD1}">
+              <a14:hiddenFill xmlns:a14="http://schemas.microsoft.com/office/drawing/2010/main">
+                <a:solidFill>
+                  <a:srgbClr val="FFFFFF"/>
+                </a:solidFill>
+              </a14:hiddenFill>
+            </a:ext>
+          </a:extLst>
+        </p:spPr>
+        <p:txBody>
+          <a:bodyPr vert="horz" wrap="square" lIns="91440" tIns="45720" rIns="91440" bIns="45720" numCol="1" anchor="t" anchorCtr="0" compatLnSpc="1">
+            <a:prstTxWarp prst="textNoShape">
+              <a:avLst/>
+            </a:prstTxWarp>
+          </a:bodyPr>
+          <a:lstStyle/>
+          <a:p>
+            <a:endParaRPr lang="en-US"/>
+          </a:p>
+        </p:txBody>
+      </p:sp>
+      <p:cxnSp>
+        <p:nvCxnSpPr>
+          <p:cNvPr id="59" name="Straight Connector 58">
+            <a:extLst>
+              <a:ext uri="{FF2B5EF4-FFF2-40B4-BE49-F238E27FC236}">
+                <a16:creationId xmlns:a16="http://schemas.microsoft.com/office/drawing/2014/main" id="{726A8A7D-4D0C-9B42-92F2-E26136663BE5}"/>
+              </a:ext>
+            </a:extLst>
+          </p:cNvPr>
+          <p:cNvCxnSpPr>
+            <a:cxnSpLocks/>
+          </p:cNvCxnSpPr>
+          <p:nvPr/>
+        </p:nvCxnSpPr>
+        <p:spPr>
+          <a:xfrm>
+            <a:off x="7698261" y="1019354"/>
+            <a:ext cx="0" cy="5769969"/>
+          </a:xfrm>
+          <a:prstGeom prst="line">
+            <a:avLst/>
+          </a:prstGeom>
+          <a:ln>
+            <a:solidFill>
+              <a:schemeClr val="accent5">
+                <a:lumMod val="50000"/>
+                <a:alpha val="60000"/>
+              </a:schemeClr>
+            </a:solidFill>
+          </a:ln>
+        </p:spPr>
+        <p:style>
+          <a:lnRef idx="1">
+            <a:schemeClr val="accent1"/>
+          </a:lnRef>
+          <a:fillRef idx="0">
+            <a:schemeClr val="accent1"/>
+          </a:fillRef>
+          <a:effectRef idx="0">
+            <a:schemeClr val="accent1"/>
+          </a:effectRef>
+          <a:fontRef idx="minor">
+            <a:schemeClr val="tx1"/>
+          </a:fontRef>
+        </p:style>
+      </p:cxnSp>
+      <p:sp>
+        <p:nvSpPr>
+          <p:cNvPr id="87" name="Rounded Rectangle 86">
+            <a:extLst>
+              <a:ext uri="{FF2B5EF4-FFF2-40B4-BE49-F238E27FC236}">
+                <a16:creationId xmlns:a16="http://schemas.microsoft.com/office/drawing/2014/main" id="{1CB1442B-34D6-7044-886C-69425846CF54}"/>
+              </a:ext>
+            </a:extLst>
+          </p:cNvPr>
+          <p:cNvSpPr/>
+          <p:nvPr/>
+        </p:nvSpPr>
+        <p:spPr>
+          <a:xfrm>
+            <a:off x="4325248" y="1181073"/>
+            <a:ext cx="3125876" cy="1910022"/>
+          </a:xfrm>
+          <a:prstGeom prst="roundRect">
+            <a:avLst/>
+          </a:prstGeom>
+          <a:solidFill>
+            <a:schemeClr val="bg1"/>
+          </a:solidFill>
+          <a:ln>
+            <a:noFill/>
+          </a:ln>
+        </p:spPr>
+        <p:style>
+          <a:lnRef idx="2">
+            <a:schemeClr val="accent1">
+              <a:shade val="50000"/>
+            </a:schemeClr>
+          </a:lnRef>
+          <a:fillRef idx="1">
+            <a:schemeClr val="accent1"/>
+          </a:fillRef>
+          <a:effectRef idx="0">
+            <a:schemeClr val="accent1"/>
+          </a:effectRef>
+          <a:fontRef idx="minor">
+            <a:schemeClr val="lt1"/>
+          </a:fontRef>
+        </p:style>
+        <p:txBody>
+          <a:bodyPr rtlCol="0" anchor="ctr"/>
+          <a:lstStyle/>
+          <a:p>
+            <a:r>
+              <a:rPr lang="en-US" dirty="0">
+                <a:solidFill>
+                  <a:schemeClr val="tx1"/>
+                </a:solidFill>
+                <a:latin typeface="Century Gothic" panose="020B0502020202020204" pitchFamily="34" charset="0"/>
+              </a:rPr>
+              <a:t>Hi! I’m Meghan. I’m a graduate student living in DC trying to manage life and work in my tiny apartment. </a:t>
+            </a:r>
+          </a:p>
+        </p:txBody>
+      </p:sp>
+      <p:pic>
+        <p:nvPicPr>
+          <p:cNvPr id="1026" name="Picture 2" descr="woman standing near body of water">
+            <a:extLst>
+              <a:ext uri="{FF2B5EF4-FFF2-40B4-BE49-F238E27FC236}">
+                <a16:creationId xmlns:a16="http://schemas.microsoft.com/office/drawing/2014/main" id="{07210AA7-4744-8040-92CB-A8E58A85BBD1}"/>
+              </a:ext>
+            </a:extLst>
+          </p:cNvPr>
+          <p:cNvPicPr>
+            <a:picLocks noChangeArrowheads="1"/>
+          </p:cNvPicPr>
+          <p:nvPr/>
+        </p:nvPicPr>
+        <p:blipFill rotWithShape="1">
+          <a:blip r:embed="rId3">
+            <a:extLst>
+              <a:ext uri="{28A0092B-C50C-407E-A947-70E740481C1C}">
+                <a14:useLocalDpi xmlns:a14="http://schemas.microsoft.com/office/drawing/2010/main" val="0"/>
+              </a:ext>
+            </a:extLst>
+          </a:blip>
+          <a:srcRect l="31757"/>
+          <a:stretch/>
+        </p:blipFill>
+        <p:spPr bwMode="auto">
+          <a:xfrm>
+            <a:off x="2162432" y="1262301"/>
+            <a:ext cx="1828800" cy="1828800"/>
+          </a:xfrm>
+          <a:prstGeom prst="ellipse">
+            <a:avLst/>
+          </a:prstGeom>
+          <a:noFill/>
+          <a:extLst>
+            <a:ext uri="{909E8E84-426E-40DD-AFC4-6F175D3DCCD1}">
+              <a14:hiddenFill xmlns:a14="http://schemas.microsoft.com/office/drawing/2010/main">
+                <a:solidFill>
+                  <a:srgbClr val="FFFFFF"/>
+                </a:solidFill>
+              </a14:hiddenFill>
+            </a:ext>
+          </a:extLst>
+        </p:spPr>
+      </p:pic>
+      <p:sp>
+        <p:nvSpPr>
+          <p:cNvPr id="65" name="TextBox 64">
+            <a:extLst>
+              <a:ext uri="{FF2B5EF4-FFF2-40B4-BE49-F238E27FC236}">
+                <a16:creationId xmlns:a16="http://schemas.microsoft.com/office/drawing/2014/main" id="{86DB751D-4A98-A944-9405-90E08F978BC5}"/>
+              </a:ext>
+            </a:extLst>
+          </p:cNvPr>
+          <p:cNvSpPr txBox="1"/>
+          <p:nvPr/>
+        </p:nvSpPr>
+        <p:spPr>
+          <a:xfrm>
+            <a:off x="2162432" y="3829334"/>
+            <a:ext cx="1890582" cy="1708160"/>
+          </a:xfrm>
+          <a:prstGeom prst="rect">
+            <a:avLst/>
+          </a:prstGeom>
+          <a:noFill/>
+        </p:spPr>
+        <p:txBody>
+          <a:bodyPr wrap="square" rtlCol="0">
+            <a:spAutoFit/>
+          </a:bodyPr>
+          <a:lstStyle/>
+          <a:p>
+            <a:pPr algn="r"/>
+            <a:r>
+              <a:rPr lang="en-US" sz="1500" dirty="0">
+                <a:solidFill>
+                  <a:schemeClr val="accent5">
+                    <a:lumMod val="50000"/>
+                  </a:schemeClr>
+                </a:solidFill>
+                <a:latin typeface="Century Gothic" panose="020B0502020202020204" pitchFamily="34" charset="0"/>
+              </a:rPr>
+              <a:t>Name</a:t>
+            </a:r>
+          </a:p>
+          <a:p>
+            <a:pPr algn="r"/>
+            <a:endParaRPr lang="en-US" sz="1500" dirty="0">
+              <a:solidFill>
+                <a:schemeClr val="accent5">
+                  <a:lumMod val="50000"/>
+                </a:schemeClr>
+              </a:solidFill>
+              <a:latin typeface="Century Gothic" panose="020B0502020202020204" pitchFamily="34" charset="0"/>
+            </a:endParaRPr>
+          </a:p>
+          <a:p>
+            <a:pPr algn="r"/>
+            <a:r>
+              <a:rPr lang="en-US" sz="1500" dirty="0">
+                <a:solidFill>
+                  <a:schemeClr val="accent5">
+                    <a:lumMod val="50000"/>
+                  </a:schemeClr>
+                </a:solidFill>
+                <a:latin typeface="Century Gothic" panose="020B0502020202020204" pitchFamily="34" charset="0"/>
+              </a:rPr>
+              <a:t>Username</a:t>
+            </a:r>
+          </a:p>
+          <a:p>
+            <a:pPr algn="r"/>
+            <a:endParaRPr lang="en-US" sz="1500" dirty="0">
+              <a:solidFill>
+                <a:schemeClr val="accent5">
+                  <a:lumMod val="50000"/>
+                </a:schemeClr>
+              </a:solidFill>
+              <a:latin typeface="Century Gothic" panose="020B0502020202020204" pitchFamily="34" charset="0"/>
+            </a:endParaRPr>
+          </a:p>
+          <a:p>
+            <a:pPr algn="r"/>
+            <a:r>
+              <a:rPr lang="en-US" sz="1500" dirty="0">
+                <a:solidFill>
+                  <a:schemeClr val="accent5">
+                    <a:lumMod val="50000"/>
+                  </a:schemeClr>
+                </a:solidFill>
+                <a:latin typeface="Century Gothic" panose="020B0502020202020204" pitchFamily="34" charset="0"/>
+              </a:rPr>
+              <a:t>City</a:t>
+            </a:r>
+          </a:p>
+          <a:p>
+            <a:pPr algn="r"/>
+            <a:endParaRPr lang="en-US" sz="1500" dirty="0">
+              <a:solidFill>
+                <a:schemeClr val="accent5">
+                  <a:lumMod val="50000"/>
+                </a:schemeClr>
+              </a:solidFill>
+              <a:latin typeface="Century Gothic" panose="020B0502020202020204" pitchFamily="34" charset="0"/>
+            </a:endParaRPr>
+          </a:p>
+          <a:p>
+            <a:pPr algn="r"/>
+            <a:r>
+              <a:rPr lang="en-US" sz="1500" dirty="0">
+                <a:solidFill>
+                  <a:schemeClr val="accent5">
+                    <a:lumMod val="50000"/>
+                  </a:schemeClr>
+                </a:solidFill>
+                <a:latin typeface="Century Gothic" panose="020B0502020202020204" pitchFamily="34" charset="0"/>
+              </a:rPr>
+              <a:t>Occupation</a:t>
+            </a:r>
+          </a:p>
+        </p:txBody>
+      </p:sp>
+      <p:sp>
+        <p:nvSpPr>
+          <p:cNvPr id="70" name="Rectangle 69">
+            <a:extLst>
+              <a:ext uri="{FF2B5EF4-FFF2-40B4-BE49-F238E27FC236}">
+                <a16:creationId xmlns:a16="http://schemas.microsoft.com/office/drawing/2014/main" id="{1D56833C-9CDF-5844-94F0-D3C1BEAF5A4B}"/>
+              </a:ext>
+            </a:extLst>
+          </p:cNvPr>
+          <p:cNvSpPr/>
+          <p:nvPr/>
+        </p:nvSpPr>
+        <p:spPr>
+          <a:xfrm>
+            <a:off x="7729142" y="3438987"/>
+            <a:ext cx="2836474" cy="465351"/>
+          </a:xfrm>
+          <a:prstGeom prst="rect">
+            <a:avLst/>
+          </a:prstGeom>
+          <a:solidFill>
+            <a:schemeClr val="bg1"/>
+          </a:solidFill>
+          <a:ln>
+            <a:noFill/>
+          </a:ln>
+        </p:spPr>
+        <p:style>
+          <a:lnRef idx="2">
+            <a:schemeClr val="accent1">
+              <a:shade val="50000"/>
+            </a:schemeClr>
+          </a:lnRef>
+          <a:fillRef idx="1">
+            <a:schemeClr val="accent1"/>
+          </a:fillRef>
+          <a:effectRef idx="0">
+            <a:schemeClr val="accent1"/>
+          </a:effectRef>
+          <a:fontRef idx="minor">
+            <a:schemeClr val="lt1"/>
+          </a:fontRef>
+        </p:style>
+        <p:txBody>
+          <a:bodyPr rtlCol="0" anchor="ctr"/>
+          <a:lstStyle/>
+          <a:p>
+            <a:pPr algn="ctr"/>
+            <a:endParaRPr lang="en-US"/>
+          </a:p>
+        </p:txBody>
+      </p:sp>
+      <p:sp>
+        <p:nvSpPr>
+          <p:cNvPr id="69" name="TextBox 68">
+            <a:extLst>
+              <a:ext uri="{FF2B5EF4-FFF2-40B4-BE49-F238E27FC236}">
+                <a16:creationId xmlns:a16="http://schemas.microsoft.com/office/drawing/2014/main" id="{F2F231B0-D956-AC4C-9BF6-1A918FF7557F}"/>
+              </a:ext>
+            </a:extLst>
+          </p:cNvPr>
+          <p:cNvSpPr txBox="1"/>
+          <p:nvPr/>
+        </p:nvSpPr>
+        <p:spPr>
+          <a:xfrm>
+            <a:off x="7962009" y="1135281"/>
+            <a:ext cx="2300857" cy="4031873"/>
+          </a:xfrm>
+          <a:prstGeom prst="rect">
+            <a:avLst/>
+          </a:prstGeom>
+          <a:noFill/>
+        </p:spPr>
+        <p:txBody>
+          <a:bodyPr wrap="square" rtlCol="0">
+            <a:spAutoFit/>
+          </a:bodyPr>
+          <a:lstStyle/>
+          <a:p>
+            <a:r>
+              <a:rPr lang="en-US" sz="1400" b="1" dirty="0">
+                <a:latin typeface="Century Gothic" panose="020B0502020202020204" pitchFamily="34" charset="0"/>
+              </a:rPr>
+              <a:t>Followers</a:t>
+            </a:r>
+          </a:p>
+          <a:p>
+            <a:endParaRPr lang="en-US" sz="1200" dirty="0">
+              <a:latin typeface="Century Gothic" panose="020B0502020202020204" pitchFamily="34" charset="0"/>
+            </a:endParaRPr>
+          </a:p>
+          <a:p>
+            <a:r>
+              <a:rPr lang="en-US" sz="1200" dirty="0">
+                <a:latin typeface="Century Gothic" panose="020B0502020202020204" pitchFamily="34" charset="0"/>
+              </a:rPr>
+              <a:t>order_love_79</a:t>
+            </a:r>
+          </a:p>
+          <a:p>
+            <a:endParaRPr lang="en-US" sz="1200" dirty="0">
+              <a:latin typeface="Century Gothic" panose="020B0502020202020204" pitchFamily="34" charset="0"/>
+            </a:endParaRPr>
+          </a:p>
+          <a:p>
+            <a:r>
+              <a:rPr lang="en-US" sz="1200" dirty="0">
+                <a:latin typeface="Century Gothic" panose="020B0502020202020204" pitchFamily="34" charset="0"/>
+              </a:rPr>
+              <a:t>headtubes</a:t>
+            </a:r>
+          </a:p>
+          <a:p>
+            <a:endParaRPr lang="en-US" sz="1200" dirty="0">
+              <a:latin typeface="Century Gothic" panose="020B0502020202020204" pitchFamily="34" charset="0"/>
+            </a:endParaRPr>
+          </a:p>
+          <a:p>
+            <a:r>
+              <a:rPr lang="en-US" sz="1200" dirty="0">
+                <a:latin typeface="Century Gothic" panose="020B0502020202020204" pitchFamily="34" charset="0"/>
+              </a:rPr>
+              <a:t>at_home_lawyer</a:t>
+            </a:r>
+          </a:p>
+          <a:p>
+            <a:endParaRPr lang="en-US" sz="1200" dirty="0">
+              <a:latin typeface="Century Gothic" panose="020B0502020202020204" pitchFamily="34" charset="0"/>
+            </a:endParaRPr>
+          </a:p>
+          <a:p>
+            <a:endParaRPr lang="en-US" sz="1200" dirty="0">
+              <a:latin typeface="Century Gothic" panose="020B0502020202020204" pitchFamily="34" charset="0"/>
+            </a:endParaRPr>
+          </a:p>
+          <a:p>
+            <a:endParaRPr lang="en-US" sz="1200" dirty="0">
+              <a:latin typeface="Century Gothic" panose="020B0502020202020204" pitchFamily="34" charset="0"/>
+            </a:endParaRPr>
+          </a:p>
+          <a:p>
+            <a:endParaRPr lang="en-US" sz="1200" dirty="0">
+              <a:latin typeface="Century Gothic" panose="020B0502020202020204" pitchFamily="34" charset="0"/>
+            </a:endParaRPr>
+          </a:p>
+          <a:p>
+            <a:endParaRPr lang="en-US" sz="1200" dirty="0">
+              <a:latin typeface="Century Gothic" panose="020B0502020202020204" pitchFamily="34" charset="0"/>
+            </a:endParaRPr>
+          </a:p>
+          <a:p>
+            <a:endParaRPr lang="en-US" sz="1200" dirty="0">
+              <a:latin typeface="Century Gothic" panose="020B0502020202020204" pitchFamily="34" charset="0"/>
+            </a:endParaRPr>
+          </a:p>
+          <a:p>
+            <a:r>
+              <a:rPr lang="en-US" sz="1400" b="1" dirty="0">
+                <a:latin typeface="Century Gothic" panose="020B0502020202020204" pitchFamily="34" charset="0"/>
+              </a:rPr>
+              <a:t>Following</a:t>
+            </a:r>
+          </a:p>
+          <a:p>
+            <a:endParaRPr lang="en-US" sz="1200" dirty="0">
+              <a:latin typeface="Century Gothic" panose="020B0502020202020204" pitchFamily="34" charset="0"/>
+            </a:endParaRPr>
+          </a:p>
+          <a:p>
+            <a:r>
+              <a:rPr lang="en-US" sz="1200" dirty="0">
+                <a:latin typeface="Century Gothic" panose="020B0502020202020204" pitchFamily="34" charset="0"/>
+              </a:rPr>
+              <a:t>home_trainer</a:t>
+            </a:r>
+          </a:p>
+          <a:p>
+            <a:endParaRPr lang="en-US" sz="1200" dirty="0">
+              <a:latin typeface="Century Gothic" panose="020B0502020202020204" pitchFamily="34" charset="0"/>
+            </a:endParaRPr>
+          </a:p>
+          <a:p>
+            <a:r>
+              <a:rPr lang="en-US" sz="1200" dirty="0">
+                <a:latin typeface="Century Gothic" panose="020B0502020202020204" pitchFamily="34" charset="0"/>
+              </a:rPr>
+              <a:t>distance_learning_momma</a:t>
+            </a:r>
+          </a:p>
+          <a:p>
+            <a:endParaRPr lang="en-US" sz="1200" dirty="0">
+              <a:latin typeface="Century Gothic" panose="020B0502020202020204" pitchFamily="34" charset="0"/>
+            </a:endParaRPr>
+          </a:p>
+          <a:p>
+            <a:endParaRPr lang="en-US" sz="1200" dirty="0">
+              <a:latin typeface="Century Gothic" panose="020B0502020202020204" pitchFamily="34" charset="0"/>
+            </a:endParaRPr>
+          </a:p>
+          <a:p>
+            <a:endParaRPr lang="en-US" sz="1200" dirty="0">
+              <a:latin typeface="Century Gothic" panose="020B0502020202020204" pitchFamily="34" charset="0"/>
+            </a:endParaRPr>
+          </a:p>
+        </p:txBody>
+      </p:sp>
+      <p:sp>
+        <p:nvSpPr>
+          <p:cNvPr id="72" name="Rounded Rectangle 71">
+            <a:extLst>
+              <a:ext uri="{FF2B5EF4-FFF2-40B4-BE49-F238E27FC236}">
+                <a16:creationId xmlns:a16="http://schemas.microsoft.com/office/drawing/2014/main" id="{E0857913-B43F-AC47-AA70-340D41562FF5}"/>
+              </a:ext>
+            </a:extLst>
+          </p:cNvPr>
+          <p:cNvSpPr/>
+          <p:nvPr/>
+        </p:nvSpPr>
+        <p:spPr>
+          <a:xfrm>
+            <a:off x="4137178" y="6173405"/>
+            <a:ext cx="1449219" cy="318410"/>
+          </a:xfrm>
+          <a:prstGeom prst="roundRect">
+            <a:avLst/>
+          </a:prstGeom>
+          <a:solidFill>
+            <a:schemeClr val="accent5">
+              <a:lumMod val="50000"/>
+              <a:alpha val="60000"/>
+            </a:schemeClr>
+          </a:solidFill>
+          <a:ln>
+            <a:noFill/>
+          </a:ln>
+        </p:spPr>
+        <p:style>
+          <a:lnRef idx="2">
+            <a:schemeClr val="accent1">
+              <a:shade val="50000"/>
+            </a:schemeClr>
+          </a:lnRef>
+          <a:fillRef idx="1">
+            <a:schemeClr val="accent1"/>
+          </a:fillRef>
+          <a:effectRef idx="0">
+            <a:schemeClr val="accent1"/>
+          </a:effectRef>
+          <a:fontRef idx="minor">
+            <a:schemeClr val="lt1"/>
+          </a:fontRef>
+        </p:style>
+        <p:txBody>
+          <a:bodyPr rtlCol="0" anchor="ctr"/>
+          <a:lstStyle/>
+          <a:p>
+            <a:pPr algn="ctr"/>
+            <a:r>
+              <a:rPr lang="en-US" sz="1200" dirty="0">
+                <a:latin typeface="Century Gothic" panose="020B0502020202020204" pitchFamily="34" charset="0"/>
+              </a:rPr>
+              <a:t>Edit Profile</a:t>
+            </a:r>
+          </a:p>
+        </p:txBody>
+      </p:sp>
+      <p:sp>
+        <p:nvSpPr>
+          <p:cNvPr id="28" name="Subtitle 2">
+            <a:extLst>
+              <a:ext uri="{FF2B5EF4-FFF2-40B4-BE49-F238E27FC236}">
+                <a16:creationId xmlns:a16="http://schemas.microsoft.com/office/drawing/2014/main" id="{A66BE7A9-E38F-A047-9EBF-F65FBE627736}"/>
+              </a:ext>
+            </a:extLst>
+          </p:cNvPr>
+          <p:cNvSpPr txBox="1">
+            <a:spLocks/>
+          </p:cNvSpPr>
+          <p:nvPr/>
+        </p:nvSpPr>
+        <p:spPr>
+          <a:xfrm>
+            <a:off x="5584130" y="6080830"/>
+            <a:ext cx="2207729" cy="655263"/>
+          </a:xfrm>
+          <a:prstGeom prst="rect">
+            <a:avLst/>
+          </a:prstGeom>
+        </p:spPr>
+        <p:txBody>
+          <a:bodyPr vert="horz" lIns="91440" tIns="45720" rIns="91440" bIns="45720" rtlCol="0">
+            <a:normAutofit/>
+          </a:bodyPr>
+          <a:lstStyle>
+            <a:lvl1pPr marL="0" indent="0" algn="ctr" defTabSz="914400" rtl="0" eaLnBrk="1" latinLnBrk="0" hangingPunct="1">
+              <a:lnSpc>
+                <a:spcPct val="90000"/>
+              </a:lnSpc>
+              <a:spcBef>
+                <a:spcPts val="1000"/>
+              </a:spcBef>
+              <a:buFont typeface="Arial" panose="020B0604020202020204" pitchFamily="34" charset="0"/>
+              <a:buNone/>
+              <a:defRPr sz="2400" kern="1200">
+                <a:solidFill>
+                  <a:schemeClr val="tx1"/>
+                </a:solidFill>
+                <a:latin typeface="+mn-lt"/>
+                <a:ea typeface="+mn-ea"/>
+                <a:cs typeface="+mn-cs"/>
+              </a:defRPr>
+            </a:lvl1pPr>
+            <a:lvl2pPr marL="457200" indent="0" algn="ctr" defTabSz="914400" rtl="0" eaLnBrk="1" latinLnBrk="0" hangingPunct="1">
+              <a:lnSpc>
+                <a:spcPct val="90000"/>
+              </a:lnSpc>
+              <a:spcBef>
+                <a:spcPts val="500"/>
+              </a:spcBef>
+              <a:buFont typeface="Arial" panose="020B0604020202020204" pitchFamily="34" charset="0"/>
+              <a:buNone/>
+              <a:defRPr sz="2000" kern="1200">
+                <a:solidFill>
+                  <a:schemeClr val="tx1"/>
+                </a:solidFill>
+                <a:latin typeface="+mn-lt"/>
+                <a:ea typeface="+mn-ea"/>
+                <a:cs typeface="+mn-cs"/>
+              </a:defRPr>
+            </a:lvl2pPr>
+            <a:lvl3pPr marL="914400" indent="0" algn="ctr" defTabSz="914400" rtl="0" eaLnBrk="1" latinLnBrk="0" hangingPunct="1">
+              <a:lnSpc>
+                <a:spcPct val="90000"/>
+              </a:lnSpc>
+              <a:spcBef>
+                <a:spcPts val="500"/>
+              </a:spcBef>
+              <a:buFont typeface="Arial" panose="020B0604020202020204" pitchFamily="34" charset="0"/>
+              <a:buNone/>
+              <a:defRPr sz="1800" kern="1200">
+                <a:solidFill>
+                  <a:schemeClr val="tx1"/>
+                </a:solidFill>
+                <a:latin typeface="+mn-lt"/>
+                <a:ea typeface="+mn-ea"/>
+                <a:cs typeface="+mn-cs"/>
+              </a:defRPr>
+            </a:lvl3pPr>
+            <a:lvl4pPr marL="1371600" indent="0" algn="ctr" defTabSz="914400" rtl="0" eaLnBrk="1" latinLnBrk="0" hangingPunct="1">
+              <a:lnSpc>
+                <a:spcPct val="90000"/>
+              </a:lnSpc>
+              <a:spcBef>
+                <a:spcPts val="500"/>
+              </a:spcBef>
+              <a:buFont typeface="Arial" panose="020B0604020202020204" pitchFamily="34" charset="0"/>
+              <a:buNone/>
+              <a:defRPr sz="1600" kern="1200">
+                <a:solidFill>
+                  <a:schemeClr val="tx1"/>
+                </a:solidFill>
+                <a:latin typeface="+mn-lt"/>
+                <a:ea typeface="+mn-ea"/>
+                <a:cs typeface="+mn-cs"/>
+              </a:defRPr>
+            </a:lvl4pPr>
+            <a:lvl5pPr marL="1828800" indent="0" algn="ctr" defTabSz="914400" rtl="0" eaLnBrk="1" latinLnBrk="0" hangingPunct="1">
+              <a:lnSpc>
+                <a:spcPct val="90000"/>
+              </a:lnSpc>
+              <a:spcBef>
+                <a:spcPts val="500"/>
+              </a:spcBef>
+              <a:buFont typeface="Arial" panose="020B0604020202020204" pitchFamily="34" charset="0"/>
+              <a:buNone/>
+              <a:defRPr sz="1600" kern="1200">
+                <a:solidFill>
+                  <a:schemeClr val="tx1"/>
+                </a:solidFill>
+                <a:latin typeface="+mn-lt"/>
+                <a:ea typeface="+mn-ea"/>
+                <a:cs typeface="+mn-cs"/>
+              </a:defRPr>
+            </a:lvl5pPr>
+            <a:lvl6pPr marL="2286000" indent="0" algn="ctr" defTabSz="914400" rtl="0" eaLnBrk="1" latinLnBrk="0" hangingPunct="1">
+              <a:lnSpc>
+                <a:spcPct val="90000"/>
+              </a:lnSpc>
+              <a:spcBef>
+                <a:spcPts val="500"/>
+              </a:spcBef>
+              <a:buFont typeface="Arial" panose="020B0604020202020204" pitchFamily="34" charset="0"/>
+              <a:buNone/>
+              <a:defRPr sz="1600" kern="1200">
+                <a:solidFill>
+                  <a:schemeClr val="tx1"/>
+                </a:solidFill>
+                <a:latin typeface="+mn-lt"/>
+                <a:ea typeface="+mn-ea"/>
+                <a:cs typeface="+mn-cs"/>
+              </a:defRPr>
+            </a:lvl6pPr>
+            <a:lvl7pPr marL="2743200" indent="0" algn="ctr" defTabSz="914400" rtl="0" eaLnBrk="1" latinLnBrk="0" hangingPunct="1">
+              <a:lnSpc>
+                <a:spcPct val="90000"/>
+              </a:lnSpc>
+              <a:spcBef>
+                <a:spcPts val="500"/>
+              </a:spcBef>
+              <a:buFont typeface="Arial" panose="020B0604020202020204" pitchFamily="34" charset="0"/>
+              <a:buNone/>
+              <a:defRPr sz="1600" kern="1200">
+                <a:solidFill>
+                  <a:schemeClr val="tx1"/>
+                </a:solidFill>
+                <a:latin typeface="+mn-lt"/>
+                <a:ea typeface="+mn-ea"/>
+                <a:cs typeface="+mn-cs"/>
+              </a:defRPr>
+            </a:lvl7pPr>
+            <a:lvl8pPr marL="3200400" indent="0" algn="ctr" defTabSz="914400" rtl="0" eaLnBrk="1" latinLnBrk="0" hangingPunct="1">
+              <a:lnSpc>
+                <a:spcPct val="90000"/>
+              </a:lnSpc>
+              <a:spcBef>
+                <a:spcPts val="500"/>
+              </a:spcBef>
+              <a:buFont typeface="Arial" panose="020B0604020202020204" pitchFamily="34" charset="0"/>
+              <a:buNone/>
+              <a:defRPr sz="1600" kern="1200">
+                <a:solidFill>
+                  <a:schemeClr val="tx1"/>
+                </a:solidFill>
+                <a:latin typeface="+mn-lt"/>
+                <a:ea typeface="+mn-ea"/>
+                <a:cs typeface="+mn-cs"/>
+              </a:defRPr>
+            </a:lvl8pPr>
+            <a:lvl9pPr marL="3657600" indent="0" algn="ctr" defTabSz="914400" rtl="0" eaLnBrk="1" latinLnBrk="0" hangingPunct="1">
+              <a:lnSpc>
+                <a:spcPct val="90000"/>
+              </a:lnSpc>
+              <a:spcBef>
+                <a:spcPts val="500"/>
+              </a:spcBef>
+              <a:buFont typeface="Arial" panose="020B0604020202020204" pitchFamily="34" charset="0"/>
+              <a:buNone/>
+              <a:defRPr sz="1600" kern="1200">
+                <a:solidFill>
+                  <a:schemeClr val="tx1"/>
+                </a:solidFill>
+                <a:latin typeface="+mn-lt"/>
+                <a:ea typeface="+mn-ea"/>
+                <a:cs typeface="+mn-cs"/>
+              </a:defRPr>
+            </a:lvl9pPr>
+          </a:lstStyle>
+          <a:p>
+            <a:pPr algn="l"/>
+            <a:r>
+              <a:rPr lang="en-US" sz="1500" dirty="0">
+                <a:highlight>
+                  <a:srgbClr val="FFFF00"/>
+                </a:highlight>
+                <a:latin typeface="Century Gothic" panose="020B0502020202020204" pitchFamily="34" charset="0"/>
+              </a:rPr>
+              <a:t>If user is looking at their own profile</a:t>
+            </a:r>
+          </a:p>
+        </p:txBody>
+      </p:sp>
+    </p:spTree>
+    <p:extLst>
+      <p:ext uri="{BB962C8B-B14F-4D97-AF65-F5344CB8AC3E}">
+        <p14:creationId xmlns:p14="http://schemas.microsoft.com/office/powerpoint/2010/main" val="3100040472"/>
+      </p:ext>
+    </p:extLst>
+  </p:cSld>
+  <p:clrMapOvr>
+    <a:masterClrMapping/>
+  </p:clrMapOvr>
+</p:sld>
+</file>
+
+<file path=ppt/slides/slide8.xml><?xml version="1.0" encoding="utf-8"?>
+<p:sld xmlns:a="http://schemas.openxmlformats.org/drawingml/2006/main" xmlns:r="http://schemas.openxmlformats.org/officeDocument/2006/relationships" xmlns:p="http://schemas.openxmlformats.org/presentationml/2006/main">
+  <p:cSld>
+    <p:spTree>
+      <p:nvGrpSpPr>
+        <p:cNvPr id="1" name=""/>
+        <p:cNvGrpSpPr/>
+        <p:nvPr/>
+      </p:nvGrpSpPr>
+      <p:grpSpPr>
+        <a:xfrm>
+          <a:off x="0" y="0"/>
+          <a:ext cx="0" cy="0"/>
+          <a:chOff x="0" y="0"/>
+          <a:chExt cx="0" cy="0"/>
+        </a:xfrm>
+      </p:grpSpPr>
+      <p:pic>
+        <p:nvPicPr>
+          <p:cNvPr id="4106" name="Picture 10" descr="white and brown brick wall">
+            <a:extLst>
+              <a:ext uri="{FF2B5EF4-FFF2-40B4-BE49-F238E27FC236}">
+                <a16:creationId xmlns:a16="http://schemas.microsoft.com/office/drawing/2014/main" id="{11F3A1C4-FA5F-0842-A1DE-27E252334982}"/>
+              </a:ext>
+            </a:extLst>
+          </p:cNvPr>
+          <p:cNvPicPr>
+            <a:picLocks noChangeArrowheads="1"/>
+          </p:cNvPicPr>
+          <p:nvPr/>
+        </p:nvPicPr>
+        <p:blipFill rotWithShape="1">
+          <a:blip r:embed="rId2">
+            <a:alphaModFix amt="20000"/>
+            <a:extLst>
+              <a:ext uri="{28A0092B-C50C-407E-A947-70E740481C1C}">
+                <a14:useLocalDpi xmlns:a14="http://schemas.microsoft.com/office/drawing/2010/main" val="0"/>
+              </a:ext>
+            </a:extLst>
+          </a:blip>
+          <a:srcRect t="16097" r="32500" b="14354"/>
+          <a:stretch/>
+        </p:blipFill>
+        <p:spPr bwMode="auto">
+          <a:xfrm>
+            <a:off x="1773000" y="121620"/>
+            <a:ext cx="8761735" cy="6729984"/>
+          </a:xfrm>
+          <a:prstGeom prst="rect">
+            <a:avLst/>
+          </a:prstGeom>
+          <a:noFill/>
+          <a:extLst>
+            <a:ext uri="{909E8E84-426E-40DD-AFC4-6F175D3DCCD1}">
+              <a14:hiddenFill xmlns:a14="http://schemas.microsoft.com/office/drawing/2010/main">
+                <a:solidFill>
+                  <a:srgbClr val="FFFFFF"/>
+                </a:solidFill>
+              </a14:hiddenFill>
+            </a:ext>
+          </a:extLst>
+        </p:spPr>
+      </p:pic>
+      <p:sp>
+        <p:nvSpPr>
+          <p:cNvPr id="74" name="Rounded Rectangle 73">
+            <a:extLst>
+              <a:ext uri="{FF2B5EF4-FFF2-40B4-BE49-F238E27FC236}">
+                <a16:creationId xmlns:a16="http://schemas.microsoft.com/office/drawing/2014/main" id="{FC2D1E97-3941-7240-A093-9AC3125094E1}"/>
+              </a:ext>
+            </a:extLst>
+          </p:cNvPr>
+          <p:cNvSpPr/>
+          <p:nvPr/>
+        </p:nvSpPr>
+        <p:spPr>
+          <a:xfrm>
+            <a:off x="4127098" y="4328255"/>
+            <a:ext cx="2481500" cy="284632"/>
+          </a:xfrm>
+          <a:prstGeom prst="roundRect">
+            <a:avLst/>
+          </a:prstGeom>
+          <a:solidFill>
+            <a:schemeClr val="bg1"/>
+          </a:solidFill>
+          <a:ln>
+            <a:solidFill>
+              <a:schemeClr val="accent5">
+                <a:lumMod val="50000"/>
+                <a:alpha val="60000"/>
+              </a:schemeClr>
+            </a:solidFill>
+          </a:ln>
+        </p:spPr>
+        <p:style>
+          <a:lnRef idx="2">
+            <a:schemeClr val="accent1">
+              <a:shade val="50000"/>
+            </a:schemeClr>
+          </a:lnRef>
+          <a:fillRef idx="1">
+            <a:schemeClr val="accent1"/>
+          </a:fillRef>
+          <a:effectRef idx="0">
+            <a:schemeClr val="accent1"/>
+          </a:effectRef>
+          <a:fontRef idx="minor">
+            <a:schemeClr val="lt1"/>
+          </a:fontRef>
+        </p:style>
+        <p:txBody>
+          <a:bodyPr rtlCol="0" anchor="ctr"/>
+          <a:lstStyle/>
+          <a:p>
+            <a:pPr algn="ctr"/>
+            <a:endParaRPr lang="en-US"/>
+          </a:p>
+        </p:txBody>
+      </p:sp>
+      <p:sp>
+        <p:nvSpPr>
+          <p:cNvPr id="75" name="Rounded Rectangle 74">
+            <a:extLst>
+              <a:ext uri="{FF2B5EF4-FFF2-40B4-BE49-F238E27FC236}">
+                <a16:creationId xmlns:a16="http://schemas.microsoft.com/office/drawing/2014/main" id="{AED1F5D1-C2A8-8B49-A7FF-EB74E5C632E8}"/>
+              </a:ext>
+            </a:extLst>
+          </p:cNvPr>
+          <p:cNvSpPr/>
+          <p:nvPr/>
+        </p:nvSpPr>
+        <p:spPr>
+          <a:xfrm>
+            <a:off x="4137178" y="4766359"/>
+            <a:ext cx="2471420" cy="284632"/>
+          </a:xfrm>
+          <a:prstGeom prst="roundRect">
+            <a:avLst/>
+          </a:prstGeom>
+          <a:solidFill>
+            <a:schemeClr val="bg1"/>
+          </a:solidFill>
+          <a:ln>
+            <a:solidFill>
+              <a:schemeClr val="accent5">
+                <a:lumMod val="50000"/>
+                <a:alpha val="60000"/>
+              </a:schemeClr>
+            </a:solidFill>
+          </a:ln>
+        </p:spPr>
+        <p:style>
+          <a:lnRef idx="2">
+            <a:schemeClr val="accent1">
+              <a:shade val="50000"/>
+            </a:schemeClr>
+          </a:lnRef>
+          <a:fillRef idx="1">
+            <a:schemeClr val="accent1"/>
+          </a:fillRef>
+          <a:effectRef idx="0">
+            <a:schemeClr val="accent1"/>
+          </a:effectRef>
+          <a:fontRef idx="minor">
+            <a:schemeClr val="lt1"/>
+          </a:fontRef>
+        </p:style>
+        <p:txBody>
+          <a:bodyPr rtlCol="0" anchor="ctr"/>
+          <a:lstStyle/>
+          <a:p>
+            <a:pPr algn="ctr"/>
+            <a:endParaRPr lang="en-US"/>
+          </a:p>
+        </p:txBody>
+      </p:sp>
+      <p:sp>
+        <p:nvSpPr>
+          <p:cNvPr id="77" name="Rounded Rectangle 76">
+            <a:extLst>
+              <a:ext uri="{FF2B5EF4-FFF2-40B4-BE49-F238E27FC236}">
+                <a16:creationId xmlns:a16="http://schemas.microsoft.com/office/drawing/2014/main" id="{EF7AF448-3E78-B34D-8D10-1603FD467F69}"/>
+              </a:ext>
+            </a:extLst>
+          </p:cNvPr>
+          <p:cNvSpPr/>
+          <p:nvPr/>
+        </p:nvSpPr>
+        <p:spPr>
+          <a:xfrm>
+            <a:off x="4137178" y="5239003"/>
+            <a:ext cx="2471420" cy="251777"/>
+          </a:xfrm>
+          <a:prstGeom prst="roundRect">
+            <a:avLst/>
+          </a:prstGeom>
+          <a:solidFill>
+            <a:schemeClr val="bg1"/>
+          </a:solidFill>
+          <a:ln>
+            <a:solidFill>
+              <a:schemeClr val="accent5">
+                <a:lumMod val="50000"/>
+                <a:alpha val="60000"/>
+              </a:schemeClr>
+            </a:solidFill>
+          </a:ln>
+        </p:spPr>
+        <p:style>
+          <a:lnRef idx="2">
+            <a:schemeClr val="accent1">
+              <a:shade val="50000"/>
+            </a:schemeClr>
+          </a:lnRef>
+          <a:fillRef idx="1">
+            <a:schemeClr val="accent1"/>
+          </a:fillRef>
+          <a:effectRef idx="0">
+            <a:schemeClr val="accent1"/>
+          </a:effectRef>
+          <a:fontRef idx="minor">
+            <a:schemeClr val="lt1"/>
+          </a:fontRef>
+        </p:style>
+        <p:txBody>
+          <a:bodyPr rtlCol="0" anchor="ctr"/>
+          <a:lstStyle/>
+          <a:p>
+            <a:pPr algn="ctr"/>
+            <a:endParaRPr lang="en-US"/>
+          </a:p>
+        </p:txBody>
+      </p:sp>
+      <p:sp>
+        <p:nvSpPr>
+          <p:cNvPr id="81" name="Rounded Rectangle 80">
+            <a:extLst>
+              <a:ext uri="{FF2B5EF4-FFF2-40B4-BE49-F238E27FC236}">
+                <a16:creationId xmlns:a16="http://schemas.microsoft.com/office/drawing/2014/main" id="{192A9867-B75A-7045-B25C-1FB797BA193F}"/>
+              </a:ext>
+            </a:extLst>
+          </p:cNvPr>
+          <p:cNvSpPr/>
+          <p:nvPr/>
+        </p:nvSpPr>
+        <p:spPr>
+          <a:xfrm>
+            <a:off x="4143356" y="5698342"/>
+            <a:ext cx="2465242" cy="251517"/>
+          </a:xfrm>
+          <a:prstGeom prst="roundRect">
+            <a:avLst/>
+          </a:prstGeom>
+          <a:solidFill>
+            <a:schemeClr val="bg1"/>
+          </a:solidFill>
+          <a:ln>
+            <a:solidFill>
+              <a:schemeClr val="accent5">
+                <a:lumMod val="50000"/>
+                <a:alpha val="60000"/>
+              </a:schemeClr>
+            </a:solidFill>
+          </a:ln>
+        </p:spPr>
+        <p:style>
+          <a:lnRef idx="2">
+            <a:schemeClr val="accent1">
+              <a:shade val="50000"/>
+            </a:schemeClr>
+          </a:lnRef>
+          <a:fillRef idx="1">
+            <a:schemeClr val="accent1"/>
+          </a:fillRef>
+          <a:effectRef idx="0">
+            <a:schemeClr val="accent1"/>
+          </a:effectRef>
+          <a:fontRef idx="minor">
+            <a:schemeClr val="lt1"/>
+          </a:fontRef>
+        </p:style>
+        <p:txBody>
+          <a:bodyPr rtlCol="0" anchor="ctr"/>
+          <a:lstStyle/>
+          <a:p>
+            <a:pPr algn="ctr"/>
+            <a:endParaRPr lang="en-US"/>
+          </a:p>
+        </p:txBody>
+      </p:sp>
+      <p:sp>
+        <p:nvSpPr>
+          <p:cNvPr id="73" name="Rounded Rectangle 72">
+            <a:extLst>
+              <a:ext uri="{FF2B5EF4-FFF2-40B4-BE49-F238E27FC236}">
+                <a16:creationId xmlns:a16="http://schemas.microsoft.com/office/drawing/2014/main" id="{6626C3B3-8CFC-974F-A000-5D5F3D949203}"/>
+              </a:ext>
+            </a:extLst>
+          </p:cNvPr>
+          <p:cNvSpPr/>
+          <p:nvPr/>
+        </p:nvSpPr>
+        <p:spPr>
+          <a:xfrm>
+            <a:off x="4112889" y="3869377"/>
+            <a:ext cx="2495709" cy="284632"/>
+          </a:xfrm>
+          <a:prstGeom prst="roundRect">
+            <a:avLst/>
+          </a:prstGeom>
+          <a:solidFill>
+            <a:schemeClr val="bg1"/>
+          </a:solidFill>
+          <a:ln>
+            <a:solidFill>
+              <a:schemeClr val="accent5">
+                <a:lumMod val="50000"/>
+                <a:alpha val="60000"/>
+              </a:schemeClr>
+            </a:solidFill>
+          </a:ln>
+        </p:spPr>
+        <p:style>
+          <a:lnRef idx="2">
+            <a:schemeClr val="accent1">
+              <a:shade val="50000"/>
+            </a:schemeClr>
+          </a:lnRef>
+          <a:fillRef idx="1">
+            <a:schemeClr val="accent1"/>
+          </a:fillRef>
+          <a:effectRef idx="0">
+            <a:schemeClr val="accent1"/>
+          </a:effectRef>
+          <a:fontRef idx="minor">
+            <a:schemeClr val="lt1"/>
+          </a:fontRef>
+        </p:style>
+        <p:txBody>
+          <a:bodyPr rtlCol="0" anchor="ctr"/>
+          <a:lstStyle/>
+          <a:p>
+            <a:pPr algn="ctr"/>
+            <a:endParaRPr lang="en-US"/>
+          </a:p>
+        </p:txBody>
+      </p:sp>
+      <p:sp>
+        <p:nvSpPr>
+          <p:cNvPr id="4" name="Rectangle 3">
+            <a:extLst>
+              <a:ext uri="{FF2B5EF4-FFF2-40B4-BE49-F238E27FC236}">
+                <a16:creationId xmlns:a16="http://schemas.microsoft.com/office/drawing/2014/main" id="{23505728-E73D-2346-9C0E-D99372FC729F}"/>
+              </a:ext>
+            </a:extLst>
+          </p:cNvPr>
+          <p:cNvSpPr/>
+          <p:nvPr/>
+        </p:nvSpPr>
+        <p:spPr>
+          <a:xfrm>
+            <a:off x="7698261" y="1027754"/>
+            <a:ext cx="2836474" cy="465351"/>
+          </a:xfrm>
+          <a:prstGeom prst="rect">
+            <a:avLst/>
+          </a:prstGeom>
+          <a:solidFill>
+            <a:schemeClr val="bg1"/>
+          </a:solidFill>
+          <a:ln>
+            <a:noFill/>
+          </a:ln>
+        </p:spPr>
+        <p:style>
+          <a:lnRef idx="2">
+            <a:schemeClr val="accent1">
+              <a:shade val="50000"/>
+            </a:schemeClr>
+          </a:lnRef>
+          <a:fillRef idx="1">
+            <a:schemeClr val="accent1"/>
+          </a:fillRef>
+          <a:effectRef idx="0">
+            <a:schemeClr val="accent1"/>
+          </a:effectRef>
+          <a:fontRef idx="minor">
+            <a:schemeClr val="lt1"/>
+          </a:fontRef>
+        </p:style>
+        <p:txBody>
+          <a:bodyPr rtlCol="0" anchor="ctr"/>
+          <a:lstStyle/>
+          <a:p>
+            <a:pPr algn="ctr"/>
+            <a:endParaRPr lang="en-US"/>
+          </a:p>
+        </p:txBody>
+      </p:sp>
+      <p:sp>
+        <p:nvSpPr>
+          <p:cNvPr id="2" name="Title 1">
+            <a:extLst>
+              <a:ext uri="{FF2B5EF4-FFF2-40B4-BE49-F238E27FC236}">
+                <a16:creationId xmlns:a16="http://schemas.microsoft.com/office/drawing/2014/main" id="{55E1752B-87D4-EC45-9881-EE216676162F}"/>
+              </a:ext>
+            </a:extLst>
+          </p:cNvPr>
+          <p:cNvSpPr>
+            <a:spLocks noGrp="1"/>
+          </p:cNvSpPr>
+          <p:nvPr>
+            <p:ph type="ctrTitle"/>
+          </p:nvPr>
+        </p:nvSpPr>
+        <p:spPr>
+          <a:xfrm>
+            <a:off x="1187669" y="2007"/>
+            <a:ext cx="9144000" cy="906134"/>
+          </a:xfrm>
+        </p:spPr>
+        <p:txBody>
+          <a:bodyPr>
+            <a:normAutofit fontScale="90000"/>
+          </a:bodyPr>
+          <a:lstStyle/>
+          <a:p>
+            <a:r>
+              <a:rPr lang="en-US" sz="3100" dirty="0">
+                <a:latin typeface="Century Gothic" panose="020B0502020202020204" pitchFamily="34" charset="0"/>
+                <a:cs typeface="Calibri Light" panose="020F0302020204030204" pitchFamily="34" charset="0"/>
+              </a:rPr>
+              <a:t>ORDERLY</a:t>
+            </a:r>
+            <a:r>
+              <a:rPr lang="en-US" dirty="0"/>
+              <a:t> </a:t>
+            </a:r>
+          </a:p>
+        </p:txBody>
+      </p:sp>
+      <p:sp>
+        <p:nvSpPr>
+          <p:cNvPr id="3" name="Subtitle 2">
+            <a:extLst>
+              <a:ext uri="{FF2B5EF4-FFF2-40B4-BE49-F238E27FC236}">
+                <a16:creationId xmlns:a16="http://schemas.microsoft.com/office/drawing/2014/main" id="{A4CAEE9F-F789-B743-AEFA-60ADC61D1D11}"/>
+              </a:ext>
+            </a:extLst>
+          </p:cNvPr>
+          <p:cNvSpPr>
+            <a:spLocks noGrp="1"/>
+          </p:cNvSpPr>
+          <p:nvPr>
+            <p:ph type="subTitle" idx="1"/>
+          </p:nvPr>
+        </p:nvSpPr>
+        <p:spPr>
+          <a:xfrm>
+            <a:off x="157655" y="186176"/>
+            <a:ext cx="2659686" cy="444445"/>
+          </a:xfrm>
+        </p:spPr>
+        <p:txBody>
+          <a:bodyPr>
+            <a:normAutofit/>
+          </a:bodyPr>
+          <a:lstStyle/>
+          <a:p>
+            <a:pPr algn="l"/>
+            <a:r>
+              <a:rPr lang="en-US" sz="1500" dirty="0">
+                <a:highlight>
+                  <a:srgbClr val="FFFF00"/>
+                </a:highlight>
+                <a:latin typeface="Century Gothic" panose="020B0502020202020204" pitchFamily="34" charset="0"/>
+              </a:rPr>
+              <a:t>7b. Profile Page: User Edit</a:t>
+            </a:r>
+          </a:p>
+        </p:txBody>
+      </p:sp>
+      <p:sp>
+        <p:nvSpPr>
+          <p:cNvPr id="5" name="Rectangle 4">
+            <a:extLst>
+              <a:ext uri="{FF2B5EF4-FFF2-40B4-BE49-F238E27FC236}">
+                <a16:creationId xmlns:a16="http://schemas.microsoft.com/office/drawing/2014/main" id="{4B5E1DBF-CB34-C746-AFF5-7AE29D21F788}"/>
+              </a:ext>
+            </a:extLst>
+          </p:cNvPr>
+          <p:cNvSpPr/>
+          <p:nvPr/>
+        </p:nvSpPr>
+        <p:spPr>
+          <a:xfrm>
+            <a:off x="6608598" y="418534"/>
+            <a:ext cx="45719" cy="274320"/>
+          </a:xfrm>
+          <a:prstGeom prst="rect">
+            <a:avLst/>
+          </a:prstGeom>
+          <a:solidFill>
+            <a:schemeClr val="accent5">
+              <a:lumMod val="50000"/>
+              <a:alpha val="20000"/>
+            </a:schemeClr>
+          </a:solidFill>
+          <a:ln>
+            <a:noFill/>
+          </a:ln>
+        </p:spPr>
+        <p:style>
+          <a:lnRef idx="2">
+            <a:schemeClr val="accent1">
+              <a:shade val="50000"/>
+            </a:schemeClr>
+          </a:lnRef>
+          <a:fillRef idx="1">
+            <a:schemeClr val="accent1"/>
+          </a:fillRef>
+          <a:effectRef idx="0">
+            <a:schemeClr val="accent1"/>
+          </a:effectRef>
+          <a:fontRef idx="minor">
+            <a:schemeClr val="lt1"/>
+          </a:fontRef>
+        </p:style>
+        <p:txBody>
+          <a:bodyPr rtlCol="0" anchor="ctr"/>
+          <a:lstStyle/>
+          <a:p>
+            <a:pPr algn="ctr"/>
+            <a:endParaRPr lang="en-US"/>
+          </a:p>
+        </p:txBody>
+      </p:sp>
+      <p:sp>
+        <p:nvSpPr>
+          <p:cNvPr id="6" name="Rectangle 5">
+            <a:extLst>
+              <a:ext uri="{FF2B5EF4-FFF2-40B4-BE49-F238E27FC236}">
+                <a16:creationId xmlns:a16="http://schemas.microsoft.com/office/drawing/2014/main" id="{94B30EB6-7035-414F-9866-7F312CF3AA16}"/>
+              </a:ext>
+            </a:extLst>
+          </p:cNvPr>
+          <p:cNvSpPr/>
+          <p:nvPr/>
+        </p:nvSpPr>
+        <p:spPr>
+          <a:xfrm>
+            <a:off x="6760998" y="418534"/>
+            <a:ext cx="45719" cy="274320"/>
+          </a:xfrm>
+          <a:prstGeom prst="rect">
+            <a:avLst/>
+          </a:prstGeom>
+          <a:solidFill>
+            <a:schemeClr val="accent5">
+              <a:lumMod val="50000"/>
+              <a:alpha val="40000"/>
+            </a:schemeClr>
+          </a:solidFill>
+          <a:ln>
+            <a:noFill/>
+          </a:ln>
+        </p:spPr>
+        <p:style>
+          <a:lnRef idx="2">
+            <a:schemeClr val="accent1">
+              <a:shade val="50000"/>
+            </a:schemeClr>
+          </a:lnRef>
+          <a:fillRef idx="1">
+            <a:schemeClr val="accent1"/>
+          </a:fillRef>
+          <a:effectRef idx="0">
+            <a:schemeClr val="accent1"/>
+          </a:effectRef>
+          <a:fontRef idx="minor">
+            <a:schemeClr val="lt1"/>
+          </a:fontRef>
+        </p:style>
+        <p:txBody>
+          <a:bodyPr rtlCol="0" anchor="ctr"/>
+          <a:lstStyle/>
+          <a:p>
+            <a:pPr algn="ctr"/>
+            <a:endParaRPr lang="en-US"/>
+          </a:p>
+        </p:txBody>
+      </p:sp>
+      <p:sp>
+        <p:nvSpPr>
+          <p:cNvPr id="7" name="Rectangle 6">
+            <a:extLst>
+              <a:ext uri="{FF2B5EF4-FFF2-40B4-BE49-F238E27FC236}">
+                <a16:creationId xmlns:a16="http://schemas.microsoft.com/office/drawing/2014/main" id="{BB0DB2B6-3E73-894C-8658-EA6DA444C837}"/>
+              </a:ext>
+            </a:extLst>
+          </p:cNvPr>
+          <p:cNvSpPr/>
+          <p:nvPr/>
+        </p:nvSpPr>
+        <p:spPr>
+          <a:xfrm>
+            <a:off x="6913398" y="418534"/>
+            <a:ext cx="45719" cy="274320"/>
+          </a:xfrm>
+          <a:prstGeom prst="rect">
+            <a:avLst/>
+          </a:prstGeom>
+          <a:solidFill>
+            <a:schemeClr val="accent5">
+              <a:lumMod val="50000"/>
+              <a:alpha val="60000"/>
+            </a:schemeClr>
+          </a:solidFill>
+          <a:ln>
+            <a:noFill/>
+          </a:ln>
+        </p:spPr>
+        <p:style>
+          <a:lnRef idx="2">
+            <a:schemeClr val="accent1">
+              <a:shade val="50000"/>
+            </a:schemeClr>
+          </a:lnRef>
+          <a:fillRef idx="1">
+            <a:schemeClr val="accent1"/>
+          </a:fillRef>
+          <a:effectRef idx="0">
+            <a:schemeClr val="accent1"/>
+          </a:effectRef>
+          <a:fontRef idx="minor">
+            <a:schemeClr val="lt1"/>
+          </a:fontRef>
+        </p:style>
+        <p:txBody>
+          <a:bodyPr rtlCol="0" anchor="ctr"/>
+          <a:lstStyle/>
+          <a:p>
+            <a:pPr algn="ctr"/>
+            <a:endParaRPr lang="en-US"/>
+          </a:p>
+        </p:txBody>
+      </p:sp>
+      <p:sp>
+        <p:nvSpPr>
+          <p:cNvPr id="8" name="Rectangle 7">
+            <a:extLst>
+              <a:ext uri="{FF2B5EF4-FFF2-40B4-BE49-F238E27FC236}">
+                <a16:creationId xmlns:a16="http://schemas.microsoft.com/office/drawing/2014/main" id="{34C4CF47-CD5D-A649-B86D-DFAE589BEDBE}"/>
+              </a:ext>
+            </a:extLst>
+          </p:cNvPr>
+          <p:cNvSpPr/>
+          <p:nvPr/>
+        </p:nvSpPr>
+        <p:spPr>
+          <a:xfrm>
+            <a:off x="7065798" y="418534"/>
+            <a:ext cx="45719" cy="274320"/>
+          </a:xfrm>
+          <a:prstGeom prst="rect">
+            <a:avLst/>
+          </a:prstGeom>
+          <a:solidFill>
+            <a:schemeClr val="accent5">
+              <a:lumMod val="50000"/>
+              <a:alpha val="80000"/>
+            </a:schemeClr>
+          </a:solidFill>
+          <a:ln>
+            <a:noFill/>
+          </a:ln>
+        </p:spPr>
+        <p:style>
+          <a:lnRef idx="2">
+            <a:schemeClr val="accent1">
+              <a:shade val="50000"/>
+            </a:schemeClr>
+          </a:lnRef>
+          <a:fillRef idx="1">
+            <a:schemeClr val="accent1"/>
+          </a:fillRef>
+          <a:effectRef idx="0">
+            <a:schemeClr val="accent1"/>
+          </a:effectRef>
+          <a:fontRef idx="minor">
+            <a:schemeClr val="lt1"/>
+          </a:fontRef>
+        </p:style>
+        <p:txBody>
+          <a:bodyPr rtlCol="0" anchor="ctr"/>
+          <a:lstStyle/>
+          <a:p>
+            <a:pPr algn="ctr"/>
+            <a:endParaRPr lang="en-US"/>
+          </a:p>
+        </p:txBody>
+      </p:sp>
+      <p:sp>
+        <p:nvSpPr>
+          <p:cNvPr id="9" name="Rectangle 8">
+            <a:extLst>
+              <a:ext uri="{FF2B5EF4-FFF2-40B4-BE49-F238E27FC236}">
+                <a16:creationId xmlns:a16="http://schemas.microsoft.com/office/drawing/2014/main" id="{27A53EAC-8624-7047-B16D-1E6AC5B31C92}"/>
+              </a:ext>
+            </a:extLst>
+          </p:cNvPr>
+          <p:cNvSpPr/>
+          <p:nvPr/>
+        </p:nvSpPr>
+        <p:spPr>
+          <a:xfrm>
+            <a:off x="7218198" y="418534"/>
+            <a:ext cx="45719" cy="274320"/>
+          </a:xfrm>
+          <a:prstGeom prst="rect">
+            <a:avLst/>
+          </a:prstGeom>
+          <a:solidFill>
+            <a:schemeClr val="accent5">
+              <a:lumMod val="50000"/>
+            </a:schemeClr>
+          </a:solidFill>
+          <a:ln>
+            <a:noFill/>
+          </a:ln>
+        </p:spPr>
+        <p:style>
+          <a:lnRef idx="2">
+            <a:schemeClr val="accent1">
+              <a:shade val="50000"/>
+            </a:schemeClr>
+          </a:lnRef>
+          <a:fillRef idx="1">
+            <a:schemeClr val="accent1"/>
+          </a:fillRef>
+          <a:effectRef idx="0">
+            <a:schemeClr val="accent1"/>
+          </a:effectRef>
+          <a:fontRef idx="minor">
+            <a:schemeClr val="lt1"/>
+          </a:fontRef>
+        </p:style>
+        <p:txBody>
+          <a:bodyPr rtlCol="0" anchor="ctr"/>
+          <a:lstStyle/>
+          <a:p>
+            <a:pPr algn="ctr"/>
+            <a:endParaRPr lang="en-US"/>
+          </a:p>
+        </p:txBody>
+      </p:sp>
+      <p:cxnSp>
+        <p:nvCxnSpPr>
+          <p:cNvPr id="11" name="Straight Connector 10">
+            <a:extLst>
+              <a:ext uri="{FF2B5EF4-FFF2-40B4-BE49-F238E27FC236}">
+                <a16:creationId xmlns:a16="http://schemas.microsoft.com/office/drawing/2014/main" id="{56B3A37D-1EE8-B84C-9761-A1714E2D2220}"/>
+              </a:ext>
+            </a:extLst>
+          </p:cNvPr>
+          <p:cNvCxnSpPr>
+            <a:cxnSpLocks/>
+          </p:cNvCxnSpPr>
+          <p:nvPr/>
+        </p:nvCxnSpPr>
+        <p:spPr>
+          <a:xfrm>
+            <a:off x="1859895" y="908141"/>
+            <a:ext cx="8587946" cy="0"/>
+          </a:xfrm>
+          <a:prstGeom prst="line">
+            <a:avLst/>
+          </a:prstGeom>
+          <a:ln>
+            <a:solidFill>
+              <a:schemeClr val="accent5">
+                <a:lumMod val="50000"/>
+                <a:alpha val="60000"/>
+              </a:schemeClr>
+            </a:solidFill>
+          </a:ln>
+        </p:spPr>
+        <p:style>
+          <a:lnRef idx="1">
+            <a:schemeClr val="accent1"/>
+          </a:lnRef>
+          <a:fillRef idx="0">
+            <a:schemeClr val="accent1"/>
+          </a:fillRef>
+          <a:effectRef idx="0">
+            <a:schemeClr val="accent1"/>
+          </a:effectRef>
+          <a:fontRef idx="minor">
+            <a:schemeClr val="tx1"/>
+          </a:fontRef>
+        </p:style>
+      </p:cxnSp>
+      <p:sp>
+        <p:nvSpPr>
+          <p:cNvPr id="36" name="AutoShape 4">
+            <a:extLst>
+              <a:ext uri="{FF2B5EF4-FFF2-40B4-BE49-F238E27FC236}">
+                <a16:creationId xmlns:a16="http://schemas.microsoft.com/office/drawing/2014/main" id="{B53FF64E-D9F7-4E45-8F96-E4E6F71EEA9C}"/>
+              </a:ext>
+            </a:extLst>
+          </p:cNvPr>
+          <p:cNvSpPr>
+            <a:spLocks noChangeAspect="1" noChangeArrowheads="1"/>
+          </p:cNvSpPr>
+          <p:nvPr/>
+        </p:nvSpPr>
+        <p:spPr bwMode="auto">
+          <a:xfrm>
+            <a:off x="5943600" y="1493108"/>
+            <a:ext cx="2088292" cy="2088292"/>
+          </a:xfrm>
+          <a:prstGeom prst="rect">
+            <a:avLst/>
+          </a:prstGeom>
+          <a:noFill/>
+          <a:extLst>
+            <a:ext uri="{909E8E84-426E-40DD-AFC4-6F175D3DCCD1}">
+              <a14:hiddenFill xmlns:a14="http://schemas.microsoft.com/office/drawing/2010/main">
+                <a:solidFill>
+                  <a:srgbClr val="FFFFFF"/>
+                </a:solidFill>
+              </a14:hiddenFill>
+            </a:ext>
+          </a:extLst>
+        </p:spPr>
+        <p:txBody>
+          <a:bodyPr vert="horz" wrap="square" lIns="91440" tIns="45720" rIns="91440" bIns="45720" numCol="1" anchor="t" anchorCtr="0" compatLnSpc="1">
+            <a:prstTxWarp prst="textNoShape">
+              <a:avLst/>
+            </a:prstTxWarp>
+          </a:bodyPr>
+          <a:lstStyle/>
+          <a:p>
+            <a:endParaRPr lang="en-US"/>
+          </a:p>
+        </p:txBody>
+      </p:sp>
+      <p:cxnSp>
+        <p:nvCxnSpPr>
+          <p:cNvPr id="59" name="Straight Connector 58">
+            <a:extLst>
+              <a:ext uri="{FF2B5EF4-FFF2-40B4-BE49-F238E27FC236}">
+                <a16:creationId xmlns:a16="http://schemas.microsoft.com/office/drawing/2014/main" id="{726A8A7D-4D0C-9B42-92F2-E26136663BE5}"/>
+              </a:ext>
+            </a:extLst>
+          </p:cNvPr>
+          <p:cNvCxnSpPr>
+            <a:cxnSpLocks/>
+          </p:cNvCxnSpPr>
+          <p:nvPr/>
+        </p:nvCxnSpPr>
+        <p:spPr>
+          <a:xfrm>
+            <a:off x="7698261" y="1019354"/>
+            <a:ext cx="0" cy="5769969"/>
+          </a:xfrm>
+          <a:prstGeom prst="line">
+            <a:avLst/>
+          </a:prstGeom>
+          <a:ln>
+            <a:solidFill>
+              <a:schemeClr val="accent5">
+                <a:lumMod val="50000"/>
+                <a:alpha val="60000"/>
+              </a:schemeClr>
+            </a:solidFill>
+          </a:ln>
+        </p:spPr>
+        <p:style>
+          <a:lnRef idx="1">
+            <a:schemeClr val="accent1"/>
+          </a:lnRef>
+          <a:fillRef idx="0">
+            <a:schemeClr val="accent1"/>
+          </a:fillRef>
+          <a:effectRef idx="0">
+            <a:schemeClr val="accent1"/>
+          </a:effectRef>
+          <a:fontRef idx="minor">
+            <a:schemeClr val="tx1"/>
+          </a:fontRef>
+        </p:style>
+      </p:cxnSp>
+      <p:sp>
+        <p:nvSpPr>
+          <p:cNvPr id="87" name="Rounded Rectangle 86">
+            <a:extLst>
+              <a:ext uri="{FF2B5EF4-FFF2-40B4-BE49-F238E27FC236}">
+                <a16:creationId xmlns:a16="http://schemas.microsoft.com/office/drawing/2014/main" id="{1CB1442B-34D6-7044-886C-69425846CF54}"/>
+              </a:ext>
+            </a:extLst>
+          </p:cNvPr>
+          <p:cNvSpPr/>
+          <p:nvPr/>
+        </p:nvSpPr>
+        <p:spPr>
+          <a:xfrm>
+            <a:off x="4325248" y="1181073"/>
+            <a:ext cx="3125876" cy="1910022"/>
+          </a:xfrm>
+          <a:prstGeom prst="roundRect">
+            <a:avLst/>
+          </a:prstGeom>
+          <a:solidFill>
+            <a:schemeClr val="bg1"/>
+          </a:solidFill>
+          <a:ln>
+            <a:solidFill>
+              <a:schemeClr val="accent5">
+                <a:lumMod val="50000"/>
+                <a:alpha val="60000"/>
+              </a:schemeClr>
+            </a:solidFill>
+          </a:ln>
+        </p:spPr>
+        <p:style>
+          <a:lnRef idx="2">
+            <a:schemeClr val="accent1">
+              <a:shade val="50000"/>
+            </a:schemeClr>
+          </a:lnRef>
+          <a:fillRef idx="1">
+            <a:schemeClr val="accent1"/>
+          </a:fillRef>
+          <a:effectRef idx="0">
+            <a:schemeClr val="accent1"/>
+          </a:effectRef>
+          <a:fontRef idx="minor">
+            <a:schemeClr val="lt1"/>
+          </a:fontRef>
+        </p:style>
+        <p:txBody>
+          <a:bodyPr rtlCol="0" anchor="ctr"/>
+          <a:lstStyle/>
+          <a:p>
+            <a:r>
+              <a:rPr lang="en-US" dirty="0">
+                <a:solidFill>
+                  <a:schemeClr val="tx1"/>
+                </a:solidFill>
+                <a:latin typeface="Century Gothic" panose="020B0502020202020204" pitchFamily="34" charset="0"/>
+              </a:rPr>
+              <a:t>Hi! I’m Meghan. I’m a graduate student living in DC trying to manage life and work in my tiny apartment. </a:t>
+            </a:r>
+          </a:p>
+        </p:txBody>
+      </p:sp>
+      <p:pic>
+        <p:nvPicPr>
+          <p:cNvPr id="1026" name="Picture 2" descr="woman standing near body of water">
+            <a:extLst>
+              <a:ext uri="{FF2B5EF4-FFF2-40B4-BE49-F238E27FC236}">
+                <a16:creationId xmlns:a16="http://schemas.microsoft.com/office/drawing/2014/main" id="{07210AA7-4744-8040-92CB-A8E58A85BBD1}"/>
+              </a:ext>
+            </a:extLst>
+          </p:cNvPr>
+          <p:cNvPicPr>
+            <a:picLocks noChangeArrowheads="1"/>
+          </p:cNvPicPr>
+          <p:nvPr/>
+        </p:nvPicPr>
+        <p:blipFill rotWithShape="1">
+          <a:blip r:embed="rId3">
+            <a:extLst>
+              <a:ext uri="{28A0092B-C50C-407E-A947-70E740481C1C}">
+                <a14:useLocalDpi xmlns:a14="http://schemas.microsoft.com/office/drawing/2010/main" val="0"/>
+              </a:ext>
+            </a:extLst>
+          </a:blip>
+          <a:srcRect l="31757"/>
+          <a:stretch/>
+        </p:blipFill>
+        <p:spPr bwMode="auto">
+          <a:xfrm>
+            <a:off x="2162432" y="1262301"/>
+            <a:ext cx="1828800" cy="1828800"/>
+          </a:xfrm>
+          <a:prstGeom prst="ellipse">
+            <a:avLst/>
+          </a:prstGeom>
+          <a:noFill/>
+          <a:extLst>
+            <a:ext uri="{909E8E84-426E-40DD-AFC4-6F175D3DCCD1}">
+              <a14:hiddenFill xmlns:a14="http://schemas.microsoft.com/office/drawing/2010/main">
+                <a:solidFill>
+                  <a:srgbClr val="FFFFFF"/>
+                </a:solidFill>
+              </a14:hiddenFill>
+            </a:ext>
+          </a:extLst>
+        </p:spPr>
+      </p:pic>
+      <p:sp>
+        <p:nvSpPr>
+          <p:cNvPr id="63" name="TextBox 62">
+            <a:extLst>
+              <a:ext uri="{FF2B5EF4-FFF2-40B4-BE49-F238E27FC236}">
+                <a16:creationId xmlns:a16="http://schemas.microsoft.com/office/drawing/2014/main" id="{C19A7D26-2704-8947-9634-FCD33517484D}"/>
+              </a:ext>
+            </a:extLst>
+          </p:cNvPr>
+          <p:cNvSpPr txBox="1"/>
+          <p:nvPr/>
+        </p:nvSpPr>
+        <p:spPr>
+          <a:xfrm>
+            <a:off x="2154486" y="3172718"/>
+            <a:ext cx="3407629" cy="323165"/>
+          </a:xfrm>
+          <a:prstGeom prst="rect">
+            <a:avLst/>
+          </a:prstGeom>
+          <a:noFill/>
+          <a:ln>
+            <a:noFill/>
+          </a:ln>
+        </p:spPr>
+        <p:txBody>
+          <a:bodyPr wrap="square" rtlCol="0">
+            <a:spAutoFit/>
+          </a:bodyPr>
+          <a:lstStyle/>
+          <a:p>
+            <a:r>
+              <a:rPr lang="en-US" sz="1500" dirty="0">
+                <a:solidFill>
+                  <a:schemeClr val="accent5">
+                    <a:lumMod val="50000"/>
+                  </a:schemeClr>
+                </a:solidFill>
+                <a:latin typeface="Century Gothic" panose="020B0502020202020204" pitchFamily="34" charset="0"/>
+              </a:rPr>
+              <a:t>Edit profile picture</a:t>
+            </a:r>
+          </a:p>
+        </p:txBody>
+      </p:sp>
+      <p:sp>
+        <p:nvSpPr>
+          <p:cNvPr id="65" name="TextBox 64">
+            <a:extLst>
+              <a:ext uri="{FF2B5EF4-FFF2-40B4-BE49-F238E27FC236}">
+                <a16:creationId xmlns:a16="http://schemas.microsoft.com/office/drawing/2014/main" id="{86DB751D-4A98-A944-9405-90E08F978BC5}"/>
+              </a:ext>
+            </a:extLst>
+          </p:cNvPr>
+          <p:cNvSpPr txBox="1"/>
+          <p:nvPr/>
+        </p:nvSpPr>
+        <p:spPr>
+          <a:xfrm>
+            <a:off x="2162432" y="3829334"/>
+            <a:ext cx="1890582" cy="2169825"/>
+          </a:xfrm>
+          <a:prstGeom prst="rect">
+            <a:avLst/>
+          </a:prstGeom>
+          <a:noFill/>
+        </p:spPr>
+        <p:txBody>
+          <a:bodyPr wrap="square" rtlCol="0">
+            <a:spAutoFit/>
+          </a:bodyPr>
+          <a:lstStyle/>
+          <a:p>
+            <a:pPr algn="r"/>
+            <a:r>
+              <a:rPr lang="en-US" sz="1500" dirty="0">
+                <a:solidFill>
+                  <a:schemeClr val="accent5">
+                    <a:lumMod val="50000"/>
+                  </a:schemeClr>
+                </a:solidFill>
+                <a:latin typeface="Century Gothic" panose="020B0502020202020204" pitchFamily="34" charset="0"/>
+              </a:rPr>
+              <a:t>Name</a:t>
+            </a:r>
+          </a:p>
+          <a:p>
+            <a:pPr algn="r"/>
+            <a:endParaRPr lang="en-US" sz="1500" dirty="0">
+              <a:solidFill>
+                <a:schemeClr val="accent5">
+                  <a:lumMod val="50000"/>
+                </a:schemeClr>
+              </a:solidFill>
+              <a:latin typeface="Century Gothic" panose="020B0502020202020204" pitchFamily="34" charset="0"/>
+            </a:endParaRPr>
+          </a:p>
+          <a:p>
+            <a:pPr algn="r"/>
+            <a:r>
+              <a:rPr lang="en-US" sz="1500" dirty="0">
+                <a:solidFill>
+                  <a:schemeClr val="accent5">
+                    <a:lumMod val="50000"/>
+                  </a:schemeClr>
+                </a:solidFill>
+                <a:latin typeface="Century Gothic" panose="020B0502020202020204" pitchFamily="34" charset="0"/>
+              </a:rPr>
+              <a:t>Username</a:t>
+            </a:r>
+          </a:p>
+          <a:p>
+            <a:pPr algn="r"/>
+            <a:endParaRPr lang="en-US" sz="1500" dirty="0">
+              <a:solidFill>
+                <a:schemeClr val="accent5">
+                  <a:lumMod val="50000"/>
+                </a:schemeClr>
+              </a:solidFill>
+              <a:latin typeface="Century Gothic" panose="020B0502020202020204" pitchFamily="34" charset="0"/>
+            </a:endParaRPr>
+          </a:p>
+          <a:p>
+            <a:pPr algn="r"/>
+            <a:r>
+              <a:rPr lang="en-US" sz="1500" dirty="0">
+                <a:solidFill>
+                  <a:schemeClr val="accent5">
+                    <a:lumMod val="50000"/>
+                  </a:schemeClr>
+                </a:solidFill>
+                <a:latin typeface="Century Gothic" panose="020B0502020202020204" pitchFamily="34" charset="0"/>
+              </a:rPr>
+              <a:t>Email</a:t>
+            </a:r>
+          </a:p>
+          <a:p>
+            <a:pPr algn="r"/>
+            <a:endParaRPr lang="en-US" sz="1500" dirty="0">
+              <a:solidFill>
+                <a:schemeClr val="accent5">
+                  <a:lumMod val="50000"/>
+                </a:schemeClr>
+              </a:solidFill>
+              <a:latin typeface="Century Gothic" panose="020B0502020202020204" pitchFamily="34" charset="0"/>
+            </a:endParaRPr>
+          </a:p>
+          <a:p>
+            <a:pPr algn="r"/>
+            <a:r>
+              <a:rPr lang="en-US" sz="1500" dirty="0">
+                <a:solidFill>
+                  <a:schemeClr val="accent5">
+                    <a:lumMod val="50000"/>
+                  </a:schemeClr>
+                </a:solidFill>
+                <a:latin typeface="Century Gothic" panose="020B0502020202020204" pitchFamily="34" charset="0"/>
+              </a:rPr>
+              <a:t>City</a:t>
+            </a:r>
+          </a:p>
+          <a:p>
+            <a:pPr algn="r"/>
+            <a:endParaRPr lang="en-US" sz="1500" dirty="0">
+              <a:solidFill>
+                <a:schemeClr val="accent5">
+                  <a:lumMod val="50000"/>
+                </a:schemeClr>
+              </a:solidFill>
+              <a:latin typeface="Century Gothic" panose="020B0502020202020204" pitchFamily="34" charset="0"/>
+            </a:endParaRPr>
+          </a:p>
+          <a:p>
+            <a:pPr algn="r"/>
+            <a:r>
+              <a:rPr lang="en-US" sz="1500" dirty="0">
+                <a:solidFill>
+                  <a:schemeClr val="accent5">
+                    <a:lumMod val="50000"/>
+                  </a:schemeClr>
+                </a:solidFill>
+                <a:latin typeface="Century Gothic" panose="020B0502020202020204" pitchFamily="34" charset="0"/>
+              </a:rPr>
+              <a:t>Occupation</a:t>
+            </a:r>
+          </a:p>
+        </p:txBody>
+      </p:sp>
+      <p:sp>
+        <p:nvSpPr>
+          <p:cNvPr id="68" name="TextBox 67">
+            <a:extLst>
+              <a:ext uri="{FF2B5EF4-FFF2-40B4-BE49-F238E27FC236}">
+                <a16:creationId xmlns:a16="http://schemas.microsoft.com/office/drawing/2014/main" id="{914D7C54-E0C8-3649-8A8A-CC05D0B73DF1}"/>
+              </a:ext>
+            </a:extLst>
+          </p:cNvPr>
+          <p:cNvSpPr txBox="1"/>
+          <p:nvPr/>
+        </p:nvSpPr>
+        <p:spPr>
+          <a:xfrm>
+            <a:off x="4073264" y="3829334"/>
+            <a:ext cx="2687731" cy="2169825"/>
+          </a:xfrm>
+          <a:prstGeom prst="rect">
+            <a:avLst/>
+          </a:prstGeom>
+          <a:noFill/>
+        </p:spPr>
+        <p:txBody>
+          <a:bodyPr wrap="square" rtlCol="0">
+            <a:spAutoFit/>
+          </a:bodyPr>
+          <a:lstStyle/>
+          <a:p>
+            <a:r>
+              <a:rPr lang="en-US" sz="1500" dirty="0">
+                <a:latin typeface="Century Gothic" panose="020B0502020202020204" pitchFamily="34" charset="0"/>
+              </a:rPr>
+              <a:t>Meghan Lee</a:t>
+            </a:r>
+          </a:p>
+          <a:p>
+            <a:endParaRPr lang="en-US" sz="1500" dirty="0">
+              <a:latin typeface="Century Gothic" panose="020B0502020202020204" pitchFamily="34" charset="0"/>
+            </a:endParaRPr>
+          </a:p>
+          <a:p>
+            <a:r>
+              <a:rPr lang="en-US" sz="1500" dirty="0">
+                <a:latin typeface="Century Gothic" panose="020B0502020202020204" pitchFamily="34" charset="0"/>
+              </a:rPr>
+              <a:t>shoe_lover</a:t>
+            </a:r>
+          </a:p>
+          <a:p>
+            <a:endParaRPr lang="en-US" sz="1500" dirty="0">
+              <a:latin typeface="Century Gothic" panose="020B0502020202020204" pitchFamily="34" charset="0"/>
+            </a:endParaRPr>
+          </a:p>
+          <a:p>
+            <a:r>
+              <a:rPr lang="en-US" sz="1500" dirty="0">
+                <a:latin typeface="Century Gothic" panose="020B0502020202020204" pitchFamily="34" charset="0"/>
+              </a:rPr>
+              <a:t>MeghanLee@email.com</a:t>
+            </a:r>
+          </a:p>
+          <a:p>
+            <a:endParaRPr lang="en-US" sz="1500" dirty="0">
+              <a:latin typeface="Century Gothic" panose="020B0502020202020204" pitchFamily="34" charset="0"/>
+            </a:endParaRPr>
+          </a:p>
+          <a:p>
+            <a:r>
+              <a:rPr lang="en-US" sz="1500" dirty="0">
+                <a:latin typeface="Century Gothic" panose="020B0502020202020204" pitchFamily="34" charset="0"/>
+              </a:rPr>
+              <a:t>Washington DC</a:t>
+            </a:r>
+          </a:p>
+          <a:p>
+            <a:endParaRPr lang="en-US" sz="1500" dirty="0">
+              <a:latin typeface="Century Gothic" panose="020B0502020202020204" pitchFamily="34" charset="0"/>
+            </a:endParaRPr>
+          </a:p>
+          <a:p>
+            <a:r>
+              <a:rPr lang="en-US" sz="1500" dirty="0">
+                <a:latin typeface="Century Gothic" panose="020B0502020202020204" pitchFamily="34" charset="0"/>
+              </a:rPr>
+              <a:t>Graduate student</a:t>
+            </a:r>
+          </a:p>
+        </p:txBody>
+      </p:sp>
+      <p:sp>
+        <p:nvSpPr>
+          <p:cNvPr id="70" name="Rectangle 69">
+            <a:extLst>
+              <a:ext uri="{FF2B5EF4-FFF2-40B4-BE49-F238E27FC236}">
+                <a16:creationId xmlns:a16="http://schemas.microsoft.com/office/drawing/2014/main" id="{1D56833C-9CDF-5844-94F0-D3C1BEAF5A4B}"/>
+              </a:ext>
+            </a:extLst>
+          </p:cNvPr>
+          <p:cNvSpPr/>
+          <p:nvPr/>
+        </p:nvSpPr>
+        <p:spPr>
+          <a:xfrm>
+            <a:off x="7729142" y="3438987"/>
+            <a:ext cx="2836474" cy="465351"/>
+          </a:xfrm>
+          <a:prstGeom prst="rect">
+            <a:avLst/>
+          </a:prstGeom>
+          <a:solidFill>
+            <a:schemeClr val="bg1"/>
+          </a:solidFill>
+          <a:ln>
+            <a:noFill/>
+          </a:ln>
+        </p:spPr>
+        <p:style>
+          <a:lnRef idx="2">
+            <a:schemeClr val="accent1">
+              <a:shade val="50000"/>
+            </a:schemeClr>
+          </a:lnRef>
+          <a:fillRef idx="1">
+            <a:schemeClr val="accent1"/>
+          </a:fillRef>
+          <a:effectRef idx="0">
+            <a:schemeClr val="accent1"/>
+          </a:effectRef>
+          <a:fontRef idx="minor">
+            <a:schemeClr val="lt1"/>
+          </a:fontRef>
+        </p:style>
+        <p:txBody>
+          <a:bodyPr rtlCol="0" anchor="ctr"/>
+          <a:lstStyle/>
+          <a:p>
+            <a:pPr algn="ctr"/>
+            <a:endParaRPr lang="en-US"/>
+          </a:p>
+        </p:txBody>
+      </p:sp>
+      <p:sp>
+        <p:nvSpPr>
+          <p:cNvPr id="69" name="TextBox 68">
+            <a:extLst>
+              <a:ext uri="{FF2B5EF4-FFF2-40B4-BE49-F238E27FC236}">
+                <a16:creationId xmlns:a16="http://schemas.microsoft.com/office/drawing/2014/main" id="{F2F231B0-D956-AC4C-9BF6-1A918FF7557F}"/>
+              </a:ext>
+            </a:extLst>
+          </p:cNvPr>
+          <p:cNvSpPr txBox="1"/>
+          <p:nvPr/>
+        </p:nvSpPr>
+        <p:spPr>
+          <a:xfrm>
+            <a:off x="7962009" y="1135281"/>
+            <a:ext cx="2300857" cy="4031873"/>
+          </a:xfrm>
+          <a:prstGeom prst="rect">
+            <a:avLst/>
+          </a:prstGeom>
+          <a:noFill/>
+        </p:spPr>
+        <p:txBody>
+          <a:bodyPr wrap="square" rtlCol="0">
+            <a:spAutoFit/>
+          </a:bodyPr>
+          <a:lstStyle/>
+          <a:p>
+            <a:r>
+              <a:rPr lang="en-US" sz="1400" b="1" dirty="0">
+                <a:latin typeface="Century Gothic" panose="020B0502020202020204" pitchFamily="34" charset="0"/>
+              </a:rPr>
+              <a:t>Followers</a:t>
+            </a:r>
+          </a:p>
+          <a:p>
+            <a:endParaRPr lang="en-US" sz="1200" dirty="0">
+              <a:latin typeface="Century Gothic" panose="020B0502020202020204" pitchFamily="34" charset="0"/>
+            </a:endParaRPr>
+          </a:p>
+          <a:p>
+            <a:r>
+              <a:rPr lang="en-US" sz="1200" dirty="0">
+                <a:latin typeface="Century Gothic" panose="020B0502020202020204" pitchFamily="34" charset="0"/>
+              </a:rPr>
+              <a:t>order_love_79</a:t>
+            </a:r>
+          </a:p>
+          <a:p>
+            <a:endParaRPr lang="en-US" sz="1200" dirty="0">
+              <a:latin typeface="Century Gothic" panose="020B0502020202020204" pitchFamily="34" charset="0"/>
+            </a:endParaRPr>
+          </a:p>
+          <a:p>
+            <a:r>
+              <a:rPr lang="en-US" sz="1200" dirty="0">
+                <a:latin typeface="Century Gothic" panose="020B0502020202020204" pitchFamily="34" charset="0"/>
+              </a:rPr>
+              <a:t>headtubes</a:t>
+            </a:r>
+          </a:p>
+          <a:p>
+            <a:endParaRPr lang="en-US" sz="1200" dirty="0">
+              <a:latin typeface="Century Gothic" panose="020B0502020202020204" pitchFamily="34" charset="0"/>
+            </a:endParaRPr>
+          </a:p>
+          <a:p>
+            <a:r>
+              <a:rPr lang="en-US" sz="1200" dirty="0">
+                <a:latin typeface="Century Gothic" panose="020B0502020202020204" pitchFamily="34" charset="0"/>
+              </a:rPr>
+              <a:t>at_home_lawyer</a:t>
+            </a:r>
+          </a:p>
+          <a:p>
+            <a:endParaRPr lang="en-US" sz="1200" dirty="0">
+              <a:latin typeface="Century Gothic" panose="020B0502020202020204" pitchFamily="34" charset="0"/>
+            </a:endParaRPr>
+          </a:p>
+          <a:p>
+            <a:endParaRPr lang="en-US" sz="1200" dirty="0">
+              <a:latin typeface="Century Gothic" panose="020B0502020202020204" pitchFamily="34" charset="0"/>
+            </a:endParaRPr>
+          </a:p>
+          <a:p>
+            <a:endParaRPr lang="en-US" sz="1200" dirty="0">
+              <a:latin typeface="Century Gothic" panose="020B0502020202020204" pitchFamily="34" charset="0"/>
+            </a:endParaRPr>
+          </a:p>
+          <a:p>
+            <a:endParaRPr lang="en-US" sz="1200" dirty="0">
+              <a:latin typeface="Century Gothic" panose="020B0502020202020204" pitchFamily="34" charset="0"/>
+            </a:endParaRPr>
+          </a:p>
+          <a:p>
+            <a:endParaRPr lang="en-US" sz="1200" dirty="0">
+              <a:latin typeface="Century Gothic" panose="020B0502020202020204" pitchFamily="34" charset="0"/>
+            </a:endParaRPr>
+          </a:p>
+          <a:p>
+            <a:endParaRPr lang="en-US" sz="1200" dirty="0">
+              <a:latin typeface="Century Gothic" panose="020B0502020202020204" pitchFamily="34" charset="0"/>
+            </a:endParaRPr>
+          </a:p>
+          <a:p>
+            <a:r>
+              <a:rPr lang="en-US" sz="1400" b="1" dirty="0">
+                <a:latin typeface="Century Gothic" panose="020B0502020202020204" pitchFamily="34" charset="0"/>
+              </a:rPr>
+              <a:t>Following</a:t>
+            </a:r>
+          </a:p>
+          <a:p>
+            <a:endParaRPr lang="en-US" sz="1200" dirty="0">
+              <a:latin typeface="Century Gothic" panose="020B0502020202020204" pitchFamily="34" charset="0"/>
+            </a:endParaRPr>
+          </a:p>
+          <a:p>
+            <a:r>
+              <a:rPr lang="en-US" sz="1200" dirty="0">
+                <a:latin typeface="Century Gothic" panose="020B0502020202020204" pitchFamily="34" charset="0"/>
+              </a:rPr>
+              <a:t>home_trainer</a:t>
+            </a:r>
+          </a:p>
+          <a:p>
+            <a:endParaRPr lang="en-US" sz="1200" dirty="0">
+              <a:latin typeface="Century Gothic" panose="020B0502020202020204" pitchFamily="34" charset="0"/>
+            </a:endParaRPr>
+          </a:p>
+          <a:p>
+            <a:r>
+              <a:rPr lang="en-US" sz="1200" dirty="0">
+                <a:latin typeface="Century Gothic" panose="020B0502020202020204" pitchFamily="34" charset="0"/>
+              </a:rPr>
+              <a:t>distance_learning_momma</a:t>
+            </a:r>
+          </a:p>
+          <a:p>
+            <a:endParaRPr lang="en-US" sz="1200" dirty="0">
+              <a:latin typeface="Century Gothic" panose="020B0502020202020204" pitchFamily="34" charset="0"/>
+            </a:endParaRPr>
+          </a:p>
+          <a:p>
+            <a:endParaRPr lang="en-US" sz="1200" dirty="0">
+              <a:latin typeface="Century Gothic" panose="020B0502020202020204" pitchFamily="34" charset="0"/>
+            </a:endParaRPr>
+          </a:p>
+          <a:p>
+            <a:endParaRPr lang="en-US" sz="1200" dirty="0">
+              <a:latin typeface="Century Gothic" panose="020B0502020202020204" pitchFamily="34" charset="0"/>
+            </a:endParaRPr>
+          </a:p>
+        </p:txBody>
+      </p:sp>
+      <p:sp>
+        <p:nvSpPr>
+          <p:cNvPr id="72" name="Rounded Rectangle 71">
+            <a:extLst>
+              <a:ext uri="{FF2B5EF4-FFF2-40B4-BE49-F238E27FC236}">
+                <a16:creationId xmlns:a16="http://schemas.microsoft.com/office/drawing/2014/main" id="{E0857913-B43F-AC47-AA70-340D41562FF5}"/>
+              </a:ext>
+            </a:extLst>
+          </p:cNvPr>
+          <p:cNvSpPr/>
+          <p:nvPr/>
+        </p:nvSpPr>
+        <p:spPr>
+          <a:xfrm>
+            <a:off x="4137178" y="6173405"/>
+            <a:ext cx="1449219" cy="318410"/>
+          </a:xfrm>
+          <a:prstGeom prst="roundRect">
+            <a:avLst/>
+          </a:prstGeom>
+          <a:solidFill>
+            <a:schemeClr val="accent5">
+              <a:lumMod val="50000"/>
+            </a:schemeClr>
+          </a:solidFill>
+          <a:ln>
+            <a:noFill/>
+          </a:ln>
+        </p:spPr>
+        <p:style>
+          <a:lnRef idx="2">
+            <a:schemeClr val="accent1">
+              <a:shade val="50000"/>
+            </a:schemeClr>
+          </a:lnRef>
+          <a:fillRef idx="1">
+            <a:schemeClr val="accent1"/>
+          </a:fillRef>
+          <a:effectRef idx="0">
+            <a:schemeClr val="accent1"/>
+          </a:effectRef>
+          <a:fontRef idx="minor">
+            <a:schemeClr val="lt1"/>
+          </a:fontRef>
+        </p:style>
+        <p:txBody>
+          <a:bodyPr rtlCol="0" anchor="ctr"/>
+          <a:lstStyle/>
+          <a:p>
+            <a:pPr algn="ctr"/>
+            <a:r>
+              <a:rPr lang="en-US" sz="1200" dirty="0">
+                <a:latin typeface="Century Gothic" panose="020B0502020202020204" pitchFamily="34" charset="0"/>
+              </a:rPr>
+              <a:t>Save Changes</a:t>
+            </a:r>
+          </a:p>
+        </p:txBody>
+      </p:sp>
+    </p:spTree>
+    <p:extLst>
+      <p:ext uri="{BB962C8B-B14F-4D97-AF65-F5344CB8AC3E}">
+        <p14:creationId xmlns:p14="http://schemas.microsoft.com/office/powerpoint/2010/main" val="1474829781"/>
       </p:ext>
     </p:extLst>
   </p:cSld>
